--- a/Ames_Housing_Project_Presentation.pptx
+++ b/Ames_Housing_Project_Presentation.pptx
@@ -9,11 +9,14 @@
     <p:sldId id="257" r:id="rId3"/>
     <p:sldId id="258" r:id="rId4"/>
     <p:sldId id="259" r:id="rId5"/>
-    <p:sldId id="260" r:id="rId6"/>
-    <p:sldId id="263" r:id="rId7"/>
-    <p:sldId id="264" r:id="rId8"/>
-    <p:sldId id="261" r:id="rId9"/>
-    <p:sldId id="262" r:id="rId10"/>
+    <p:sldId id="267" r:id="rId6"/>
+    <p:sldId id="260" r:id="rId7"/>
+    <p:sldId id="263" r:id="rId8"/>
+    <p:sldId id="264" r:id="rId9"/>
+    <p:sldId id="261" r:id="rId10"/>
+    <p:sldId id="262" r:id="rId11"/>
+    <p:sldId id="265" r:id="rId12"/>
+    <p:sldId id="266" r:id="rId13"/>
   </p:sldIdLst>
   <p:sldSz cx="12192000" cy="6858000"/>
   <p:notesSz cx="6858000" cy="9144000"/>
@@ -3378,7 +3381,10 @@
           <a:bodyPr/>
           <a:lstStyle/>
           <a:p>
-            <a:endParaRPr lang="en-US"/>
+            <a:r>
+              <a:rPr lang="en-US" dirty="0"/>
+              <a:t>(Add Ames, Iowa background photo)</a:t>
+            </a:r>
           </a:p>
         </p:txBody>
       </p:sp>
@@ -3386,6 +3392,343 @@
     <p:extLst>
       <p:ext uri="{BB962C8B-B14F-4D97-AF65-F5344CB8AC3E}">
         <p14:creationId xmlns:p14="http://schemas.microsoft.com/office/powerpoint/2010/main" val="3826248684"/>
+      </p:ext>
+    </p:extLst>
+  </p:cSld>
+  <p:clrMapOvr>
+    <a:masterClrMapping/>
+  </p:clrMapOvr>
+</p:sld>
+</file>
+
+<file path=ppt/slides/slide10.xml><?xml version="1.0" encoding="utf-8"?>
+<p:sld xmlns:a="http://schemas.openxmlformats.org/drawingml/2006/main" xmlns:r="http://schemas.openxmlformats.org/officeDocument/2006/relationships" xmlns:p="http://schemas.openxmlformats.org/presentationml/2006/main">
+  <p:cSld>
+    <p:spTree>
+      <p:nvGrpSpPr>
+        <p:cNvPr id="1" name=""/>
+        <p:cNvGrpSpPr/>
+        <p:nvPr/>
+      </p:nvGrpSpPr>
+      <p:grpSpPr>
+        <a:xfrm>
+          <a:off x="0" y="0"/>
+          <a:ext cx="0" cy="0"/>
+          <a:chOff x="0" y="0"/>
+          <a:chExt cx="0" cy="0"/>
+        </a:xfrm>
+      </p:grpSpPr>
+      <p:sp>
+        <p:nvSpPr>
+          <p:cNvPr id="2" name="Title 1">
+            <a:extLst>
+              <a:ext uri="{FF2B5EF4-FFF2-40B4-BE49-F238E27FC236}">
+                <a16:creationId xmlns:a16="http://schemas.microsoft.com/office/drawing/2014/main" id="{4F04B741-627B-A993-7B96-1CFFB8638CDD}"/>
+              </a:ext>
+            </a:extLst>
+          </p:cNvPr>
+          <p:cNvSpPr>
+            <a:spLocks noGrp="1"/>
+          </p:cNvSpPr>
+          <p:nvPr>
+            <p:ph type="title"/>
+          </p:nvPr>
+        </p:nvSpPr>
+        <p:spPr/>
+        <p:txBody>
+          <a:bodyPr/>
+          <a:lstStyle/>
+          <a:p>
+            <a:r>
+              <a:rPr lang="en-US" dirty="0"/>
+              <a:t>Final Model selection Section</a:t>
+            </a:r>
+          </a:p>
+        </p:txBody>
+      </p:sp>
+      <p:sp>
+        <p:nvSpPr>
+          <p:cNvPr id="3" name="Content Placeholder 2">
+            <a:extLst>
+              <a:ext uri="{FF2B5EF4-FFF2-40B4-BE49-F238E27FC236}">
+                <a16:creationId xmlns:a16="http://schemas.microsoft.com/office/drawing/2014/main" id="{CBEBB159-5ADF-4611-D580-8D26899DA560}"/>
+              </a:ext>
+            </a:extLst>
+          </p:cNvPr>
+          <p:cNvSpPr>
+            <a:spLocks noGrp="1"/>
+          </p:cNvSpPr>
+          <p:nvPr>
+            <p:ph idx="1"/>
+          </p:nvPr>
+        </p:nvSpPr>
+        <p:spPr/>
+        <p:txBody>
+          <a:bodyPr/>
+          <a:lstStyle/>
+          <a:p>
+            <a:r>
+              <a:rPr lang="en-US" dirty="0"/>
+              <a:t>Describe what models were tried (Linear, </a:t>
+            </a:r>
+            <a:r>
+              <a:rPr lang="en-US" dirty="0" err="1"/>
+              <a:t>RandomForest</a:t>
+            </a:r>
+            <a:r>
+              <a:rPr lang="en-US" dirty="0"/>
+              <a:t>, Support Vector Regression, </a:t>
+            </a:r>
+            <a:r>
+              <a:rPr lang="en-US" dirty="0" err="1"/>
+              <a:t>GradientBoosting</a:t>
+            </a:r>
+            <a:r>
+              <a:rPr lang="en-US" dirty="0"/>
+              <a:t>)</a:t>
+            </a:r>
+          </a:p>
+          <a:p>
+            <a:r>
+              <a:rPr lang="en-US" dirty="0"/>
+              <a:t>Found that </a:t>
+            </a:r>
+            <a:r>
+              <a:rPr lang="en-US" dirty="0" err="1"/>
+              <a:t>GradientBoosting</a:t>
+            </a:r>
+            <a:r>
+              <a:rPr lang="en-US" dirty="0"/>
+              <a:t> was the best model with R^2 of ~89%</a:t>
+            </a:r>
+          </a:p>
+          <a:p>
+            <a:r>
+              <a:rPr lang="en-US" dirty="0"/>
+              <a:t>Performed </a:t>
+            </a:r>
+            <a:r>
+              <a:rPr lang="en-US" dirty="0" err="1"/>
+              <a:t>GridSearchCV</a:t>
+            </a:r>
+            <a:r>
+              <a:rPr lang="en-US" dirty="0"/>
+              <a:t> to tune hyperparameters for our best model</a:t>
+            </a:r>
+          </a:p>
+          <a:p>
+            <a:endParaRPr lang="en-US" dirty="0"/>
+          </a:p>
+          <a:p>
+            <a:endParaRPr lang="en-US" dirty="0"/>
+          </a:p>
+        </p:txBody>
+      </p:sp>
+    </p:spTree>
+    <p:extLst>
+      <p:ext uri="{BB962C8B-B14F-4D97-AF65-F5344CB8AC3E}">
+        <p14:creationId xmlns:p14="http://schemas.microsoft.com/office/powerpoint/2010/main" val="990921834"/>
+      </p:ext>
+    </p:extLst>
+  </p:cSld>
+  <p:clrMapOvr>
+    <a:masterClrMapping/>
+  </p:clrMapOvr>
+</p:sld>
+</file>
+
+<file path=ppt/slides/slide11.xml><?xml version="1.0" encoding="utf-8"?>
+<p:sld xmlns:a="http://schemas.openxmlformats.org/drawingml/2006/main" xmlns:r="http://schemas.openxmlformats.org/officeDocument/2006/relationships" xmlns:p="http://schemas.openxmlformats.org/presentationml/2006/main">
+  <p:cSld>
+    <p:spTree>
+      <p:nvGrpSpPr>
+        <p:cNvPr id="1" name=""/>
+        <p:cNvGrpSpPr/>
+        <p:nvPr/>
+      </p:nvGrpSpPr>
+      <p:grpSpPr>
+        <a:xfrm>
+          <a:off x="0" y="0"/>
+          <a:ext cx="0" cy="0"/>
+          <a:chOff x="0" y="0"/>
+          <a:chExt cx="0" cy="0"/>
+        </a:xfrm>
+      </p:grpSpPr>
+      <p:sp>
+        <p:nvSpPr>
+          <p:cNvPr id="2" name="Title 1">
+            <a:extLst>
+              <a:ext uri="{FF2B5EF4-FFF2-40B4-BE49-F238E27FC236}">
+                <a16:creationId xmlns:a16="http://schemas.microsoft.com/office/drawing/2014/main" id="{D6D9643A-08FE-4ADB-464F-B6EAAABC8CFA}"/>
+              </a:ext>
+            </a:extLst>
+          </p:cNvPr>
+          <p:cNvSpPr>
+            <a:spLocks noGrp="1"/>
+          </p:cNvSpPr>
+          <p:nvPr>
+            <p:ph type="title"/>
+          </p:nvPr>
+        </p:nvSpPr>
+        <p:spPr/>
+        <p:txBody>
+          <a:bodyPr/>
+          <a:lstStyle/>
+          <a:p>
+            <a:r>
+              <a:rPr lang="en-US" dirty="0"/>
+              <a:t>Sample House Sale </a:t>
+            </a:r>
+          </a:p>
+        </p:txBody>
+      </p:sp>
+      <p:sp>
+        <p:nvSpPr>
+          <p:cNvPr id="3" name="Content Placeholder 2">
+            <a:extLst>
+              <a:ext uri="{FF2B5EF4-FFF2-40B4-BE49-F238E27FC236}">
+                <a16:creationId xmlns:a16="http://schemas.microsoft.com/office/drawing/2014/main" id="{26B5C722-24F7-C9AF-F5BB-FA9AFD2AF30F}"/>
+              </a:ext>
+            </a:extLst>
+          </p:cNvPr>
+          <p:cNvSpPr>
+            <a:spLocks noGrp="1"/>
+          </p:cNvSpPr>
+          <p:nvPr>
+            <p:ph idx="1"/>
+          </p:nvPr>
+        </p:nvSpPr>
+        <p:spPr/>
+        <p:txBody>
+          <a:bodyPr/>
+          <a:lstStyle/>
+          <a:p>
+            <a:r>
+              <a:rPr lang="en-US" dirty="0"/>
+              <a:t>Want to predict price for 2019 and 2021</a:t>
+            </a:r>
+          </a:p>
+          <a:p>
+            <a:endParaRPr lang="en-US" dirty="0"/>
+          </a:p>
+        </p:txBody>
+      </p:sp>
+    </p:spTree>
+    <p:extLst>
+      <p:ext uri="{BB962C8B-B14F-4D97-AF65-F5344CB8AC3E}">
+        <p14:creationId xmlns:p14="http://schemas.microsoft.com/office/powerpoint/2010/main" val="3849151842"/>
+      </p:ext>
+    </p:extLst>
+  </p:cSld>
+  <p:clrMapOvr>
+    <a:masterClrMapping/>
+  </p:clrMapOvr>
+</p:sld>
+</file>
+
+<file path=ppt/slides/slide12.xml><?xml version="1.0" encoding="utf-8"?>
+<p:sld xmlns:a="http://schemas.openxmlformats.org/drawingml/2006/main" xmlns:r="http://schemas.openxmlformats.org/officeDocument/2006/relationships" xmlns:p="http://schemas.openxmlformats.org/presentationml/2006/main">
+  <p:cSld>
+    <p:spTree>
+      <p:nvGrpSpPr>
+        <p:cNvPr id="1" name=""/>
+        <p:cNvGrpSpPr/>
+        <p:nvPr/>
+      </p:nvGrpSpPr>
+      <p:grpSpPr>
+        <a:xfrm>
+          <a:off x="0" y="0"/>
+          <a:ext cx="0" cy="0"/>
+          <a:chOff x="0" y="0"/>
+          <a:chExt cx="0" cy="0"/>
+        </a:xfrm>
+      </p:grpSpPr>
+      <p:sp>
+        <p:nvSpPr>
+          <p:cNvPr id="2" name="Title 1">
+            <a:extLst>
+              <a:ext uri="{FF2B5EF4-FFF2-40B4-BE49-F238E27FC236}">
+                <a16:creationId xmlns:a16="http://schemas.microsoft.com/office/drawing/2014/main" id="{25C0AEB2-E4AB-B65F-6BDB-FA67CEE8A98D}"/>
+              </a:ext>
+            </a:extLst>
+          </p:cNvPr>
+          <p:cNvSpPr>
+            <a:spLocks noGrp="1"/>
+          </p:cNvSpPr>
+          <p:nvPr>
+            <p:ph type="title"/>
+          </p:nvPr>
+        </p:nvSpPr>
+        <p:spPr/>
+        <p:txBody>
+          <a:bodyPr/>
+          <a:lstStyle/>
+          <a:p>
+            <a:r>
+              <a:rPr lang="en-US" dirty="0"/>
+              <a:t>Conclusion</a:t>
+            </a:r>
+          </a:p>
+        </p:txBody>
+      </p:sp>
+      <p:sp>
+        <p:nvSpPr>
+          <p:cNvPr id="3" name="Content Placeholder 2">
+            <a:extLst>
+              <a:ext uri="{FF2B5EF4-FFF2-40B4-BE49-F238E27FC236}">
+                <a16:creationId xmlns:a16="http://schemas.microsoft.com/office/drawing/2014/main" id="{F79D7599-E5C0-175A-0EEB-EB6B17872D65}"/>
+              </a:ext>
+            </a:extLst>
+          </p:cNvPr>
+          <p:cNvSpPr>
+            <a:spLocks noGrp="1"/>
+          </p:cNvSpPr>
+          <p:nvPr>
+            <p:ph idx="1"/>
+          </p:nvPr>
+        </p:nvSpPr>
+        <p:spPr/>
+        <p:txBody>
+          <a:bodyPr/>
+          <a:lstStyle/>
+          <a:p>
+            <a:r>
+              <a:rPr lang="en-US" dirty="0"/>
+              <a:t>How did the pandemic affect house prices and the </a:t>
+            </a:r>
+            <a:r>
+              <a:rPr lang="en-US" dirty="0" err="1"/>
+              <a:t>housemarket</a:t>
+            </a:r>
+            <a:r>
+              <a:rPr lang="en-US" dirty="0"/>
+              <a:t> in Ames, Iowa</a:t>
+            </a:r>
+          </a:p>
+          <a:p>
+            <a:r>
+              <a:rPr lang="en-US" dirty="0"/>
+              <a:t>What locations would Real Estate Agents want to advertise as good locations for people coming from out of town</a:t>
+            </a:r>
+          </a:p>
+          <a:p>
+            <a:r>
+              <a:rPr lang="en-US" dirty="0"/>
+              <a:t>For some out of towners moving from another city what are the best locations for them in terms of convenience and price of the homes (particularly for remote workers)</a:t>
+            </a:r>
+          </a:p>
+          <a:p>
+            <a:endParaRPr lang="en-US" dirty="0"/>
+          </a:p>
+          <a:p>
+            <a:endParaRPr lang="en-US" dirty="0"/>
+          </a:p>
+        </p:txBody>
+      </p:sp>
+    </p:spTree>
+    <p:extLst>
+      <p:ext uri="{BB962C8B-B14F-4D97-AF65-F5344CB8AC3E}">
+        <p14:creationId xmlns:p14="http://schemas.microsoft.com/office/powerpoint/2010/main" val="3021288419"/>
       </p:ext>
     </p:extLst>
   </p:cSld>
@@ -3435,7 +3778,7 @@
           <a:p>
             <a:r>
               <a:rPr lang="en-US" dirty="0"/>
-              <a:t>Background </a:t>
+              <a:t>Introduction</a:t>
             </a:r>
           </a:p>
         </p:txBody>
@@ -3465,13 +3808,13 @@
           <a:p>
             <a:r>
               <a:rPr lang="en-US" sz="1600" dirty="0"/>
-              <a:t>Who we are: consultant for real estate firm</a:t>
+              <a:t>Who we are: a consultant for real estate firm</a:t>
             </a:r>
           </a:p>
           <a:p>
             <a:r>
               <a:rPr lang="en-US" sz="1600" dirty="0"/>
-              <a:t>Clients would be people moving from a larger city to a smaller town like Ames to save on housing costs, but work remotely</a:t>
+              <a:t>Real Estate firm clients would be people moving from a larger city to a smaller town like Ames to save on housing costs, but work remotely</a:t>
             </a:r>
           </a:p>
           <a:p>
@@ -3513,6 +3856,17 @@
               <a:rPr lang="en-US" sz="1600" dirty="0"/>
               <a:t>Proximity to which services impact sale price the most to better advise their clients </a:t>
             </a:r>
+          </a:p>
+          <a:p>
+            <a:pPr lvl="1"/>
+            <a:r>
+              <a:rPr lang="en-US" sz="1600" dirty="0"/>
+              <a:t>Wants to understand where to position advertising</a:t>
+            </a:r>
+          </a:p>
+          <a:p>
+            <a:pPr lvl="1"/>
+            <a:endParaRPr lang="en-US" sz="1600" dirty="0"/>
           </a:p>
           <a:p>
             <a:pPr lvl="1"/>
@@ -3596,7 +3950,9 @@
         </p:nvSpPr>
         <p:spPr/>
         <p:txBody>
-          <a:bodyPr/>
+          <a:bodyPr>
+            <a:normAutofit fontScale="85000" lnSpcReduction="20000"/>
+          </a:bodyPr>
           <a:lstStyle/>
           <a:p>
             <a:r>
@@ -3654,6 +4010,59 @@
               <a:rPr lang="en-US" dirty="0"/>
               <a:t>Discuss which years were chosen and why (2019, 2021)</a:t>
             </a:r>
+          </a:p>
+          <a:p>
+            <a:r>
+              <a:rPr lang="en-US" dirty="0"/>
+              <a:t>Visualizations:</a:t>
+            </a:r>
+          </a:p>
+          <a:p>
+            <a:pPr lvl="1"/>
+            <a:r>
+              <a:rPr lang="en-US" dirty="0"/>
+              <a:t>Show visualizations for trends in the housing prices and the number of homes sold per month</a:t>
+            </a:r>
+          </a:p>
+          <a:p>
+            <a:pPr lvl="1"/>
+            <a:r>
+              <a:rPr lang="en-US" dirty="0"/>
+              <a:t>Show all Area/SF fields and engineered fields in one bar chart</a:t>
+            </a:r>
+          </a:p>
+          <a:p>
+            <a:pPr lvl="1"/>
+            <a:r>
+              <a:rPr lang="en-US" dirty="0"/>
+              <a:t>Show frequency table of “Has_” fields</a:t>
+            </a:r>
+          </a:p>
+          <a:p>
+            <a:pPr lvl="1"/>
+            <a:r>
+              <a:rPr lang="en-US" dirty="0"/>
+              <a:t>Show Correlations using heatmap to show which fields are more correlated to </a:t>
+            </a:r>
+            <a:r>
+              <a:rPr lang="en-US" dirty="0" err="1"/>
+              <a:t>SalePrice</a:t>
+            </a:r>
+            <a:endParaRPr lang="en-US" dirty="0"/>
+          </a:p>
+          <a:p>
+            <a:pPr lvl="1"/>
+            <a:r>
+              <a:rPr lang="en-US" dirty="0"/>
+              <a:t>Data Visualization of the important fields from Real Estate data for 2019, 2021</a:t>
+            </a:r>
+          </a:p>
+          <a:p>
+            <a:pPr lvl="1"/>
+            <a:endParaRPr lang="en-US" dirty="0"/>
+          </a:p>
+          <a:p>
+            <a:endParaRPr lang="en-US" dirty="0"/>
           </a:p>
           <a:p>
             <a:endParaRPr lang="en-US" dirty="0"/>
@@ -3769,6 +4178,29 @@
             </a:r>
           </a:p>
           <a:p>
+            <a:r>
+              <a:rPr lang="en-US" dirty="0"/>
+              <a:t>Visualizations:</a:t>
+            </a:r>
+          </a:p>
+          <a:p>
+            <a:pPr lvl="1"/>
+            <a:r>
+              <a:rPr lang="en-US" dirty="0"/>
+              <a:t>Map of the businesses selected</a:t>
+            </a:r>
+          </a:p>
+          <a:p>
+            <a:pPr lvl="1"/>
+            <a:endParaRPr lang="en-US" dirty="0"/>
+          </a:p>
+          <a:p>
+            <a:pPr marL="0" indent="0">
+              <a:buNone/>
+            </a:pPr>
+            <a:endParaRPr lang="en-US" dirty="0"/>
+          </a:p>
+          <a:p>
             <a:endParaRPr lang="en-US" dirty="0"/>
           </a:p>
         </p:txBody>
@@ -3808,7 +4240,7 @@
           <p:cNvPr id="2" name="Title 1">
             <a:extLst>
               <a:ext uri="{FF2B5EF4-FFF2-40B4-BE49-F238E27FC236}">
-                <a16:creationId xmlns:a16="http://schemas.microsoft.com/office/drawing/2014/main" id="{64B34513-6B9E-E9F6-70DB-3E1BAA8439B1}"/>
+                <a16:creationId xmlns:a16="http://schemas.microsoft.com/office/drawing/2014/main" id="{BA37A93C-7117-F49E-CE67-2AC72EF5CAE2}"/>
               </a:ext>
             </a:extLst>
           </p:cNvPr>
@@ -3824,180 +4256,43 @@
           <a:bodyPr/>
           <a:lstStyle/>
           <a:p>
-            <a:r>
-              <a:rPr lang="en-US" dirty="0" err="1"/>
-              <a:t>LatLong</a:t>
-            </a:r>
-            <a:r>
-              <a:rPr lang="en-US" dirty="0"/>
-              <a:t> and Drive Time section </a:t>
-            </a:r>
-          </a:p>
-        </p:txBody>
-      </p:sp>
-      <p:sp>
-        <p:nvSpPr>
-          <p:cNvPr id="3" name="Content Placeholder 2">
-            <a:extLst>
-              <a:ext uri="{FF2B5EF4-FFF2-40B4-BE49-F238E27FC236}">
-                <a16:creationId xmlns:a16="http://schemas.microsoft.com/office/drawing/2014/main" id="{43FC4303-4881-B5CF-33E2-B7C1C231B6EF}"/>
-              </a:ext>
-            </a:extLst>
-          </p:cNvPr>
-          <p:cNvSpPr>
-            <a:spLocks noGrp="1"/>
-          </p:cNvSpPr>
+            <a:endParaRPr lang="en-US"/>
+          </a:p>
+        </p:txBody>
+      </p:sp>
+      <p:pic>
+        <p:nvPicPr>
+          <p:cNvPr id="5" name="Content Placeholder 4" descr="A map of a city with many cities&#10;&#10;Description automatically generated">
+            <a:extLst>
+              <a:ext uri="{FF2B5EF4-FFF2-40B4-BE49-F238E27FC236}">
+                <a16:creationId xmlns:a16="http://schemas.microsoft.com/office/drawing/2014/main" id="{F4D51016-38FF-729F-FED1-A64B1BCE019C}"/>
+              </a:ext>
+            </a:extLst>
+          </p:cNvPr>
+          <p:cNvPicPr>
+            <a:picLocks noGrp="1" noChangeAspect="1"/>
+          </p:cNvPicPr>
           <p:nvPr>
             <p:ph idx="1"/>
           </p:nvPr>
-        </p:nvSpPr>
-        <p:spPr/>
-        <p:txBody>
-          <a:bodyPr>
-            <a:normAutofit fontScale="92500"/>
-          </a:bodyPr>
-          <a:lstStyle/>
-          <a:p>
-            <a:r>
-              <a:rPr lang="en-US" dirty="0"/>
-              <a:t>Describe source and method for calculating </a:t>
-            </a:r>
-            <a:r>
-              <a:rPr lang="en-US" dirty="0" err="1"/>
-              <a:t>LatLongs</a:t>
-            </a:r>
-            <a:r>
-              <a:rPr lang="en-US" dirty="0"/>
-              <a:t>, drive time and min point to point distances (OSMR, </a:t>
-            </a:r>
-            <a:r>
-              <a:rPr lang="en-US" dirty="0" err="1"/>
-              <a:t>Nominatim</a:t>
-            </a:r>
-            <a:r>
-              <a:rPr lang="en-US" dirty="0"/>
-              <a:t>, </a:t>
-            </a:r>
-            <a:r>
-              <a:rPr lang="en-US" dirty="0" err="1"/>
-              <a:t>GeoApify</a:t>
-            </a:r>
-            <a:r>
-              <a:rPr lang="en-US" dirty="0"/>
-              <a:t>, </a:t>
-            </a:r>
-            <a:r>
-              <a:rPr lang="en-US" dirty="0" err="1"/>
-              <a:t>reverselookup</a:t>
-            </a:r>
-            <a:r>
-              <a:rPr lang="en-US" dirty="0"/>
-              <a:t> </a:t>
-            </a:r>
-            <a:r>
-              <a:rPr lang="en-US" dirty="0" err="1"/>
-              <a:t>etc</a:t>
-            </a:r>
-            <a:r>
-              <a:rPr lang="en-US" dirty="0"/>
-              <a:t>)</a:t>
-            </a:r>
-          </a:p>
-          <a:p>
-            <a:r>
-              <a:rPr lang="en-US" dirty="0"/>
-              <a:t>Talk about why we used drive time as opposed to driving distance</a:t>
-            </a:r>
-          </a:p>
-          <a:p>
-            <a:pPr lvl="1"/>
-            <a:r>
-              <a:rPr lang="en-US" dirty="0"/>
-              <a:t>Using preliminary descriptive linear models, time presented a higher R^2 than driving distance. This is probably because drive time takes road conditions into account (number of traffic lights, stop signs, traffic conditions, street directions </a:t>
-            </a:r>
-            <a:r>
-              <a:rPr lang="en-US" dirty="0" err="1"/>
-              <a:t>etc</a:t>
-            </a:r>
-            <a:r>
-              <a:rPr lang="en-US" dirty="0"/>
-              <a:t>)</a:t>
-            </a:r>
-          </a:p>
-          <a:p>
-            <a:r>
-              <a:rPr lang="en-US" dirty="0"/>
-              <a:t>Discuss methodology for </a:t>
-            </a:r>
-            <a:r>
-              <a:rPr lang="en-US" dirty="0" err="1"/>
-              <a:t>latlong</a:t>
-            </a:r>
-            <a:r>
-              <a:rPr lang="en-US" dirty="0"/>
-              <a:t> and drive time lookup</a:t>
-            </a:r>
-          </a:p>
-          <a:p>
-            <a:pPr lvl="1"/>
-            <a:r>
-              <a:rPr lang="en-US" dirty="0"/>
-              <a:t>First found </a:t>
-            </a:r>
-            <a:r>
-              <a:rPr lang="en-US" dirty="0" err="1"/>
-              <a:t>Latlongs</a:t>
-            </a:r>
-            <a:r>
-              <a:rPr lang="en-US" dirty="0"/>
-              <a:t>. The </a:t>
-            </a:r>
-            <a:r>
-              <a:rPr lang="en-US" dirty="0" err="1"/>
-              <a:t>Latlongs</a:t>
-            </a:r>
-            <a:r>
-              <a:rPr lang="en-US" dirty="0"/>
-              <a:t> found were verified using </a:t>
-            </a:r>
-            <a:r>
-              <a:rPr lang="en-US" dirty="0" err="1"/>
-              <a:t>reverselookup</a:t>
-            </a:r>
-            <a:r>
-              <a:rPr lang="en-US" dirty="0"/>
-              <a:t>. Manually corrected any discrepancies. Then looked up driving times and driving distances through an API</a:t>
-            </a:r>
-          </a:p>
-          <a:p>
-            <a:pPr lvl="1"/>
-            <a:r>
-              <a:rPr lang="en-US" dirty="0"/>
-              <a:t>List of resource used: OSMR, </a:t>
-            </a:r>
-            <a:r>
-              <a:rPr lang="en-US" dirty="0" err="1"/>
-              <a:t>Nominatim</a:t>
-            </a:r>
-            <a:r>
-              <a:rPr lang="en-US" dirty="0"/>
-              <a:t>, </a:t>
-            </a:r>
-            <a:r>
-              <a:rPr lang="en-US" dirty="0" err="1"/>
-              <a:t>GeoApify</a:t>
-            </a:r>
-            <a:r>
-              <a:rPr lang="en-US" dirty="0"/>
-              <a:t> and Google Maps.</a:t>
-            </a:r>
-          </a:p>
-        </p:txBody>
-      </p:sp>
+        </p:nvPicPr>
+        <p:blipFill>
+          <a:blip r:embed="rId2"/>
+          <a:stretch>
+            <a:fillRect/>
+          </a:stretch>
+        </p:blipFill>
+        <p:spPr>
+          <a:xfrm>
+            <a:off x="1829119" y="262493"/>
+            <a:ext cx="7852627" cy="6333013"/>
+          </a:xfrm>
+        </p:spPr>
+      </p:pic>
     </p:spTree>
     <p:extLst>
       <p:ext uri="{BB962C8B-B14F-4D97-AF65-F5344CB8AC3E}">
-        <p14:creationId xmlns:p14="http://schemas.microsoft.com/office/powerpoint/2010/main" val="194804399"/>
+        <p14:creationId xmlns:p14="http://schemas.microsoft.com/office/powerpoint/2010/main" val="1127569185"/>
       </p:ext>
     </p:extLst>
   </p:cSld>
@@ -4029,7 +4324,7 @@
           <p:cNvPr id="2" name="Title 1">
             <a:extLst>
               <a:ext uri="{FF2B5EF4-FFF2-40B4-BE49-F238E27FC236}">
-                <a16:creationId xmlns:a16="http://schemas.microsoft.com/office/drawing/2014/main" id="{652CD62F-6D7E-DE84-C43A-DBFA2B8073B7}"/>
+                <a16:creationId xmlns:a16="http://schemas.microsoft.com/office/drawing/2014/main" id="{64B34513-6B9E-E9F6-70DB-3E1BAA8439B1}"/>
               </a:ext>
             </a:extLst>
           </p:cNvPr>
@@ -4046,8 +4341,12 @@
           <a:lstStyle/>
           <a:p>
             <a:r>
-              <a:rPr lang="en-US" dirty="0"/>
-              <a:t>Feature Engineering Section</a:t>
+              <a:rPr lang="en-US" dirty="0" err="1"/>
+              <a:t>LatLong</a:t>
+            </a:r>
+            <a:r>
+              <a:rPr lang="en-US" dirty="0"/>
+              <a:t> and Drive Time section </a:t>
             </a:r>
           </a:p>
         </p:txBody>
@@ -4057,7 +4356,7 @@
           <p:cNvPr id="3" name="Content Placeholder 2">
             <a:extLst>
               <a:ext uri="{FF2B5EF4-FFF2-40B4-BE49-F238E27FC236}">
-                <a16:creationId xmlns:a16="http://schemas.microsoft.com/office/drawing/2014/main" id="{26347C1C-8F3F-2E0A-2B2F-5C61ED015EF4}"/>
+                <a16:creationId xmlns:a16="http://schemas.microsoft.com/office/drawing/2014/main" id="{43FC4303-4881-B5CF-33E2-B7C1C231B6EF}"/>
               </a:ext>
             </a:extLst>
           </p:cNvPr>
@@ -4070,40 +4369,50 @@
         </p:nvSpPr>
         <p:spPr/>
         <p:txBody>
-          <a:bodyPr/>
-          <a:lstStyle/>
-          <a:p>
-            <a:r>
-              <a:rPr lang="en-US" dirty="0"/>
-              <a:t>What fields we created and their significance (“Has_” Booleans, </a:t>
+          <a:bodyPr>
+            <a:normAutofit fontScale="92500"/>
+          </a:bodyPr>
+          <a:lstStyle/>
+          <a:p>
+            <a:r>
+              <a:rPr lang="en-US" dirty="0"/>
+              <a:t>Describe source and method for calculating </a:t>
             </a:r>
             <a:r>
               <a:rPr lang="en-US" dirty="0" err="1"/>
-              <a:t>TotalArea</a:t>
-            </a:r>
-            <a:r>
-              <a:rPr lang="en-US" dirty="0"/>
-              <a:t> and </a:t>
+              <a:t>LatLongs</a:t>
+            </a:r>
+            <a:r>
+              <a:rPr lang="en-US" dirty="0"/>
+              <a:t>, drive time and min point to point distances (OSMR, </a:t>
             </a:r>
             <a:r>
               <a:rPr lang="en-US" dirty="0" err="1"/>
-              <a:t>TotalArea</a:t>
-            </a:r>
-            <a:r>
-              <a:rPr lang="en-US" dirty="0"/>
-              <a:t> with Garage, combined Ext1/2 field into dummy set of cols, dummies for </a:t>
+              <a:t>Nominatim</a:t>
+            </a:r>
+            <a:r>
+              <a:rPr lang="en-US" dirty="0"/>
+              <a:t>, </a:t>
             </a:r>
             <a:r>
               <a:rPr lang="en-US" dirty="0" err="1"/>
-              <a:t>HouseStyle</a:t>
-            </a:r>
-            <a:r>
-              <a:rPr lang="en-US" dirty="0"/>
-              <a:t> and </a:t>
+              <a:t>GeoApify</a:t>
+            </a:r>
+            <a:r>
+              <a:rPr lang="en-US" dirty="0"/>
+              <a:t>, </a:t>
             </a:r>
             <a:r>
               <a:rPr lang="en-US" dirty="0" err="1"/>
-              <a:t>GarageType</a:t>
+              <a:t>reverselookup</a:t>
+            </a:r>
+            <a:r>
+              <a:rPr lang="en-US" dirty="0"/>
+              <a:t> </a:t>
+            </a:r>
+            <a:r>
+              <a:rPr lang="en-US" dirty="0" err="1"/>
+              <a:t>etc</a:t>
             </a:r>
             <a:r>
               <a:rPr lang="en-US" dirty="0"/>
@@ -4113,33 +4422,98 @@
           <a:p>
             <a:r>
               <a:rPr lang="en-US" dirty="0"/>
-              <a:t>Talk about reengineered times and distances. Minimum distances based on geography.</a:t>
+              <a:t>Talk about why we used drive time as opposed to driving distance</a:t>
             </a:r>
           </a:p>
           <a:p>
             <a:pPr lvl="1"/>
             <a:r>
               <a:rPr lang="en-US" dirty="0"/>
-              <a:t>Closest_5 field, convenience, centrality, </a:t>
+              <a:t>Using preliminary descriptive linear models, time presented a higher R^2 than driving distance. This is probably because drive time takes road conditions into account (number of traffic lights, stop signs, traffic conditions, street directions </a:t>
             </a:r>
             <a:r>
               <a:rPr lang="en-US" dirty="0" err="1"/>
-              <a:t>num_biz</a:t>
-            </a:r>
-            <a:r>
-              <a:rPr lang="en-US" dirty="0"/>
-              <a:t> within 180s/480</a:t>
-            </a:r>
-          </a:p>
-          <a:p>
-            <a:endParaRPr lang="en-US" dirty="0"/>
+              <a:t>etc</a:t>
+            </a:r>
+            <a:r>
+              <a:rPr lang="en-US" dirty="0"/>
+              <a:t>)</a:t>
+            </a:r>
+          </a:p>
+          <a:p>
+            <a:r>
+              <a:rPr lang="en-US" dirty="0"/>
+              <a:t>Discuss methodology for </a:t>
+            </a:r>
+            <a:r>
+              <a:rPr lang="en-US" dirty="0" err="1"/>
+              <a:t>latlong</a:t>
+            </a:r>
+            <a:r>
+              <a:rPr lang="en-US" dirty="0"/>
+              <a:t> and drive time lookup</a:t>
+            </a:r>
+          </a:p>
+          <a:p>
+            <a:pPr lvl="1"/>
+            <a:r>
+              <a:rPr lang="en-US" dirty="0"/>
+              <a:t>First found </a:t>
+            </a:r>
+            <a:r>
+              <a:rPr lang="en-US" dirty="0" err="1"/>
+              <a:t>Latlongs</a:t>
+            </a:r>
+            <a:r>
+              <a:rPr lang="en-US" dirty="0"/>
+              <a:t>. The </a:t>
+            </a:r>
+            <a:r>
+              <a:rPr lang="en-US" dirty="0" err="1"/>
+              <a:t>Latlongs</a:t>
+            </a:r>
+            <a:r>
+              <a:rPr lang="en-US" dirty="0"/>
+              <a:t> found were verified using </a:t>
+            </a:r>
+            <a:r>
+              <a:rPr lang="en-US" dirty="0" err="1"/>
+              <a:t>reverselookup</a:t>
+            </a:r>
+            <a:r>
+              <a:rPr lang="en-US" dirty="0"/>
+              <a:t>. Manually corrected any discrepancies. Then looked up driving times and driving distances through an API</a:t>
+            </a:r>
+          </a:p>
+          <a:p>
+            <a:pPr lvl="1"/>
+            <a:r>
+              <a:rPr lang="en-US" dirty="0"/>
+              <a:t>List of resource used: OSMR, </a:t>
+            </a:r>
+            <a:r>
+              <a:rPr lang="en-US" dirty="0" err="1"/>
+              <a:t>Nominatim</a:t>
+            </a:r>
+            <a:r>
+              <a:rPr lang="en-US" dirty="0"/>
+              <a:t>, </a:t>
+            </a:r>
+            <a:r>
+              <a:rPr lang="en-US" dirty="0" err="1"/>
+              <a:t>GeoApify</a:t>
+            </a:r>
+            <a:r>
+              <a:rPr lang="en-US" dirty="0"/>
+              <a:t> and Google Maps.</a:t>
+            </a:r>
           </a:p>
         </p:txBody>
       </p:sp>
     </p:spTree>
     <p:extLst>
       <p:ext uri="{BB962C8B-B14F-4D97-AF65-F5344CB8AC3E}">
-        <p14:creationId xmlns:p14="http://schemas.microsoft.com/office/powerpoint/2010/main" val="48111887"/>
+        <p14:creationId xmlns:p14="http://schemas.microsoft.com/office/powerpoint/2010/main" val="194804399"/>
       </p:ext>
     </p:extLst>
   </p:cSld>
@@ -4171,7 +4545,7 @@
           <p:cNvPr id="2" name="Title 1">
             <a:extLst>
               <a:ext uri="{FF2B5EF4-FFF2-40B4-BE49-F238E27FC236}">
-                <a16:creationId xmlns:a16="http://schemas.microsoft.com/office/drawing/2014/main" id="{5FF212F9-ED1F-B0C6-B175-03809EACF9EF}"/>
+                <a16:creationId xmlns:a16="http://schemas.microsoft.com/office/drawing/2014/main" id="{652CD62F-6D7E-DE84-C43A-DBFA2B8073B7}"/>
               </a:ext>
             </a:extLst>
           </p:cNvPr>
@@ -4189,7 +4563,7 @@
           <a:p>
             <a:r>
               <a:rPr lang="en-US" dirty="0"/>
-              <a:t>Feature Selection Section</a:t>
+              <a:t>Feature Engineering Section</a:t>
             </a:r>
           </a:p>
         </p:txBody>
@@ -4199,7 +4573,7 @@
           <p:cNvPr id="3" name="Content Placeholder 2">
             <a:extLst>
               <a:ext uri="{FF2B5EF4-FFF2-40B4-BE49-F238E27FC236}">
-                <a16:creationId xmlns:a16="http://schemas.microsoft.com/office/drawing/2014/main" id="{710D60C1-E1B2-C39D-A3A9-6FDA797EBF25}"/>
+                <a16:creationId xmlns:a16="http://schemas.microsoft.com/office/drawing/2014/main" id="{26347C1C-8F3F-2E0A-2B2F-5C61ED015EF4}"/>
               </a:ext>
             </a:extLst>
           </p:cNvPr>
@@ -4217,29 +4591,11 @@
           <a:p>
             <a:r>
               <a:rPr lang="en-US" dirty="0"/>
-              <a:t>Methods used for feature selection (Lasso, VIF, SFS)</a:t>
-            </a:r>
-          </a:p>
-          <a:p>
-            <a:r>
-              <a:rPr lang="en-US" dirty="0"/>
-              <a:t>Due to multicollinearity issues, VIF and Lasso were unnecessary</a:t>
-            </a:r>
-          </a:p>
-          <a:p>
-            <a:r>
-              <a:rPr lang="en-US" dirty="0"/>
-              <a:t>Chose to use ensemble techniques that can handle multicollinearity</a:t>
-            </a:r>
-          </a:p>
-          <a:p>
-            <a:r>
-              <a:rPr lang="en-US" dirty="0"/>
-              <a:t>Thus SFS was used as a greedy process, both </a:t>
+              <a:t>What fields we created and their significance (“Has_” Booleans, </a:t>
             </a:r>
             <a:r>
               <a:rPr lang="en-US" dirty="0" err="1"/>
-              <a:t>fwd</a:t>
+              <a:t>TotalArea</a:t>
             </a:r>
             <a:r>
               <a:rPr lang="en-US" dirty="0"/>
@@ -4247,22 +4603,51 @@
             </a:r>
             <a:r>
               <a:rPr lang="en-US" dirty="0" err="1"/>
-              <a:t>bwd</a:t>
-            </a:r>
-            <a:r>
-              <a:rPr lang="en-US" dirty="0"/>
-              <a:t>, which resulted in 37 features selected for the final model</a:t>
-            </a:r>
-          </a:p>
-          <a:p>
-            <a:r>
-              <a:rPr lang="en-US" dirty="0"/>
-              <a:t>Describe the important features in some way using a diagram or list of correlation/</a:t>
+              <a:t>TotalArea</a:t>
+            </a:r>
+            <a:r>
+              <a:rPr lang="en-US" dirty="0"/>
+              <a:t> with Garage, combined Ext1/2 field into dummy set of cols, dummies for </a:t>
             </a:r>
             <a:r>
               <a:rPr lang="en-US" dirty="0" err="1"/>
-              <a:t>importances</a:t>
-            </a:r>
+              <a:t>HouseStyle</a:t>
+            </a:r>
+            <a:r>
+              <a:rPr lang="en-US" dirty="0"/>
+              <a:t> and </a:t>
+            </a:r>
+            <a:r>
+              <a:rPr lang="en-US" dirty="0" err="1"/>
+              <a:t>GarageType</a:t>
+            </a:r>
+            <a:r>
+              <a:rPr lang="en-US" dirty="0"/>
+              <a:t>)</a:t>
+            </a:r>
+          </a:p>
+          <a:p>
+            <a:r>
+              <a:rPr lang="en-US" dirty="0"/>
+              <a:t>Talk about reengineered times and distances. Minimum distances based on geography.</a:t>
+            </a:r>
+          </a:p>
+          <a:p>
+            <a:pPr lvl="1"/>
+            <a:r>
+              <a:rPr lang="en-US" dirty="0"/>
+              <a:t>Closest_5 field, convenience, centrality, </a:t>
+            </a:r>
+            <a:r>
+              <a:rPr lang="en-US" dirty="0" err="1"/>
+              <a:t>num_biz</a:t>
+            </a:r>
+            <a:r>
+              <a:rPr lang="en-US" dirty="0"/>
+              <a:t> within 180s/480</a:t>
+            </a:r>
+          </a:p>
+          <a:p>
             <a:endParaRPr lang="en-US" dirty="0"/>
           </a:p>
         </p:txBody>
@@ -4270,7 +4655,7 @@
     </p:spTree>
     <p:extLst>
       <p:ext uri="{BB962C8B-B14F-4D97-AF65-F5344CB8AC3E}">
-        <p14:creationId xmlns:p14="http://schemas.microsoft.com/office/powerpoint/2010/main" val="793378892"/>
+        <p14:creationId xmlns:p14="http://schemas.microsoft.com/office/powerpoint/2010/main" val="48111887"/>
       </p:ext>
     </p:extLst>
   </p:cSld>
@@ -4302,7 +4687,7 @@
           <p:cNvPr id="2" name="Title 1">
             <a:extLst>
               <a:ext uri="{FF2B5EF4-FFF2-40B4-BE49-F238E27FC236}">
-                <a16:creationId xmlns:a16="http://schemas.microsoft.com/office/drawing/2014/main" id="{A75C7817-1BFF-C9E7-63CC-91790F745067}"/>
+                <a16:creationId xmlns:a16="http://schemas.microsoft.com/office/drawing/2014/main" id="{5FF212F9-ED1F-B0C6-B175-03809EACF9EF}"/>
               </a:ext>
             </a:extLst>
           </p:cNvPr>
@@ -4320,7 +4705,7 @@
           <a:p>
             <a:r>
               <a:rPr lang="en-US" dirty="0"/>
-              <a:t>Compare 2019 to 2021</a:t>
+              <a:t>Feature Selection Section</a:t>
             </a:r>
           </a:p>
         </p:txBody>
@@ -4330,7 +4715,7 @@
           <p:cNvPr id="3" name="Content Placeholder 2">
             <a:extLst>
               <a:ext uri="{FF2B5EF4-FFF2-40B4-BE49-F238E27FC236}">
-                <a16:creationId xmlns:a16="http://schemas.microsoft.com/office/drawing/2014/main" id="{B97B878B-CD2C-B39F-AFE7-28C09C352DFB}"/>
+                <a16:creationId xmlns:a16="http://schemas.microsoft.com/office/drawing/2014/main" id="{710D60C1-E1B2-C39D-A3A9-6FDA797EBF25}"/>
               </a:ext>
             </a:extLst>
           </p:cNvPr>
@@ -4348,24 +4733,52 @@
           <a:p>
             <a:r>
               <a:rPr lang="en-US" dirty="0"/>
-              <a:t>Compare means of different features across both years, including </a:t>
+              <a:t>Methods used for feature selection (Lasso, VIF, SFS)</a:t>
+            </a:r>
+          </a:p>
+          <a:p>
+            <a:r>
+              <a:rPr lang="en-US" dirty="0"/>
+              <a:t>Due to multicollinearity issues, VIF and Lasso were unnecessary</a:t>
+            </a:r>
+          </a:p>
+          <a:p>
+            <a:r>
+              <a:rPr lang="en-US" dirty="0"/>
+              <a:t>Chose to use ensemble techniques that can handle multicollinearity</a:t>
+            </a:r>
+          </a:p>
+          <a:p>
+            <a:r>
+              <a:rPr lang="en-US" dirty="0"/>
+              <a:t>Thus SFS was used as a greedy process, both </a:t>
             </a:r>
             <a:r>
               <a:rPr lang="en-US" dirty="0" err="1"/>
-              <a:t>SalePrice</a:t>
-            </a:r>
-            <a:endParaRPr lang="en-US" dirty="0"/>
-          </a:p>
-          <a:p>
-            <a:r>
-              <a:rPr lang="en-US" dirty="0"/>
-              <a:t>Assess how the market may have changed due to the Pandemic</a:t>
-            </a:r>
-          </a:p>
-          <a:p>
-            <a:endParaRPr lang="en-US" dirty="0"/>
-          </a:p>
-          <a:p>
+              <a:t>fwd</a:t>
+            </a:r>
+            <a:r>
+              <a:rPr lang="en-US" dirty="0"/>
+              <a:t> and </a:t>
+            </a:r>
+            <a:r>
+              <a:rPr lang="en-US" dirty="0" err="1"/>
+              <a:t>bwd</a:t>
+            </a:r>
+            <a:r>
+              <a:rPr lang="en-US" dirty="0"/>
+              <a:t>, which resulted in 37 features selected for the final model</a:t>
+            </a:r>
+          </a:p>
+          <a:p>
+            <a:r>
+              <a:rPr lang="en-US" dirty="0"/>
+              <a:t>Describe the important features in some way using a diagram or list of correlation/</a:t>
+            </a:r>
+            <a:r>
+              <a:rPr lang="en-US" dirty="0" err="1"/>
+              <a:t>importances</a:t>
+            </a:r>
             <a:endParaRPr lang="en-US" dirty="0"/>
           </a:p>
         </p:txBody>
@@ -4373,7 +4786,7 @@
     </p:spTree>
     <p:extLst>
       <p:ext uri="{BB962C8B-B14F-4D97-AF65-F5344CB8AC3E}">
-        <p14:creationId xmlns:p14="http://schemas.microsoft.com/office/powerpoint/2010/main" val="1846207843"/>
+        <p14:creationId xmlns:p14="http://schemas.microsoft.com/office/powerpoint/2010/main" val="793378892"/>
       </p:ext>
     </p:extLst>
   </p:cSld>
@@ -4405,7 +4818,7 @@
           <p:cNvPr id="2" name="Title 1">
             <a:extLst>
               <a:ext uri="{FF2B5EF4-FFF2-40B4-BE49-F238E27FC236}">
-                <a16:creationId xmlns:a16="http://schemas.microsoft.com/office/drawing/2014/main" id="{4F04B741-627B-A993-7B96-1CFFB8638CDD}"/>
+                <a16:creationId xmlns:a16="http://schemas.microsoft.com/office/drawing/2014/main" id="{A75C7817-1BFF-C9E7-63CC-91790F745067}"/>
               </a:ext>
             </a:extLst>
           </p:cNvPr>
@@ -4423,7 +4836,7 @@
           <a:p>
             <a:r>
               <a:rPr lang="en-US" dirty="0"/>
-              <a:t>Final Model selection Section</a:t>
+              <a:t>Compare 2019 to 2021</a:t>
             </a:r>
           </a:p>
         </p:txBody>
@@ -4433,7 +4846,7 @@
           <p:cNvPr id="3" name="Content Placeholder 2">
             <a:extLst>
               <a:ext uri="{FF2B5EF4-FFF2-40B4-BE49-F238E27FC236}">
-                <a16:creationId xmlns:a16="http://schemas.microsoft.com/office/drawing/2014/main" id="{CBEBB159-5ADF-4611-D580-8D26899DA560}"/>
+                <a16:creationId xmlns:a16="http://schemas.microsoft.com/office/drawing/2014/main" id="{B97B878B-CD2C-B39F-AFE7-28C09C352DFB}"/>
               </a:ext>
             </a:extLst>
           </p:cNvPr>
@@ -4451,52 +4864,46 @@
           <a:p>
             <a:r>
               <a:rPr lang="en-US" dirty="0"/>
-              <a:t>Describe what models were tried (Linear, </a:t>
+              <a:t>Compare means of different features across both years, including </a:t>
             </a:r>
             <a:r>
               <a:rPr lang="en-US" dirty="0" err="1"/>
-              <a:t>RandomForest</a:t>
-            </a:r>
-            <a:r>
-              <a:rPr lang="en-US" dirty="0"/>
-              <a:t>, Support Vector Regression, </a:t>
+              <a:t>SalePrice</a:t>
+            </a:r>
+            <a:endParaRPr lang="en-US" dirty="0"/>
+          </a:p>
+          <a:p>
+            <a:r>
+              <a:rPr lang="en-US" dirty="0"/>
+              <a:t>Assess how the market may have changed due to the Pandemic</a:t>
+            </a:r>
+          </a:p>
+          <a:p>
+            <a:r>
+              <a:rPr lang="en-US" dirty="0"/>
+              <a:t>Add visualizations (map comparisons, AB testing table, hypothesis testing table </a:t>
             </a:r>
             <a:r>
               <a:rPr lang="en-US" dirty="0" err="1"/>
-              <a:t>GradientBoosting</a:t>
-            </a:r>
-            <a:r>
-              <a:rPr lang="en-US" dirty="0"/>
-              <a:t>)</a:t>
-            </a:r>
-          </a:p>
-          <a:p>
-            <a:r>
-              <a:rPr lang="en-US" dirty="0"/>
-              <a:t>Found that </a:t>
-            </a:r>
-            <a:r>
-              <a:rPr lang="en-US" dirty="0" err="1"/>
-              <a:t>GradientBoosting</a:t>
-            </a:r>
-            <a:r>
-              <a:rPr lang="en-US" dirty="0"/>
-              <a:t> was the </a:t>
-            </a:r>
-            <a:r>
-              <a:rPr lang="en-US"/>
-              <a:t>best model with R^2 of ~89%</a:t>
-            </a:r>
-          </a:p>
-          <a:p>
-            <a:endParaRPr lang="en-US"/>
+              <a:t>etc</a:t>
+            </a:r>
+            <a:r>
+              <a:rPr lang="en-US" dirty="0"/>
+              <a:t>…)</a:t>
+            </a:r>
+          </a:p>
+          <a:p>
+            <a:endParaRPr lang="en-US" dirty="0"/>
+          </a:p>
+          <a:p>
+            <a:endParaRPr lang="en-US" dirty="0"/>
           </a:p>
         </p:txBody>
       </p:sp>
     </p:spTree>
     <p:extLst>
       <p:ext uri="{BB962C8B-B14F-4D97-AF65-F5344CB8AC3E}">
-        <p14:creationId xmlns:p14="http://schemas.microsoft.com/office/powerpoint/2010/main" val="990921834"/>
+        <p14:creationId xmlns:p14="http://schemas.microsoft.com/office/powerpoint/2010/main" val="1846207843"/>
       </p:ext>
     </p:extLst>
   </p:cSld>

--- a/Ames_Housing_Project_Presentation.pptx
+++ b/Ames_Housing_Project_Presentation.pptx
@@ -14,9 +14,11 @@
     <p:sldId id="263" r:id="rId8"/>
     <p:sldId id="264" r:id="rId9"/>
     <p:sldId id="261" r:id="rId10"/>
-    <p:sldId id="262" r:id="rId11"/>
-    <p:sldId id="265" r:id="rId12"/>
-    <p:sldId id="266" r:id="rId13"/>
+    <p:sldId id="268" r:id="rId11"/>
+    <p:sldId id="269" r:id="rId12"/>
+    <p:sldId id="262" r:id="rId13"/>
+    <p:sldId id="265" r:id="rId14"/>
+    <p:sldId id="266" r:id="rId15"/>
   </p:sldIdLst>
   <p:sldSz cx="12192000" cy="6858000"/>
   <p:notesSz cx="6858000" cy="9144000"/>
@@ -115,6 +117,11 @@
       </a:defRPr>
     </a:lvl9pPr>
   </p:defaultTextStyle>
+  <p:extLst>
+    <p:ext uri="{EFAFB233-063F-42B5-8137-9DF3F51BA10A}">
+      <p15:sldGuideLst xmlns:p15="http://schemas.microsoft.com/office/powerpoint/2012/main"/>
+    </p:ext>
+  </p:extLst>
 </p:presentation>
 </file>
 
@@ -265,7 +272,7 @@
           <a:p>
             <a:fld id="{90B0A8CB-40E7-AD43-BA9D-877E7F09CF84}" type="datetimeFigureOut">
               <a:rPr lang="en-US" smtClean="0"/>
-              <a:t>7/15/23</a:t>
+              <a:t>7/24/23</a:t>
             </a:fld>
             <a:endParaRPr lang="en-US"/>
           </a:p>
@@ -463,7 +470,7 @@
           <a:p>
             <a:fld id="{90B0A8CB-40E7-AD43-BA9D-877E7F09CF84}" type="datetimeFigureOut">
               <a:rPr lang="en-US" smtClean="0"/>
-              <a:t>7/15/23</a:t>
+              <a:t>7/24/23</a:t>
             </a:fld>
             <a:endParaRPr lang="en-US"/>
           </a:p>
@@ -671,7 +678,7 @@
           <a:p>
             <a:fld id="{90B0A8CB-40E7-AD43-BA9D-877E7F09CF84}" type="datetimeFigureOut">
               <a:rPr lang="en-US" smtClean="0"/>
-              <a:t>7/15/23</a:t>
+              <a:t>7/24/23</a:t>
             </a:fld>
             <a:endParaRPr lang="en-US"/>
           </a:p>
@@ -869,7 +876,7 @@
           <a:p>
             <a:fld id="{90B0A8CB-40E7-AD43-BA9D-877E7F09CF84}" type="datetimeFigureOut">
               <a:rPr lang="en-US" smtClean="0"/>
-              <a:t>7/15/23</a:t>
+              <a:t>7/24/23</a:t>
             </a:fld>
             <a:endParaRPr lang="en-US"/>
           </a:p>
@@ -1144,7 +1151,7 @@
           <a:p>
             <a:fld id="{90B0A8CB-40E7-AD43-BA9D-877E7F09CF84}" type="datetimeFigureOut">
               <a:rPr lang="en-US" smtClean="0"/>
-              <a:t>7/15/23</a:t>
+              <a:t>7/24/23</a:t>
             </a:fld>
             <a:endParaRPr lang="en-US"/>
           </a:p>
@@ -1409,7 +1416,7 @@
           <a:p>
             <a:fld id="{90B0A8CB-40E7-AD43-BA9D-877E7F09CF84}" type="datetimeFigureOut">
               <a:rPr lang="en-US" smtClean="0"/>
-              <a:t>7/15/23</a:t>
+              <a:t>7/24/23</a:t>
             </a:fld>
             <a:endParaRPr lang="en-US"/>
           </a:p>
@@ -1821,7 +1828,7 @@
           <a:p>
             <a:fld id="{90B0A8CB-40E7-AD43-BA9D-877E7F09CF84}" type="datetimeFigureOut">
               <a:rPr lang="en-US" smtClean="0"/>
-              <a:t>7/15/23</a:t>
+              <a:t>7/24/23</a:t>
             </a:fld>
             <a:endParaRPr lang="en-US"/>
           </a:p>
@@ -1962,7 +1969,7 @@
           <a:p>
             <a:fld id="{90B0A8CB-40E7-AD43-BA9D-877E7F09CF84}" type="datetimeFigureOut">
               <a:rPr lang="en-US" smtClean="0"/>
-              <a:t>7/15/23</a:t>
+              <a:t>7/24/23</a:t>
             </a:fld>
             <a:endParaRPr lang="en-US"/>
           </a:p>
@@ -2075,7 +2082,7 @@
           <a:p>
             <a:fld id="{90B0A8CB-40E7-AD43-BA9D-877E7F09CF84}" type="datetimeFigureOut">
               <a:rPr lang="en-US" smtClean="0"/>
-              <a:t>7/15/23</a:t>
+              <a:t>7/24/23</a:t>
             </a:fld>
             <a:endParaRPr lang="en-US"/>
           </a:p>
@@ -2386,7 +2393,7 @@
           <a:p>
             <a:fld id="{90B0A8CB-40E7-AD43-BA9D-877E7F09CF84}" type="datetimeFigureOut">
               <a:rPr lang="en-US" smtClean="0"/>
-              <a:t>7/15/23</a:t>
+              <a:t>7/24/23</a:t>
             </a:fld>
             <a:endParaRPr lang="en-US"/>
           </a:p>
@@ -2674,7 +2681,7 @@
           <a:p>
             <a:fld id="{90B0A8CB-40E7-AD43-BA9D-877E7F09CF84}" type="datetimeFigureOut">
               <a:rPr lang="en-US" smtClean="0"/>
-              <a:t>7/15/23</a:t>
+              <a:t>7/24/23</a:t>
             </a:fld>
             <a:endParaRPr lang="en-US"/>
           </a:p>
@@ -2915,7 +2922,7 @@
           <a:p>
             <a:fld id="{90B0A8CB-40E7-AD43-BA9D-877E7F09CF84}" type="datetimeFigureOut">
               <a:rPr lang="en-US" smtClean="0"/>
-              <a:t>7/15/23</a:t>
+              <a:t>7/24/23</a:t>
             </a:fld>
             <a:endParaRPr lang="en-US"/>
           </a:p>
@@ -3423,6 +3430,166 @@
           <p:cNvPr id="2" name="Title 1">
             <a:extLst>
               <a:ext uri="{FF2B5EF4-FFF2-40B4-BE49-F238E27FC236}">
+                <a16:creationId xmlns:a16="http://schemas.microsoft.com/office/drawing/2014/main" id="{3662D0D7-4F15-8785-F136-A06DF2F46A28}"/>
+              </a:ext>
+            </a:extLst>
+          </p:cNvPr>
+          <p:cNvSpPr>
+            <a:spLocks noGrp="1"/>
+          </p:cNvSpPr>
+          <p:nvPr>
+            <p:ph type="title"/>
+          </p:nvPr>
+        </p:nvSpPr>
+        <p:spPr/>
+        <p:txBody>
+          <a:bodyPr/>
+          <a:lstStyle/>
+          <a:p>
+            <a:endParaRPr lang="en-US"/>
+          </a:p>
+        </p:txBody>
+      </p:sp>
+      <p:sp>
+        <p:nvSpPr>
+          <p:cNvPr id="3" name="Content Placeholder 2">
+            <a:extLst>
+              <a:ext uri="{FF2B5EF4-FFF2-40B4-BE49-F238E27FC236}">
+                <a16:creationId xmlns:a16="http://schemas.microsoft.com/office/drawing/2014/main" id="{27800515-736C-3217-5BE3-95DEA321D04E}"/>
+              </a:ext>
+            </a:extLst>
+          </p:cNvPr>
+          <p:cNvSpPr>
+            <a:spLocks noGrp="1"/>
+          </p:cNvSpPr>
+          <p:nvPr>
+            <p:ph idx="1"/>
+          </p:nvPr>
+        </p:nvSpPr>
+        <p:spPr/>
+        <p:txBody>
+          <a:bodyPr/>
+          <a:lstStyle/>
+          <a:p>
+            <a:endParaRPr lang="en-US"/>
+          </a:p>
+        </p:txBody>
+      </p:sp>
+    </p:spTree>
+    <p:extLst>
+      <p:ext uri="{BB962C8B-B14F-4D97-AF65-F5344CB8AC3E}">
+        <p14:creationId xmlns:p14="http://schemas.microsoft.com/office/powerpoint/2010/main" val="1709302991"/>
+      </p:ext>
+    </p:extLst>
+  </p:cSld>
+  <p:clrMapOvr>
+    <a:masterClrMapping/>
+  </p:clrMapOvr>
+</p:sld>
+</file>
+
+<file path=ppt/slides/slide11.xml><?xml version="1.0" encoding="utf-8"?>
+<p:sld xmlns:a="http://schemas.openxmlformats.org/drawingml/2006/main" xmlns:r="http://schemas.openxmlformats.org/officeDocument/2006/relationships" xmlns:p="http://schemas.openxmlformats.org/presentationml/2006/main">
+  <p:cSld>
+    <p:spTree>
+      <p:nvGrpSpPr>
+        <p:cNvPr id="1" name=""/>
+        <p:cNvGrpSpPr/>
+        <p:nvPr/>
+      </p:nvGrpSpPr>
+      <p:grpSpPr>
+        <a:xfrm>
+          <a:off x="0" y="0"/>
+          <a:ext cx="0" cy="0"/>
+          <a:chOff x="0" y="0"/>
+          <a:chExt cx="0" cy="0"/>
+        </a:xfrm>
+      </p:grpSpPr>
+      <p:sp>
+        <p:nvSpPr>
+          <p:cNvPr id="2" name="Title 1">
+            <a:extLst>
+              <a:ext uri="{FF2B5EF4-FFF2-40B4-BE49-F238E27FC236}">
+                <a16:creationId xmlns:a16="http://schemas.microsoft.com/office/drawing/2014/main" id="{3AA65CCC-B6EE-E752-0907-BFB44626CA6E}"/>
+              </a:ext>
+            </a:extLst>
+          </p:cNvPr>
+          <p:cNvSpPr>
+            <a:spLocks noGrp="1"/>
+          </p:cNvSpPr>
+          <p:nvPr>
+            <p:ph type="title"/>
+          </p:nvPr>
+        </p:nvSpPr>
+        <p:spPr/>
+        <p:txBody>
+          <a:bodyPr/>
+          <a:lstStyle/>
+          <a:p>
+            <a:endParaRPr lang="en-US"/>
+          </a:p>
+        </p:txBody>
+      </p:sp>
+      <p:sp>
+        <p:nvSpPr>
+          <p:cNvPr id="3" name="Content Placeholder 2">
+            <a:extLst>
+              <a:ext uri="{FF2B5EF4-FFF2-40B4-BE49-F238E27FC236}">
+                <a16:creationId xmlns:a16="http://schemas.microsoft.com/office/drawing/2014/main" id="{A9FD451E-1D34-C96E-A892-2D9D29C8AE74}"/>
+              </a:ext>
+            </a:extLst>
+          </p:cNvPr>
+          <p:cNvSpPr>
+            <a:spLocks noGrp="1"/>
+          </p:cNvSpPr>
+          <p:nvPr>
+            <p:ph idx="1"/>
+          </p:nvPr>
+        </p:nvSpPr>
+        <p:spPr/>
+        <p:txBody>
+          <a:bodyPr/>
+          <a:lstStyle/>
+          <a:p>
+            <a:endParaRPr lang="en-US"/>
+          </a:p>
+        </p:txBody>
+      </p:sp>
+    </p:spTree>
+    <p:extLst>
+      <p:ext uri="{BB962C8B-B14F-4D97-AF65-F5344CB8AC3E}">
+        <p14:creationId xmlns:p14="http://schemas.microsoft.com/office/powerpoint/2010/main" val="3598640335"/>
+      </p:ext>
+    </p:extLst>
+  </p:cSld>
+  <p:clrMapOvr>
+    <a:masterClrMapping/>
+  </p:clrMapOvr>
+</p:sld>
+</file>
+
+<file path=ppt/slides/slide12.xml><?xml version="1.0" encoding="utf-8"?>
+<p:sld xmlns:a="http://schemas.openxmlformats.org/drawingml/2006/main" xmlns:r="http://schemas.openxmlformats.org/officeDocument/2006/relationships" xmlns:p="http://schemas.openxmlformats.org/presentationml/2006/main">
+  <p:cSld>
+    <p:spTree>
+      <p:nvGrpSpPr>
+        <p:cNvPr id="1" name=""/>
+        <p:cNvGrpSpPr/>
+        <p:nvPr/>
+      </p:nvGrpSpPr>
+      <p:grpSpPr>
+        <a:xfrm>
+          <a:off x="0" y="0"/>
+          <a:ext cx="0" cy="0"/>
+          <a:chOff x="0" y="0"/>
+          <a:chExt cx="0" cy="0"/>
+        </a:xfrm>
+      </p:grpSpPr>
+      <p:sp>
+        <p:nvSpPr>
+          <p:cNvPr id="2" name="Title 1">
+            <a:extLst>
+              <a:ext uri="{FF2B5EF4-FFF2-40B4-BE49-F238E27FC236}">
                 <a16:creationId xmlns:a16="http://schemas.microsoft.com/office/drawing/2014/main" id="{4F04B741-627B-A993-7B96-1CFFB8638CDD}"/>
               </a:ext>
             </a:extLst>
@@ -3517,6 +3684,34 @@
             </a:r>
           </a:p>
           <a:p>
+            <a:r>
+              <a:rPr lang="en-US" dirty="0"/>
+              <a:t>Performed a feature selection using a greedy algorithm (Sequential Feature Selector) to narrow fields down. Ended up with 37 fields total</a:t>
+            </a:r>
+          </a:p>
+          <a:p>
+            <a:r>
+              <a:rPr lang="en-US" dirty="0"/>
+              <a:t>The final model used </a:t>
+            </a:r>
+            <a:r>
+              <a:rPr lang="en-US" dirty="0" err="1"/>
+              <a:t>friedman_mse</a:t>
+            </a:r>
+            <a:r>
+              <a:rPr lang="en-US" dirty="0"/>
+              <a:t> criterion and </a:t>
+            </a:r>
+            <a:r>
+              <a:rPr lang="en-US" dirty="0" err="1"/>
+              <a:t>squared_error</a:t>
+            </a:r>
+            <a:r>
+              <a:rPr lang="en-US" dirty="0"/>
+              <a:t> loss function </a:t>
+            </a:r>
+          </a:p>
+          <a:p>
             <a:endParaRPr lang="en-US" dirty="0"/>
           </a:p>
           <a:p>
@@ -3537,7 +3732,7 @@
 </p:sld>
 </file>
 
-<file path=ppt/slides/slide11.xml><?xml version="1.0" encoding="utf-8"?>
+<file path=ppt/slides/slide13.xml><?xml version="1.0" encoding="utf-8"?>
 <p:sld xmlns:a="http://schemas.openxmlformats.org/drawingml/2006/main" xmlns:r="http://schemas.openxmlformats.org/officeDocument/2006/relationships" xmlns:p="http://schemas.openxmlformats.org/presentationml/2006/main">
   <p:cSld>
     <p:spTree>
@@ -3575,6 +3770,7 @@
           <a:bodyPr/>
           <a:lstStyle/>
           <a:p>
+            <a:pPr algn="ctr"/>
             <a:r>
               <a:rPr lang="en-US" dirty="0"/>
               <a:t>Sample House Sale </a:t>
@@ -3598,21 +3794,1906 @@
             <p:ph idx="1"/>
           </p:nvPr>
         </p:nvSpPr>
-        <p:spPr/>
+        <p:spPr>
+          <a:xfrm>
+            <a:off x="6448778" y="2208300"/>
+            <a:ext cx="5178778" cy="3181437"/>
+          </a:xfrm>
+        </p:spPr>
         <p:txBody>
           <a:bodyPr/>
           <a:lstStyle/>
           <a:p>
             <a:r>
-              <a:rPr lang="en-US" dirty="0"/>
+              <a:rPr lang="en-US" sz="1600" dirty="0"/>
               <a:t>Want to predict price for 2019 and 2021</a:t>
             </a:r>
           </a:p>
           <a:p>
-            <a:endParaRPr lang="en-US" dirty="0"/>
+            <a:r>
+              <a:rPr lang="en-US" sz="1600" dirty="0"/>
+              <a:t>Homes Built after 1946 (post-war)</a:t>
+            </a:r>
+          </a:p>
+          <a:p>
+            <a:r>
+              <a:rPr lang="en-US" sz="1600" dirty="0"/>
+              <a:t>4212 is a condo, 22472 is a townhome</a:t>
+            </a:r>
+          </a:p>
+          <a:p>
+            <a:r>
+              <a:rPr lang="en-US" sz="1600" dirty="0"/>
+              <a:t>They only differ in price by $10k</a:t>
+            </a:r>
+          </a:p>
+          <a:p>
+            <a:r>
+              <a:rPr lang="en-US" sz="1600" dirty="0"/>
+              <a:t>For both the cheapest change is to add a Garage</a:t>
+            </a:r>
+          </a:p>
+          <a:p>
+            <a:r>
+              <a:rPr lang="en-US" sz="1600" dirty="0"/>
+              <a:t>More expensive to find a similar home closer to a Spa vs Organic Grocery store for both</a:t>
+            </a:r>
+          </a:p>
+          <a:p>
+            <a:r>
+              <a:rPr lang="en-US" sz="1600" dirty="0"/>
+              <a:t>2021 housing prices are significantly larger than 2019 for both types of houses</a:t>
+            </a:r>
+          </a:p>
+          <a:p>
+            <a:endParaRPr lang="en-US" sz="1600" dirty="0"/>
           </a:p>
         </p:txBody>
       </p:sp>
+      <p:graphicFrame>
+        <p:nvGraphicFramePr>
+          <p:cNvPr id="5" name="Table 4">
+            <a:extLst>
+              <a:ext uri="{FF2B5EF4-FFF2-40B4-BE49-F238E27FC236}">
+                <a16:creationId xmlns:a16="http://schemas.microsoft.com/office/drawing/2014/main" id="{942DBA15-DDB4-4761-5053-E1CFCF9E56BF}"/>
+              </a:ext>
+            </a:extLst>
+          </p:cNvPr>
+          <p:cNvGraphicFramePr>
+            <a:graphicFrameLocks noGrp="1"/>
+          </p:cNvGraphicFramePr>
+          <p:nvPr>
+            <p:extLst>
+              <p:ext uri="{D42A27DB-BD31-4B8C-83A1-F6EECF244321}">
+                <p14:modId xmlns:p14="http://schemas.microsoft.com/office/powerpoint/2010/main" val="4146484520"/>
+              </p:ext>
+            </p:extLst>
+          </p:nvPr>
+        </p:nvGraphicFramePr>
+        <p:xfrm>
+          <a:off x="838199" y="3967337"/>
+          <a:ext cx="5410199" cy="1422400"/>
+        </p:xfrm>
+        <a:graphic>
+          <a:graphicData uri="http://schemas.openxmlformats.org/drawingml/2006/table">
+            <a:tbl>
+              <a:tblPr firstRow="1">
+                <a:tableStyleId>{08FB837D-C827-4EFA-A057-4D05807E0F7C}</a:tableStyleId>
+              </a:tblPr>
+              <a:tblGrid>
+                <a:gridCol w="1130820">
+                  <a:extLst>
+                    <a:ext uri="{9D8B030D-6E8A-4147-A177-3AD203B41FA5}">
+                      <a16:colId xmlns:a16="http://schemas.microsoft.com/office/drawing/2014/main" val="238901303"/>
+                    </a:ext>
+                  </a:extLst>
+                </a:gridCol>
+                <a:gridCol w="826734">
+                  <a:extLst>
+                    <a:ext uri="{9D8B030D-6E8A-4147-A177-3AD203B41FA5}">
+                      <a16:colId xmlns:a16="http://schemas.microsoft.com/office/drawing/2014/main" val="2791227287"/>
+                    </a:ext>
+                  </a:extLst>
+                </a:gridCol>
+                <a:gridCol w="1510928">
+                  <a:extLst>
+                    <a:ext uri="{9D8B030D-6E8A-4147-A177-3AD203B41FA5}">
+                      <a16:colId xmlns:a16="http://schemas.microsoft.com/office/drawing/2014/main" val="2638987418"/>
+                    </a:ext>
+                  </a:extLst>
+                </a:gridCol>
+                <a:gridCol w="826734">
+                  <a:extLst>
+                    <a:ext uri="{9D8B030D-6E8A-4147-A177-3AD203B41FA5}">
+                      <a16:colId xmlns:a16="http://schemas.microsoft.com/office/drawing/2014/main" val="3581882041"/>
+                    </a:ext>
+                  </a:extLst>
+                </a:gridCol>
+                <a:gridCol w="1114983">
+                  <a:extLst>
+                    <a:ext uri="{9D8B030D-6E8A-4147-A177-3AD203B41FA5}">
+                      <a16:colId xmlns:a16="http://schemas.microsoft.com/office/drawing/2014/main" val="2396040164"/>
+                    </a:ext>
+                  </a:extLst>
+                </a:gridCol>
+              </a:tblGrid>
+              <a:tr h="203200">
+                <a:tc>
+                  <a:txBody>
+                    <a:bodyPr/>
+                    <a:lstStyle/>
+                    <a:p>
+                      <a:pPr algn="l" fontAlgn="b"/>
+                      <a:r>
+                        <a:rPr lang="en-US" sz="1200" b="0" u="none" strike="noStrike">
+                          <a:solidFill>
+                            <a:srgbClr val="000000"/>
+                          </a:solidFill>
+                          <a:effectLst/>
+                        </a:rPr>
+                        <a:t>Sale No. 4212</a:t>
+                      </a:r>
+                      <a:endParaRPr lang="en-US" sz="1200" b="0" i="0" u="none" strike="noStrike">
+                        <a:solidFill>
+                          <a:srgbClr val="000000"/>
+                        </a:solidFill>
+                        <a:effectLst/>
+                        <a:latin typeface="Calibri" panose="020F0502020204030204" pitchFamily="34" charset="0"/>
+                      </a:endParaRPr>
+                    </a:p>
+                  </a:txBody>
+                  <a:tcPr marL="9525" marR="9525" marT="9525" marB="0" anchor="b"/>
+                </a:tc>
+                <a:tc>
+                  <a:txBody>
+                    <a:bodyPr/>
+                    <a:lstStyle/>
+                    <a:p>
+                      <a:pPr algn="l" fontAlgn="b"/>
+                      <a:r>
+                        <a:rPr lang="en-US" sz="1200" b="0" u="none" strike="noStrike">
+                          <a:solidFill>
+                            <a:srgbClr val="000000"/>
+                          </a:solidFill>
+                          <a:effectLst/>
+                        </a:rPr>
+                        <a:t>Built: 1998</a:t>
+                      </a:r>
+                      <a:endParaRPr lang="en-US" sz="1200" b="0" i="0" u="none" strike="noStrike">
+                        <a:solidFill>
+                          <a:srgbClr val="000000"/>
+                        </a:solidFill>
+                        <a:effectLst/>
+                        <a:latin typeface="Calibri" panose="020F0502020204030204" pitchFamily="34" charset="0"/>
+                      </a:endParaRPr>
+                    </a:p>
+                  </a:txBody>
+                  <a:tcPr marL="9525" marR="9525" marT="9525" marB="0" anchor="b"/>
+                </a:tc>
+                <a:tc>
+                  <a:txBody>
+                    <a:bodyPr/>
+                    <a:lstStyle/>
+                    <a:p>
+                      <a:pPr algn="l" fontAlgn="b"/>
+                      <a:r>
+                        <a:rPr lang="en-US" sz="1200" b="0" u="none" strike="noStrike">
+                          <a:solidFill>
+                            <a:srgbClr val="000000"/>
+                          </a:solidFill>
+                          <a:effectLst/>
+                        </a:rPr>
+                        <a:t>Changes</a:t>
+                      </a:r>
+                      <a:endParaRPr lang="en-US" sz="1200" b="0" i="0" u="none" strike="noStrike">
+                        <a:solidFill>
+                          <a:srgbClr val="000000"/>
+                        </a:solidFill>
+                        <a:effectLst/>
+                        <a:latin typeface="Calibri" panose="020F0502020204030204" pitchFamily="34" charset="0"/>
+                      </a:endParaRPr>
+                    </a:p>
+                  </a:txBody>
+                  <a:tcPr marL="9525" marR="9525" marT="9525" marB="0" anchor="b"/>
+                </a:tc>
+                <a:tc>
+                  <a:txBody>
+                    <a:bodyPr/>
+                    <a:lstStyle/>
+                    <a:p>
+                      <a:pPr algn="l" fontAlgn="b"/>
+                      <a:r>
+                        <a:rPr lang="en-US" sz="1200" b="0" u="none" strike="noStrike">
+                          <a:solidFill>
+                            <a:srgbClr val="000000"/>
+                          </a:solidFill>
+                          <a:effectLst/>
+                        </a:rPr>
+                        <a:t>SalePrice</a:t>
+                      </a:r>
+                      <a:endParaRPr lang="en-US" sz="1200" b="0" i="0" u="none" strike="noStrike">
+                        <a:solidFill>
+                          <a:srgbClr val="000000"/>
+                        </a:solidFill>
+                        <a:effectLst/>
+                        <a:latin typeface="Calibri" panose="020F0502020204030204" pitchFamily="34" charset="0"/>
+                      </a:endParaRPr>
+                    </a:p>
+                  </a:txBody>
+                  <a:tcPr marL="9525" marR="9525" marT="9525" marB="0" anchor="b"/>
+                </a:tc>
+                <a:tc>
+                  <a:txBody>
+                    <a:bodyPr/>
+                    <a:lstStyle/>
+                    <a:p>
+                      <a:pPr algn="l" fontAlgn="b"/>
+                      <a:r>
+                        <a:rPr lang="en-US" sz="1200" b="0" u="none" strike="noStrike">
+                          <a:solidFill>
+                            <a:srgbClr val="000000"/>
+                          </a:solidFill>
+                          <a:effectLst/>
+                        </a:rPr>
+                        <a:t>Percent Increase</a:t>
+                      </a:r>
+                      <a:endParaRPr lang="en-US" sz="1200" b="0" i="0" u="none" strike="noStrike">
+                        <a:solidFill>
+                          <a:srgbClr val="000000"/>
+                        </a:solidFill>
+                        <a:effectLst/>
+                        <a:latin typeface="Calibri" panose="020F0502020204030204" pitchFamily="34" charset="0"/>
+                      </a:endParaRPr>
+                    </a:p>
+                  </a:txBody>
+                  <a:tcPr marL="9525" marR="9525" marT="9525" marB="0" anchor="b"/>
+                </a:tc>
+                <a:extLst>
+                  <a:ext uri="{0D108BD9-81ED-4DB2-BD59-A6C34878D82A}">
+                    <a16:rowId xmlns:a16="http://schemas.microsoft.com/office/drawing/2014/main" val="3958091216"/>
+                  </a:ext>
+                </a:extLst>
+              </a:tr>
+              <a:tr h="203200">
+                <a:tc>
+                  <a:txBody>
+                    <a:bodyPr/>
+                    <a:lstStyle/>
+                    <a:p>
+                      <a:pPr algn="l" fontAlgn="b"/>
+                      <a:endParaRPr lang="en-US" sz="1200" b="0" i="0" u="none" strike="noStrike">
+                        <a:solidFill>
+                          <a:srgbClr val="000000"/>
+                        </a:solidFill>
+                        <a:effectLst/>
+                        <a:latin typeface="Calibri" panose="020F0502020204030204" pitchFamily="34" charset="0"/>
+                      </a:endParaRPr>
+                    </a:p>
+                  </a:txBody>
+                  <a:tcPr marL="9525" marR="9525" marT="9525" marB="0" anchor="b"/>
+                </a:tc>
+                <a:tc>
+                  <a:txBody>
+                    <a:bodyPr/>
+                    <a:lstStyle/>
+                    <a:p>
+                      <a:pPr algn="l" fontAlgn="b"/>
+                      <a:endParaRPr lang="en-US" sz="1200" b="0" i="0" u="none" strike="noStrike">
+                        <a:solidFill>
+                          <a:srgbClr val="000000"/>
+                        </a:solidFill>
+                        <a:effectLst/>
+                        <a:latin typeface="Calibri" panose="020F0502020204030204" pitchFamily="34" charset="0"/>
+                      </a:endParaRPr>
+                    </a:p>
+                  </a:txBody>
+                  <a:tcPr marL="9525" marR="9525" marT="9525" marB="0" anchor="b"/>
+                </a:tc>
+                <a:tc>
+                  <a:txBody>
+                    <a:bodyPr/>
+                    <a:lstStyle/>
+                    <a:p>
+                      <a:pPr algn="l" fontAlgn="b"/>
+                      <a:r>
+                        <a:rPr lang="en-US" sz="1200" b="0" u="none" strike="noStrike">
+                          <a:solidFill>
+                            <a:srgbClr val="000000"/>
+                          </a:solidFill>
+                          <a:effectLst/>
+                        </a:rPr>
+                        <a:t>None</a:t>
+                      </a:r>
+                      <a:endParaRPr lang="en-US" sz="1200" b="0" i="0" u="none" strike="noStrike">
+                        <a:solidFill>
+                          <a:srgbClr val="000000"/>
+                        </a:solidFill>
+                        <a:effectLst/>
+                        <a:latin typeface="Calibri" panose="020F0502020204030204" pitchFamily="34" charset="0"/>
+                      </a:endParaRPr>
+                    </a:p>
+                  </a:txBody>
+                  <a:tcPr marL="9525" marR="9525" marT="9525" marB="0" anchor="b"/>
+                </a:tc>
+                <a:tc>
+                  <a:txBody>
+                    <a:bodyPr/>
+                    <a:lstStyle/>
+                    <a:p>
+                      <a:pPr algn="r" fontAlgn="b"/>
+                      <a:r>
+                        <a:rPr lang="en-US" sz="1200" b="0" u="none" strike="noStrike">
+                          <a:solidFill>
+                            <a:srgbClr val="000000"/>
+                          </a:solidFill>
+                          <a:effectLst/>
+                        </a:rPr>
+                        <a:t>$90,700</a:t>
+                      </a:r>
+                      <a:endParaRPr lang="en-US" sz="1200" b="0" i="0" u="none" strike="noStrike">
+                        <a:solidFill>
+                          <a:srgbClr val="000000"/>
+                        </a:solidFill>
+                        <a:effectLst/>
+                        <a:latin typeface="Calibri" panose="020F0502020204030204" pitchFamily="34" charset="0"/>
+                      </a:endParaRPr>
+                    </a:p>
+                  </a:txBody>
+                  <a:tcPr marL="9525" marR="9525" marT="9525" marB="0" anchor="b"/>
+                </a:tc>
+                <a:tc>
+                  <a:txBody>
+                    <a:bodyPr/>
+                    <a:lstStyle/>
+                    <a:p>
+                      <a:pPr algn="r" fontAlgn="b"/>
+                      <a:r>
+                        <a:rPr lang="en-US" sz="1200" b="0" u="none" strike="noStrike">
+                          <a:solidFill>
+                            <a:srgbClr val="000000"/>
+                          </a:solidFill>
+                          <a:effectLst/>
+                        </a:rPr>
+                        <a:t>0.00%</a:t>
+                      </a:r>
+                      <a:endParaRPr lang="en-US" sz="1200" b="0" i="0" u="none" strike="noStrike">
+                        <a:solidFill>
+                          <a:srgbClr val="000000"/>
+                        </a:solidFill>
+                        <a:effectLst/>
+                        <a:latin typeface="Calibri" panose="020F0502020204030204" pitchFamily="34" charset="0"/>
+                      </a:endParaRPr>
+                    </a:p>
+                  </a:txBody>
+                  <a:tcPr marL="9525" marR="9525" marT="9525" marB="0" anchor="b"/>
+                </a:tc>
+                <a:extLst>
+                  <a:ext uri="{0D108BD9-81ED-4DB2-BD59-A6C34878D82A}">
+                    <a16:rowId xmlns:a16="http://schemas.microsoft.com/office/drawing/2014/main" val="3255103749"/>
+                  </a:ext>
+                </a:extLst>
+              </a:tr>
+              <a:tr h="203200">
+                <a:tc>
+                  <a:txBody>
+                    <a:bodyPr/>
+                    <a:lstStyle/>
+                    <a:p>
+                      <a:pPr algn="l" fontAlgn="b"/>
+                      <a:endParaRPr lang="en-US" sz="1200" b="0" i="0" u="none" strike="noStrike">
+                        <a:solidFill>
+                          <a:srgbClr val="000000"/>
+                        </a:solidFill>
+                        <a:effectLst/>
+                        <a:latin typeface="Calibri" panose="020F0502020204030204" pitchFamily="34" charset="0"/>
+                      </a:endParaRPr>
+                    </a:p>
+                  </a:txBody>
+                  <a:tcPr marL="9525" marR="9525" marT="9525" marB="0" anchor="b"/>
+                </a:tc>
+                <a:tc>
+                  <a:txBody>
+                    <a:bodyPr/>
+                    <a:lstStyle/>
+                    <a:p>
+                      <a:pPr algn="l" fontAlgn="b"/>
+                      <a:endParaRPr lang="en-US" sz="1200" b="0" i="0" u="none" strike="noStrike">
+                        <a:solidFill>
+                          <a:srgbClr val="000000"/>
+                        </a:solidFill>
+                        <a:effectLst/>
+                        <a:latin typeface="Calibri" panose="020F0502020204030204" pitchFamily="34" charset="0"/>
+                      </a:endParaRPr>
+                    </a:p>
+                  </a:txBody>
+                  <a:tcPr marL="9525" marR="9525" marT="9525" marB="0" anchor="b"/>
+                </a:tc>
+                <a:tc>
+                  <a:txBody>
+                    <a:bodyPr/>
+                    <a:lstStyle/>
+                    <a:p>
+                      <a:pPr algn="l" fontAlgn="b"/>
+                      <a:r>
+                        <a:rPr lang="en-US" sz="1200" b="0" u="none" strike="noStrike">
+                          <a:solidFill>
+                            <a:srgbClr val="000000"/>
+                          </a:solidFill>
+                          <a:effectLst/>
+                        </a:rPr>
+                        <a:t>Add Fireplace</a:t>
+                      </a:r>
+                      <a:endParaRPr lang="en-US" sz="1200" b="0" i="0" u="none" strike="noStrike">
+                        <a:solidFill>
+                          <a:srgbClr val="000000"/>
+                        </a:solidFill>
+                        <a:effectLst/>
+                        <a:latin typeface="Calibri" panose="020F0502020204030204" pitchFamily="34" charset="0"/>
+                      </a:endParaRPr>
+                    </a:p>
+                  </a:txBody>
+                  <a:tcPr marL="9525" marR="9525" marT="9525" marB="0" anchor="b"/>
+                </a:tc>
+                <a:tc>
+                  <a:txBody>
+                    <a:bodyPr/>
+                    <a:lstStyle/>
+                    <a:p>
+                      <a:pPr algn="r" fontAlgn="b"/>
+                      <a:r>
+                        <a:rPr lang="en-US" sz="1200" b="0" u="none" strike="noStrike">
+                          <a:solidFill>
+                            <a:srgbClr val="000000"/>
+                          </a:solidFill>
+                          <a:effectLst/>
+                        </a:rPr>
+                        <a:t>$126,428</a:t>
+                      </a:r>
+                      <a:endParaRPr lang="en-US" sz="1200" b="0" i="0" u="none" strike="noStrike">
+                        <a:solidFill>
+                          <a:srgbClr val="000000"/>
+                        </a:solidFill>
+                        <a:effectLst/>
+                        <a:latin typeface="Calibri" panose="020F0502020204030204" pitchFamily="34" charset="0"/>
+                      </a:endParaRPr>
+                    </a:p>
+                  </a:txBody>
+                  <a:tcPr marL="9525" marR="9525" marT="9525" marB="0" anchor="b"/>
+                </a:tc>
+                <a:tc>
+                  <a:txBody>
+                    <a:bodyPr/>
+                    <a:lstStyle/>
+                    <a:p>
+                      <a:pPr algn="r" fontAlgn="b"/>
+                      <a:r>
+                        <a:rPr lang="en-US" sz="1200" b="0" u="none" strike="noStrike" dirty="0">
+                          <a:solidFill>
+                            <a:srgbClr val="000000"/>
+                          </a:solidFill>
+                          <a:effectLst/>
+                        </a:rPr>
+                        <a:t>39.39%</a:t>
+                      </a:r>
+                      <a:endParaRPr lang="en-US" sz="1200" b="0" i="0" u="none" strike="noStrike" dirty="0">
+                        <a:solidFill>
+                          <a:srgbClr val="000000"/>
+                        </a:solidFill>
+                        <a:effectLst/>
+                        <a:latin typeface="Calibri" panose="020F0502020204030204" pitchFamily="34" charset="0"/>
+                      </a:endParaRPr>
+                    </a:p>
+                  </a:txBody>
+                  <a:tcPr marL="9525" marR="9525" marT="9525" marB="0" anchor="b"/>
+                </a:tc>
+                <a:extLst>
+                  <a:ext uri="{0D108BD9-81ED-4DB2-BD59-A6C34878D82A}">
+                    <a16:rowId xmlns:a16="http://schemas.microsoft.com/office/drawing/2014/main" val="1680659763"/>
+                  </a:ext>
+                </a:extLst>
+              </a:tr>
+              <a:tr h="203200">
+                <a:tc>
+                  <a:txBody>
+                    <a:bodyPr/>
+                    <a:lstStyle/>
+                    <a:p>
+                      <a:pPr algn="l" fontAlgn="b"/>
+                      <a:endParaRPr lang="en-US" sz="1200" b="0" i="0" u="none" strike="noStrike">
+                        <a:solidFill>
+                          <a:srgbClr val="000000"/>
+                        </a:solidFill>
+                        <a:effectLst/>
+                        <a:latin typeface="Calibri" panose="020F0502020204030204" pitchFamily="34" charset="0"/>
+                      </a:endParaRPr>
+                    </a:p>
+                  </a:txBody>
+                  <a:tcPr marL="9525" marR="9525" marT="9525" marB="0" anchor="b"/>
+                </a:tc>
+                <a:tc>
+                  <a:txBody>
+                    <a:bodyPr/>
+                    <a:lstStyle/>
+                    <a:p>
+                      <a:pPr algn="l" fontAlgn="b"/>
+                      <a:endParaRPr lang="en-US" sz="1200" b="0" i="0" u="none" strike="noStrike">
+                        <a:solidFill>
+                          <a:srgbClr val="000000"/>
+                        </a:solidFill>
+                        <a:effectLst/>
+                        <a:latin typeface="Calibri" panose="020F0502020204030204" pitchFamily="34" charset="0"/>
+                      </a:endParaRPr>
+                    </a:p>
+                  </a:txBody>
+                  <a:tcPr marL="9525" marR="9525" marT="9525" marB="0" anchor="b"/>
+                </a:tc>
+                <a:tc>
+                  <a:txBody>
+                    <a:bodyPr/>
+                    <a:lstStyle/>
+                    <a:p>
+                      <a:pPr algn="l" fontAlgn="b"/>
+                      <a:r>
+                        <a:rPr lang="en-US" sz="1200" b="0" u="none" strike="noStrike">
+                          <a:solidFill>
+                            <a:srgbClr val="000000"/>
+                          </a:solidFill>
+                          <a:effectLst/>
+                        </a:rPr>
+                        <a:t>Add Garage</a:t>
+                      </a:r>
+                      <a:endParaRPr lang="en-US" sz="1200" b="0" i="0" u="none" strike="noStrike">
+                        <a:solidFill>
+                          <a:srgbClr val="000000"/>
+                        </a:solidFill>
+                        <a:effectLst/>
+                        <a:latin typeface="Calibri" panose="020F0502020204030204" pitchFamily="34" charset="0"/>
+                      </a:endParaRPr>
+                    </a:p>
+                  </a:txBody>
+                  <a:tcPr marL="9525" marR="9525" marT="9525" marB="0" anchor="b"/>
+                </a:tc>
+                <a:tc>
+                  <a:txBody>
+                    <a:bodyPr/>
+                    <a:lstStyle/>
+                    <a:p>
+                      <a:pPr algn="r" fontAlgn="b"/>
+                      <a:r>
+                        <a:rPr lang="en-US" sz="1200" b="0" u="none" strike="noStrike">
+                          <a:solidFill>
+                            <a:srgbClr val="000000"/>
+                          </a:solidFill>
+                          <a:effectLst/>
+                        </a:rPr>
+                        <a:t>$124,172</a:t>
+                      </a:r>
+                      <a:endParaRPr lang="en-US" sz="1200" b="0" i="0" u="none" strike="noStrike">
+                        <a:solidFill>
+                          <a:srgbClr val="000000"/>
+                        </a:solidFill>
+                        <a:effectLst/>
+                        <a:latin typeface="Calibri" panose="020F0502020204030204" pitchFamily="34" charset="0"/>
+                      </a:endParaRPr>
+                    </a:p>
+                  </a:txBody>
+                  <a:tcPr marL="9525" marR="9525" marT="9525" marB="0" anchor="b"/>
+                </a:tc>
+                <a:tc>
+                  <a:txBody>
+                    <a:bodyPr/>
+                    <a:lstStyle/>
+                    <a:p>
+                      <a:pPr algn="r" fontAlgn="b"/>
+                      <a:r>
+                        <a:rPr lang="en-US" sz="1200" b="0" u="none" strike="noStrike">
+                          <a:solidFill>
+                            <a:srgbClr val="000000"/>
+                          </a:solidFill>
+                          <a:effectLst/>
+                        </a:rPr>
+                        <a:t>36.90%</a:t>
+                      </a:r>
+                      <a:endParaRPr lang="en-US" sz="1200" b="0" i="0" u="none" strike="noStrike">
+                        <a:solidFill>
+                          <a:srgbClr val="000000"/>
+                        </a:solidFill>
+                        <a:effectLst/>
+                        <a:latin typeface="Calibri" panose="020F0502020204030204" pitchFamily="34" charset="0"/>
+                      </a:endParaRPr>
+                    </a:p>
+                  </a:txBody>
+                  <a:tcPr marL="9525" marR="9525" marT="9525" marB="0" anchor="b"/>
+                </a:tc>
+                <a:extLst>
+                  <a:ext uri="{0D108BD9-81ED-4DB2-BD59-A6C34878D82A}">
+                    <a16:rowId xmlns:a16="http://schemas.microsoft.com/office/drawing/2014/main" val="664648409"/>
+                  </a:ext>
+                </a:extLst>
+              </a:tr>
+              <a:tr h="203200">
+                <a:tc>
+                  <a:txBody>
+                    <a:bodyPr/>
+                    <a:lstStyle/>
+                    <a:p>
+                      <a:pPr algn="l" fontAlgn="b"/>
+                      <a:endParaRPr lang="en-US" sz="1200" b="0" i="0" u="none" strike="noStrike">
+                        <a:solidFill>
+                          <a:srgbClr val="000000"/>
+                        </a:solidFill>
+                        <a:effectLst/>
+                        <a:latin typeface="Calibri" panose="020F0502020204030204" pitchFamily="34" charset="0"/>
+                      </a:endParaRPr>
+                    </a:p>
+                  </a:txBody>
+                  <a:tcPr marL="9525" marR="9525" marT="9525" marB="0" anchor="b"/>
+                </a:tc>
+                <a:tc>
+                  <a:txBody>
+                    <a:bodyPr/>
+                    <a:lstStyle/>
+                    <a:p>
+                      <a:pPr algn="l" fontAlgn="b"/>
+                      <a:endParaRPr lang="en-US" sz="1200" b="0" i="0" u="none" strike="noStrike">
+                        <a:solidFill>
+                          <a:srgbClr val="000000"/>
+                        </a:solidFill>
+                        <a:effectLst/>
+                        <a:latin typeface="Calibri" panose="020F0502020204030204" pitchFamily="34" charset="0"/>
+                      </a:endParaRPr>
+                    </a:p>
+                  </a:txBody>
+                  <a:tcPr marL="9525" marR="9525" marT="9525" marB="0" anchor="b"/>
+                </a:tc>
+                <a:tc>
+                  <a:txBody>
+                    <a:bodyPr/>
+                    <a:lstStyle/>
+                    <a:p>
+                      <a:pPr algn="l" fontAlgn="b"/>
+                      <a:r>
+                        <a:rPr lang="en-US" sz="1200" b="0" u="none" strike="noStrike">
+                          <a:solidFill>
+                            <a:srgbClr val="000000"/>
+                          </a:solidFill>
+                          <a:effectLst/>
+                        </a:rPr>
+                        <a:t>Closest to Org Grocery</a:t>
+                      </a:r>
+                      <a:endParaRPr lang="en-US" sz="1200" b="0" i="0" u="none" strike="noStrike">
+                        <a:solidFill>
+                          <a:srgbClr val="000000"/>
+                        </a:solidFill>
+                        <a:effectLst/>
+                        <a:latin typeface="Calibri" panose="020F0502020204030204" pitchFamily="34" charset="0"/>
+                      </a:endParaRPr>
+                    </a:p>
+                  </a:txBody>
+                  <a:tcPr marL="9525" marR="9525" marT="9525" marB="0" anchor="b"/>
+                </a:tc>
+                <a:tc>
+                  <a:txBody>
+                    <a:bodyPr/>
+                    <a:lstStyle/>
+                    <a:p>
+                      <a:pPr algn="r" fontAlgn="b"/>
+                      <a:r>
+                        <a:rPr lang="en-US" sz="1200" b="0" u="none" strike="noStrike">
+                          <a:solidFill>
+                            <a:srgbClr val="000000"/>
+                          </a:solidFill>
+                          <a:effectLst/>
+                        </a:rPr>
+                        <a:t>$124,721</a:t>
+                      </a:r>
+                      <a:endParaRPr lang="en-US" sz="1200" b="0" i="0" u="none" strike="noStrike">
+                        <a:solidFill>
+                          <a:srgbClr val="000000"/>
+                        </a:solidFill>
+                        <a:effectLst/>
+                        <a:latin typeface="Calibri" panose="020F0502020204030204" pitchFamily="34" charset="0"/>
+                      </a:endParaRPr>
+                    </a:p>
+                  </a:txBody>
+                  <a:tcPr marL="9525" marR="9525" marT="9525" marB="0" anchor="b"/>
+                </a:tc>
+                <a:tc>
+                  <a:txBody>
+                    <a:bodyPr/>
+                    <a:lstStyle/>
+                    <a:p>
+                      <a:pPr algn="r" fontAlgn="b"/>
+                      <a:r>
+                        <a:rPr lang="en-US" sz="1200" b="0" u="none" strike="noStrike">
+                          <a:solidFill>
+                            <a:srgbClr val="000000"/>
+                          </a:solidFill>
+                          <a:effectLst/>
+                        </a:rPr>
+                        <a:t>37.51%</a:t>
+                      </a:r>
+                      <a:endParaRPr lang="en-US" sz="1200" b="0" i="0" u="none" strike="noStrike">
+                        <a:solidFill>
+                          <a:srgbClr val="000000"/>
+                        </a:solidFill>
+                        <a:effectLst/>
+                        <a:latin typeface="Calibri" panose="020F0502020204030204" pitchFamily="34" charset="0"/>
+                      </a:endParaRPr>
+                    </a:p>
+                  </a:txBody>
+                  <a:tcPr marL="9525" marR="9525" marT="9525" marB="0" anchor="b"/>
+                </a:tc>
+                <a:extLst>
+                  <a:ext uri="{0D108BD9-81ED-4DB2-BD59-A6C34878D82A}">
+                    <a16:rowId xmlns:a16="http://schemas.microsoft.com/office/drawing/2014/main" val="3070142955"/>
+                  </a:ext>
+                </a:extLst>
+              </a:tr>
+              <a:tr h="203200">
+                <a:tc>
+                  <a:txBody>
+                    <a:bodyPr/>
+                    <a:lstStyle/>
+                    <a:p>
+                      <a:pPr algn="l" fontAlgn="b"/>
+                      <a:endParaRPr lang="en-US" sz="1200" b="0" i="0" u="none" strike="noStrike">
+                        <a:solidFill>
+                          <a:srgbClr val="000000"/>
+                        </a:solidFill>
+                        <a:effectLst/>
+                        <a:latin typeface="Calibri" panose="020F0502020204030204" pitchFamily="34" charset="0"/>
+                      </a:endParaRPr>
+                    </a:p>
+                  </a:txBody>
+                  <a:tcPr marL="9525" marR="9525" marT="9525" marB="0" anchor="b"/>
+                </a:tc>
+                <a:tc>
+                  <a:txBody>
+                    <a:bodyPr/>
+                    <a:lstStyle/>
+                    <a:p>
+                      <a:pPr algn="l" fontAlgn="b"/>
+                      <a:endParaRPr lang="en-US" sz="1200" b="0" i="0" u="none" strike="noStrike">
+                        <a:solidFill>
+                          <a:srgbClr val="000000"/>
+                        </a:solidFill>
+                        <a:effectLst/>
+                        <a:latin typeface="Calibri" panose="020F0502020204030204" pitchFamily="34" charset="0"/>
+                      </a:endParaRPr>
+                    </a:p>
+                  </a:txBody>
+                  <a:tcPr marL="9525" marR="9525" marT="9525" marB="0" anchor="b"/>
+                </a:tc>
+                <a:tc>
+                  <a:txBody>
+                    <a:bodyPr/>
+                    <a:lstStyle/>
+                    <a:p>
+                      <a:pPr algn="l" fontAlgn="b"/>
+                      <a:r>
+                        <a:rPr lang="en-US" sz="1200" b="0" u="none" strike="noStrike">
+                          <a:solidFill>
+                            <a:srgbClr val="000000"/>
+                          </a:solidFill>
+                          <a:effectLst/>
+                        </a:rPr>
+                        <a:t>Closest to Spa</a:t>
+                      </a:r>
+                      <a:endParaRPr lang="en-US" sz="1200" b="0" i="0" u="none" strike="noStrike">
+                        <a:solidFill>
+                          <a:srgbClr val="000000"/>
+                        </a:solidFill>
+                        <a:effectLst/>
+                        <a:latin typeface="Calibri" panose="020F0502020204030204" pitchFamily="34" charset="0"/>
+                      </a:endParaRPr>
+                    </a:p>
+                  </a:txBody>
+                  <a:tcPr marL="9525" marR="9525" marT="9525" marB="0" anchor="b"/>
+                </a:tc>
+                <a:tc>
+                  <a:txBody>
+                    <a:bodyPr/>
+                    <a:lstStyle/>
+                    <a:p>
+                      <a:pPr algn="r" fontAlgn="b"/>
+                      <a:r>
+                        <a:rPr lang="en-US" sz="1200" b="0" u="none" strike="noStrike">
+                          <a:solidFill>
+                            <a:srgbClr val="000000"/>
+                          </a:solidFill>
+                          <a:effectLst/>
+                        </a:rPr>
+                        <a:t>$128,674</a:t>
+                      </a:r>
+                      <a:endParaRPr lang="en-US" sz="1200" b="0" i="0" u="none" strike="noStrike">
+                        <a:solidFill>
+                          <a:srgbClr val="000000"/>
+                        </a:solidFill>
+                        <a:effectLst/>
+                        <a:latin typeface="Calibri" panose="020F0502020204030204" pitchFamily="34" charset="0"/>
+                      </a:endParaRPr>
+                    </a:p>
+                  </a:txBody>
+                  <a:tcPr marL="9525" marR="9525" marT="9525" marB="0" anchor="b"/>
+                </a:tc>
+                <a:tc>
+                  <a:txBody>
+                    <a:bodyPr/>
+                    <a:lstStyle/>
+                    <a:p>
+                      <a:pPr algn="r" fontAlgn="b"/>
+                      <a:r>
+                        <a:rPr lang="en-US" sz="1200" b="0" u="none" strike="noStrike">
+                          <a:solidFill>
+                            <a:srgbClr val="000000"/>
+                          </a:solidFill>
+                          <a:effectLst/>
+                        </a:rPr>
+                        <a:t>41.87%</a:t>
+                      </a:r>
+                      <a:endParaRPr lang="en-US" sz="1200" b="0" i="0" u="none" strike="noStrike">
+                        <a:solidFill>
+                          <a:srgbClr val="000000"/>
+                        </a:solidFill>
+                        <a:effectLst/>
+                        <a:latin typeface="Calibri" panose="020F0502020204030204" pitchFamily="34" charset="0"/>
+                      </a:endParaRPr>
+                    </a:p>
+                  </a:txBody>
+                  <a:tcPr marL="9525" marR="9525" marT="9525" marB="0" anchor="b"/>
+                </a:tc>
+                <a:extLst>
+                  <a:ext uri="{0D108BD9-81ED-4DB2-BD59-A6C34878D82A}">
+                    <a16:rowId xmlns:a16="http://schemas.microsoft.com/office/drawing/2014/main" val="546430900"/>
+                  </a:ext>
+                </a:extLst>
+              </a:tr>
+              <a:tr h="203200">
+                <a:tc>
+                  <a:txBody>
+                    <a:bodyPr/>
+                    <a:lstStyle/>
+                    <a:p>
+                      <a:pPr algn="l" fontAlgn="b"/>
+                      <a:endParaRPr lang="en-US" sz="1200" b="0" i="0" u="none" strike="noStrike">
+                        <a:solidFill>
+                          <a:srgbClr val="000000"/>
+                        </a:solidFill>
+                        <a:effectLst/>
+                        <a:latin typeface="Calibri" panose="020F0502020204030204" pitchFamily="34" charset="0"/>
+                      </a:endParaRPr>
+                    </a:p>
+                  </a:txBody>
+                  <a:tcPr marL="9525" marR="9525" marT="9525" marB="0" anchor="b"/>
+                </a:tc>
+                <a:tc>
+                  <a:txBody>
+                    <a:bodyPr/>
+                    <a:lstStyle/>
+                    <a:p>
+                      <a:pPr algn="l" fontAlgn="b"/>
+                      <a:endParaRPr lang="en-US" sz="1200" b="0" i="0" u="none" strike="noStrike">
+                        <a:solidFill>
+                          <a:srgbClr val="000000"/>
+                        </a:solidFill>
+                        <a:effectLst/>
+                        <a:latin typeface="Calibri" panose="020F0502020204030204" pitchFamily="34" charset="0"/>
+                      </a:endParaRPr>
+                    </a:p>
+                  </a:txBody>
+                  <a:tcPr marL="9525" marR="9525" marT="9525" marB="0" anchor="b"/>
+                </a:tc>
+                <a:tc>
+                  <a:txBody>
+                    <a:bodyPr/>
+                    <a:lstStyle/>
+                    <a:p>
+                      <a:pPr algn="l" fontAlgn="b"/>
+                      <a:r>
+                        <a:rPr lang="en-US" sz="1200" b="0" u="none" strike="noStrike">
+                          <a:solidFill>
+                            <a:srgbClr val="000000"/>
+                          </a:solidFill>
+                          <a:effectLst/>
+                        </a:rPr>
+                        <a:t>Year Sold 2021</a:t>
+                      </a:r>
+                      <a:endParaRPr lang="en-US" sz="1200" b="0" i="0" u="none" strike="noStrike">
+                        <a:solidFill>
+                          <a:srgbClr val="000000"/>
+                        </a:solidFill>
+                        <a:effectLst/>
+                        <a:latin typeface="Calibri" panose="020F0502020204030204" pitchFamily="34" charset="0"/>
+                      </a:endParaRPr>
+                    </a:p>
+                  </a:txBody>
+                  <a:tcPr marL="9525" marR="9525" marT="9525" marB="0" anchor="b"/>
+                </a:tc>
+                <a:tc>
+                  <a:txBody>
+                    <a:bodyPr/>
+                    <a:lstStyle/>
+                    <a:p>
+                      <a:pPr algn="r" fontAlgn="b"/>
+                      <a:r>
+                        <a:rPr lang="en-US" sz="1200" b="0" u="none" strike="noStrike">
+                          <a:solidFill>
+                            <a:srgbClr val="000000"/>
+                          </a:solidFill>
+                          <a:effectLst/>
+                        </a:rPr>
+                        <a:t>$130,130</a:t>
+                      </a:r>
+                      <a:endParaRPr lang="en-US" sz="1200" b="0" i="0" u="none" strike="noStrike">
+                        <a:solidFill>
+                          <a:srgbClr val="000000"/>
+                        </a:solidFill>
+                        <a:effectLst/>
+                        <a:latin typeface="Calibri" panose="020F0502020204030204" pitchFamily="34" charset="0"/>
+                      </a:endParaRPr>
+                    </a:p>
+                  </a:txBody>
+                  <a:tcPr marL="9525" marR="9525" marT="9525" marB="0" anchor="b"/>
+                </a:tc>
+                <a:tc>
+                  <a:txBody>
+                    <a:bodyPr/>
+                    <a:lstStyle/>
+                    <a:p>
+                      <a:pPr algn="r" fontAlgn="b"/>
+                      <a:r>
+                        <a:rPr lang="en-US" sz="1200" b="0" u="none" strike="noStrike" dirty="0">
+                          <a:solidFill>
+                            <a:srgbClr val="000000"/>
+                          </a:solidFill>
+                          <a:effectLst/>
+                        </a:rPr>
+                        <a:t>43.47%</a:t>
+                      </a:r>
+                      <a:endParaRPr lang="en-US" sz="1200" b="0" i="0" u="none" strike="noStrike" dirty="0">
+                        <a:solidFill>
+                          <a:srgbClr val="000000"/>
+                        </a:solidFill>
+                        <a:effectLst/>
+                        <a:latin typeface="Calibri" panose="020F0502020204030204" pitchFamily="34" charset="0"/>
+                      </a:endParaRPr>
+                    </a:p>
+                  </a:txBody>
+                  <a:tcPr marL="9525" marR="9525" marT="9525" marB="0" anchor="b"/>
+                </a:tc>
+                <a:extLst>
+                  <a:ext uri="{0D108BD9-81ED-4DB2-BD59-A6C34878D82A}">
+                    <a16:rowId xmlns:a16="http://schemas.microsoft.com/office/drawing/2014/main" val="1552131030"/>
+                  </a:ext>
+                </a:extLst>
+              </a:tr>
+            </a:tbl>
+          </a:graphicData>
+        </a:graphic>
+      </p:graphicFrame>
+      <p:graphicFrame>
+        <p:nvGraphicFramePr>
+          <p:cNvPr id="6" name="Table 5">
+            <a:extLst>
+              <a:ext uri="{FF2B5EF4-FFF2-40B4-BE49-F238E27FC236}">
+                <a16:creationId xmlns:a16="http://schemas.microsoft.com/office/drawing/2014/main" id="{D76229C1-522D-4F52-228C-49BF87FDE2D8}"/>
+              </a:ext>
+            </a:extLst>
+          </p:cNvPr>
+          <p:cNvGraphicFramePr>
+            <a:graphicFrameLocks noGrp="1"/>
+          </p:cNvGraphicFramePr>
+          <p:nvPr>
+            <p:extLst>
+              <p:ext uri="{D42A27DB-BD31-4B8C-83A1-F6EECF244321}">
+                <p14:modId xmlns:p14="http://schemas.microsoft.com/office/powerpoint/2010/main" val="3503359899"/>
+              </p:ext>
+            </p:extLst>
+          </p:nvPr>
+        </p:nvGraphicFramePr>
+        <p:xfrm>
+          <a:off x="838200" y="2208300"/>
+          <a:ext cx="5410199" cy="1422400"/>
+        </p:xfrm>
+        <a:graphic>
+          <a:graphicData uri="http://schemas.openxmlformats.org/drawingml/2006/table">
+            <a:tbl>
+              <a:tblPr firstRow="1">
+                <a:tableStyleId>{08FB837D-C827-4EFA-A057-4D05807E0F7C}</a:tableStyleId>
+              </a:tblPr>
+              <a:tblGrid>
+                <a:gridCol w="1130820">
+                  <a:extLst>
+                    <a:ext uri="{9D8B030D-6E8A-4147-A177-3AD203B41FA5}">
+                      <a16:colId xmlns:a16="http://schemas.microsoft.com/office/drawing/2014/main" val="2440180931"/>
+                    </a:ext>
+                  </a:extLst>
+                </a:gridCol>
+                <a:gridCol w="826734">
+                  <a:extLst>
+                    <a:ext uri="{9D8B030D-6E8A-4147-A177-3AD203B41FA5}">
+                      <a16:colId xmlns:a16="http://schemas.microsoft.com/office/drawing/2014/main" val="2646699483"/>
+                    </a:ext>
+                  </a:extLst>
+                </a:gridCol>
+                <a:gridCol w="1510928">
+                  <a:extLst>
+                    <a:ext uri="{9D8B030D-6E8A-4147-A177-3AD203B41FA5}">
+                      <a16:colId xmlns:a16="http://schemas.microsoft.com/office/drawing/2014/main" val="2985341869"/>
+                    </a:ext>
+                  </a:extLst>
+                </a:gridCol>
+                <a:gridCol w="826734">
+                  <a:extLst>
+                    <a:ext uri="{9D8B030D-6E8A-4147-A177-3AD203B41FA5}">
+                      <a16:colId xmlns:a16="http://schemas.microsoft.com/office/drawing/2014/main" val="3033166273"/>
+                    </a:ext>
+                  </a:extLst>
+                </a:gridCol>
+                <a:gridCol w="1114983">
+                  <a:extLst>
+                    <a:ext uri="{9D8B030D-6E8A-4147-A177-3AD203B41FA5}">
+                      <a16:colId xmlns:a16="http://schemas.microsoft.com/office/drawing/2014/main" val="3971639364"/>
+                    </a:ext>
+                  </a:extLst>
+                </a:gridCol>
+              </a:tblGrid>
+              <a:tr h="203200">
+                <a:tc>
+                  <a:txBody>
+                    <a:bodyPr/>
+                    <a:lstStyle/>
+                    <a:p>
+                      <a:pPr algn="l" fontAlgn="b"/>
+                      <a:r>
+                        <a:rPr lang="en-US" sz="1200" b="0" u="none" strike="noStrike">
+                          <a:solidFill>
+                            <a:srgbClr val="000000"/>
+                          </a:solidFill>
+                          <a:effectLst/>
+                        </a:rPr>
+                        <a:t>Sale No. 22472</a:t>
+                      </a:r>
+                      <a:endParaRPr lang="en-US" sz="1200" b="0" i="0" u="none" strike="noStrike">
+                        <a:solidFill>
+                          <a:srgbClr val="000000"/>
+                        </a:solidFill>
+                        <a:effectLst/>
+                        <a:latin typeface="Calibri" panose="020F0502020204030204" pitchFamily="34" charset="0"/>
+                      </a:endParaRPr>
+                    </a:p>
+                  </a:txBody>
+                  <a:tcPr marL="9525" marR="9525" marT="9525" marB="0" anchor="b"/>
+                </a:tc>
+                <a:tc>
+                  <a:txBody>
+                    <a:bodyPr/>
+                    <a:lstStyle/>
+                    <a:p>
+                      <a:pPr algn="l" fontAlgn="b"/>
+                      <a:r>
+                        <a:rPr lang="en-US" sz="1200" b="0" u="none" strike="noStrike">
+                          <a:solidFill>
+                            <a:srgbClr val="000000"/>
+                          </a:solidFill>
+                          <a:effectLst/>
+                        </a:rPr>
+                        <a:t>Built: 1970</a:t>
+                      </a:r>
+                      <a:endParaRPr lang="en-US" sz="1200" b="0" i="0" u="none" strike="noStrike">
+                        <a:solidFill>
+                          <a:srgbClr val="000000"/>
+                        </a:solidFill>
+                        <a:effectLst/>
+                        <a:latin typeface="Calibri" panose="020F0502020204030204" pitchFamily="34" charset="0"/>
+                      </a:endParaRPr>
+                    </a:p>
+                  </a:txBody>
+                  <a:tcPr marL="9525" marR="9525" marT="9525" marB="0" anchor="b"/>
+                </a:tc>
+                <a:tc>
+                  <a:txBody>
+                    <a:bodyPr/>
+                    <a:lstStyle/>
+                    <a:p>
+                      <a:pPr algn="l" fontAlgn="b"/>
+                      <a:r>
+                        <a:rPr lang="en-US" sz="1200" b="0" u="none" strike="noStrike">
+                          <a:solidFill>
+                            <a:srgbClr val="000000"/>
+                          </a:solidFill>
+                          <a:effectLst/>
+                        </a:rPr>
+                        <a:t>Changes</a:t>
+                      </a:r>
+                      <a:endParaRPr lang="en-US" sz="1200" b="0" i="0" u="none" strike="noStrike">
+                        <a:solidFill>
+                          <a:srgbClr val="000000"/>
+                        </a:solidFill>
+                        <a:effectLst/>
+                        <a:latin typeface="Calibri" panose="020F0502020204030204" pitchFamily="34" charset="0"/>
+                      </a:endParaRPr>
+                    </a:p>
+                  </a:txBody>
+                  <a:tcPr marL="9525" marR="9525" marT="9525" marB="0" anchor="b"/>
+                </a:tc>
+                <a:tc>
+                  <a:txBody>
+                    <a:bodyPr/>
+                    <a:lstStyle/>
+                    <a:p>
+                      <a:pPr algn="l" fontAlgn="b"/>
+                      <a:r>
+                        <a:rPr lang="en-US" sz="1200" b="0" u="none" strike="noStrike" dirty="0" err="1">
+                          <a:solidFill>
+                            <a:srgbClr val="000000"/>
+                          </a:solidFill>
+                          <a:effectLst/>
+                        </a:rPr>
+                        <a:t>SalePrice</a:t>
+                      </a:r>
+                      <a:endParaRPr lang="en-US" sz="1200" b="0" i="0" u="none" strike="noStrike" dirty="0">
+                        <a:solidFill>
+                          <a:srgbClr val="000000"/>
+                        </a:solidFill>
+                        <a:effectLst/>
+                        <a:latin typeface="Calibri" panose="020F0502020204030204" pitchFamily="34" charset="0"/>
+                      </a:endParaRPr>
+                    </a:p>
+                  </a:txBody>
+                  <a:tcPr marL="9525" marR="9525" marT="9525" marB="0" anchor="b"/>
+                </a:tc>
+                <a:tc>
+                  <a:txBody>
+                    <a:bodyPr/>
+                    <a:lstStyle/>
+                    <a:p>
+                      <a:pPr algn="l" fontAlgn="b"/>
+                      <a:r>
+                        <a:rPr lang="en-US" sz="1200" b="0" u="none" strike="noStrike">
+                          <a:solidFill>
+                            <a:srgbClr val="000000"/>
+                          </a:solidFill>
+                          <a:effectLst/>
+                        </a:rPr>
+                        <a:t>Percent Increase</a:t>
+                      </a:r>
+                      <a:endParaRPr lang="en-US" sz="1200" b="0" i="0" u="none" strike="noStrike">
+                        <a:solidFill>
+                          <a:srgbClr val="000000"/>
+                        </a:solidFill>
+                        <a:effectLst/>
+                        <a:latin typeface="Calibri" panose="020F0502020204030204" pitchFamily="34" charset="0"/>
+                      </a:endParaRPr>
+                    </a:p>
+                  </a:txBody>
+                  <a:tcPr marL="9525" marR="9525" marT="9525" marB="0" anchor="b"/>
+                </a:tc>
+                <a:extLst>
+                  <a:ext uri="{0D108BD9-81ED-4DB2-BD59-A6C34878D82A}">
+                    <a16:rowId xmlns:a16="http://schemas.microsoft.com/office/drawing/2014/main" val="3989444544"/>
+                  </a:ext>
+                </a:extLst>
+              </a:tr>
+              <a:tr h="203200">
+                <a:tc>
+                  <a:txBody>
+                    <a:bodyPr/>
+                    <a:lstStyle/>
+                    <a:p>
+                      <a:pPr algn="l" fontAlgn="b"/>
+                      <a:endParaRPr lang="en-US" sz="1200" b="0" i="0" u="none" strike="noStrike" dirty="0">
+                        <a:solidFill>
+                          <a:srgbClr val="000000"/>
+                        </a:solidFill>
+                        <a:effectLst/>
+                        <a:latin typeface="Calibri" panose="020F0502020204030204" pitchFamily="34" charset="0"/>
+                      </a:endParaRPr>
+                    </a:p>
+                  </a:txBody>
+                  <a:tcPr marL="9525" marR="9525" marT="9525" marB="0" anchor="b"/>
+                </a:tc>
+                <a:tc>
+                  <a:txBody>
+                    <a:bodyPr/>
+                    <a:lstStyle/>
+                    <a:p>
+                      <a:pPr algn="l" fontAlgn="b"/>
+                      <a:endParaRPr lang="en-US" sz="1200" b="0" i="0" u="none" strike="noStrike">
+                        <a:solidFill>
+                          <a:srgbClr val="000000"/>
+                        </a:solidFill>
+                        <a:effectLst/>
+                        <a:latin typeface="Calibri" panose="020F0502020204030204" pitchFamily="34" charset="0"/>
+                      </a:endParaRPr>
+                    </a:p>
+                  </a:txBody>
+                  <a:tcPr marL="9525" marR="9525" marT="9525" marB="0" anchor="b"/>
+                </a:tc>
+                <a:tc>
+                  <a:txBody>
+                    <a:bodyPr/>
+                    <a:lstStyle/>
+                    <a:p>
+                      <a:pPr algn="l" fontAlgn="b"/>
+                      <a:r>
+                        <a:rPr lang="en-US" sz="1200" b="0" u="none" strike="noStrike">
+                          <a:solidFill>
+                            <a:srgbClr val="000000"/>
+                          </a:solidFill>
+                          <a:effectLst/>
+                        </a:rPr>
+                        <a:t>None</a:t>
+                      </a:r>
+                      <a:endParaRPr lang="en-US" sz="1200" b="0" i="0" u="none" strike="noStrike">
+                        <a:solidFill>
+                          <a:srgbClr val="000000"/>
+                        </a:solidFill>
+                        <a:effectLst/>
+                        <a:latin typeface="Calibri" panose="020F0502020204030204" pitchFamily="34" charset="0"/>
+                      </a:endParaRPr>
+                    </a:p>
+                  </a:txBody>
+                  <a:tcPr marL="9525" marR="9525" marT="9525" marB="0" anchor="b"/>
+                </a:tc>
+                <a:tc>
+                  <a:txBody>
+                    <a:bodyPr/>
+                    <a:lstStyle/>
+                    <a:p>
+                      <a:pPr algn="r" fontAlgn="b"/>
+                      <a:r>
+                        <a:rPr lang="en-US" sz="1200" b="0" u="none" strike="noStrike">
+                          <a:solidFill>
+                            <a:srgbClr val="000000"/>
+                          </a:solidFill>
+                          <a:effectLst/>
+                        </a:rPr>
+                        <a:t>$101,000</a:t>
+                      </a:r>
+                      <a:endParaRPr lang="en-US" sz="1200" b="0" i="0" u="none" strike="noStrike">
+                        <a:solidFill>
+                          <a:srgbClr val="000000"/>
+                        </a:solidFill>
+                        <a:effectLst/>
+                        <a:latin typeface="Calibri" panose="020F0502020204030204" pitchFamily="34" charset="0"/>
+                      </a:endParaRPr>
+                    </a:p>
+                  </a:txBody>
+                  <a:tcPr marL="9525" marR="9525" marT="9525" marB="0" anchor="b"/>
+                </a:tc>
+                <a:tc>
+                  <a:txBody>
+                    <a:bodyPr/>
+                    <a:lstStyle/>
+                    <a:p>
+                      <a:pPr algn="r" fontAlgn="b"/>
+                      <a:r>
+                        <a:rPr lang="en-US" sz="1200" b="0" u="none" strike="noStrike">
+                          <a:solidFill>
+                            <a:srgbClr val="000000"/>
+                          </a:solidFill>
+                          <a:effectLst/>
+                        </a:rPr>
+                        <a:t>0.00%</a:t>
+                      </a:r>
+                      <a:endParaRPr lang="en-US" sz="1200" b="0" i="0" u="none" strike="noStrike">
+                        <a:solidFill>
+                          <a:srgbClr val="000000"/>
+                        </a:solidFill>
+                        <a:effectLst/>
+                        <a:latin typeface="Calibri" panose="020F0502020204030204" pitchFamily="34" charset="0"/>
+                      </a:endParaRPr>
+                    </a:p>
+                  </a:txBody>
+                  <a:tcPr marL="9525" marR="9525" marT="9525" marB="0" anchor="b"/>
+                </a:tc>
+                <a:extLst>
+                  <a:ext uri="{0D108BD9-81ED-4DB2-BD59-A6C34878D82A}">
+                    <a16:rowId xmlns:a16="http://schemas.microsoft.com/office/drawing/2014/main" val="1106437479"/>
+                  </a:ext>
+                </a:extLst>
+              </a:tr>
+              <a:tr h="203200">
+                <a:tc>
+                  <a:txBody>
+                    <a:bodyPr/>
+                    <a:lstStyle/>
+                    <a:p>
+                      <a:pPr algn="l" fontAlgn="b"/>
+                      <a:endParaRPr lang="en-US" sz="1200" b="0" i="0" u="none" strike="noStrike" dirty="0">
+                        <a:solidFill>
+                          <a:srgbClr val="000000"/>
+                        </a:solidFill>
+                        <a:effectLst/>
+                        <a:latin typeface="Calibri" panose="020F0502020204030204" pitchFamily="34" charset="0"/>
+                      </a:endParaRPr>
+                    </a:p>
+                  </a:txBody>
+                  <a:tcPr marL="9525" marR="9525" marT="9525" marB="0" anchor="b"/>
+                </a:tc>
+                <a:tc>
+                  <a:txBody>
+                    <a:bodyPr/>
+                    <a:lstStyle/>
+                    <a:p>
+                      <a:pPr algn="l" fontAlgn="b"/>
+                      <a:endParaRPr lang="en-US" sz="1200" b="0" i="0" u="none" strike="noStrike">
+                        <a:solidFill>
+                          <a:srgbClr val="000000"/>
+                        </a:solidFill>
+                        <a:effectLst/>
+                        <a:latin typeface="Calibri" panose="020F0502020204030204" pitchFamily="34" charset="0"/>
+                      </a:endParaRPr>
+                    </a:p>
+                  </a:txBody>
+                  <a:tcPr marL="9525" marR="9525" marT="9525" marB="0" anchor="b"/>
+                </a:tc>
+                <a:tc>
+                  <a:txBody>
+                    <a:bodyPr/>
+                    <a:lstStyle/>
+                    <a:p>
+                      <a:pPr algn="l" fontAlgn="b"/>
+                      <a:r>
+                        <a:rPr lang="en-US" sz="1200" b="0" u="none" strike="noStrike">
+                          <a:solidFill>
+                            <a:srgbClr val="000000"/>
+                          </a:solidFill>
+                          <a:effectLst/>
+                        </a:rPr>
+                        <a:t>Add Fireplace</a:t>
+                      </a:r>
+                      <a:endParaRPr lang="en-US" sz="1200" b="0" i="0" u="none" strike="noStrike">
+                        <a:solidFill>
+                          <a:srgbClr val="000000"/>
+                        </a:solidFill>
+                        <a:effectLst/>
+                        <a:latin typeface="Calibri" panose="020F0502020204030204" pitchFamily="34" charset="0"/>
+                      </a:endParaRPr>
+                    </a:p>
+                  </a:txBody>
+                  <a:tcPr marL="9525" marR="9525" marT="9525" marB="0" anchor="b"/>
+                </a:tc>
+                <a:tc>
+                  <a:txBody>
+                    <a:bodyPr/>
+                    <a:lstStyle/>
+                    <a:p>
+                      <a:pPr algn="r" fontAlgn="b"/>
+                      <a:r>
+                        <a:rPr lang="en-US" sz="1200" b="0" u="none" strike="noStrike">
+                          <a:solidFill>
+                            <a:srgbClr val="000000"/>
+                          </a:solidFill>
+                          <a:effectLst/>
+                        </a:rPr>
+                        <a:t>$124,945</a:t>
+                      </a:r>
+                      <a:endParaRPr lang="en-US" sz="1200" b="0" i="0" u="none" strike="noStrike">
+                        <a:solidFill>
+                          <a:srgbClr val="000000"/>
+                        </a:solidFill>
+                        <a:effectLst/>
+                        <a:latin typeface="Calibri" panose="020F0502020204030204" pitchFamily="34" charset="0"/>
+                      </a:endParaRPr>
+                    </a:p>
+                  </a:txBody>
+                  <a:tcPr marL="9525" marR="9525" marT="9525" marB="0" anchor="b"/>
+                </a:tc>
+                <a:tc>
+                  <a:txBody>
+                    <a:bodyPr/>
+                    <a:lstStyle/>
+                    <a:p>
+                      <a:pPr algn="r" fontAlgn="b"/>
+                      <a:r>
+                        <a:rPr lang="en-US" sz="1200" b="0" u="none" strike="noStrike">
+                          <a:solidFill>
+                            <a:srgbClr val="000000"/>
+                          </a:solidFill>
+                          <a:effectLst/>
+                        </a:rPr>
+                        <a:t>23.71%</a:t>
+                      </a:r>
+                      <a:endParaRPr lang="en-US" sz="1200" b="0" i="0" u="none" strike="noStrike">
+                        <a:solidFill>
+                          <a:srgbClr val="000000"/>
+                        </a:solidFill>
+                        <a:effectLst/>
+                        <a:latin typeface="Calibri" panose="020F0502020204030204" pitchFamily="34" charset="0"/>
+                      </a:endParaRPr>
+                    </a:p>
+                  </a:txBody>
+                  <a:tcPr marL="9525" marR="9525" marT="9525" marB="0" anchor="b"/>
+                </a:tc>
+                <a:extLst>
+                  <a:ext uri="{0D108BD9-81ED-4DB2-BD59-A6C34878D82A}">
+                    <a16:rowId xmlns:a16="http://schemas.microsoft.com/office/drawing/2014/main" val="948097900"/>
+                  </a:ext>
+                </a:extLst>
+              </a:tr>
+              <a:tr h="203200">
+                <a:tc>
+                  <a:txBody>
+                    <a:bodyPr/>
+                    <a:lstStyle/>
+                    <a:p>
+                      <a:pPr algn="l" fontAlgn="b"/>
+                      <a:endParaRPr lang="en-US" sz="1200" b="0" i="0" u="none" strike="noStrike">
+                        <a:solidFill>
+                          <a:srgbClr val="000000"/>
+                        </a:solidFill>
+                        <a:effectLst/>
+                        <a:latin typeface="Calibri" panose="020F0502020204030204" pitchFamily="34" charset="0"/>
+                      </a:endParaRPr>
+                    </a:p>
+                  </a:txBody>
+                  <a:tcPr marL="9525" marR="9525" marT="9525" marB="0" anchor="b"/>
+                </a:tc>
+                <a:tc>
+                  <a:txBody>
+                    <a:bodyPr/>
+                    <a:lstStyle/>
+                    <a:p>
+                      <a:pPr algn="l" fontAlgn="b"/>
+                      <a:endParaRPr lang="en-US" sz="1200" b="0" i="0" u="none" strike="noStrike" dirty="0">
+                        <a:solidFill>
+                          <a:srgbClr val="000000"/>
+                        </a:solidFill>
+                        <a:effectLst/>
+                        <a:latin typeface="Calibri" panose="020F0502020204030204" pitchFamily="34" charset="0"/>
+                      </a:endParaRPr>
+                    </a:p>
+                  </a:txBody>
+                  <a:tcPr marL="9525" marR="9525" marT="9525" marB="0" anchor="b"/>
+                </a:tc>
+                <a:tc>
+                  <a:txBody>
+                    <a:bodyPr/>
+                    <a:lstStyle/>
+                    <a:p>
+                      <a:pPr algn="l" fontAlgn="b"/>
+                      <a:r>
+                        <a:rPr lang="en-US" sz="1200" b="0" u="none" strike="noStrike">
+                          <a:solidFill>
+                            <a:srgbClr val="000000"/>
+                          </a:solidFill>
+                          <a:effectLst/>
+                        </a:rPr>
+                        <a:t>Add Garage</a:t>
+                      </a:r>
+                      <a:endParaRPr lang="en-US" sz="1200" b="0" i="0" u="none" strike="noStrike">
+                        <a:solidFill>
+                          <a:srgbClr val="000000"/>
+                        </a:solidFill>
+                        <a:effectLst/>
+                        <a:latin typeface="Calibri" panose="020F0502020204030204" pitchFamily="34" charset="0"/>
+                      </a:endParaRPr>
+                    </a:p>
+                  </a:txBody>
+                  <a:tcPr marL="9525" marR="9525" marT="9525" marB="0" anchor="b"/>
+                </a:tc>
+                <a:tc>
+                  <a:txBody>
+                    <a:bodyPr/>
+                    <a:lstStyle/>
+                    <a:p>
+                      <a:pPr algn="r" fontAlgn="b"/>
+                      <a:r>
+                        <a:rPr lang="en-US" sz="1200" b="0" u="none" strike="noStrike">
+                          <a:solidFill>
+                            <a:srgbClr val="000000"/>
+                          </a:solidFill>
+                          <a:effectLst/>
+                        </a:rPr>
+                        <a:t>$113,701</a:t>
+                      </a:r>
+                      <a:endParaRPr lang="en-US" sz="1200" b="0" i="0" u="none" strike="noStrike">
+                        <a:solidFill>
+                          <a:srgbClr val="000000"/>
+                        </a:solidFill>
+                        <a:effectLst/>
+                        <a:latin typeface="Calibri" panose="020F0502020204030204" pitchFamily="34" charset="0"/>
+                      </a:endParaRPr>
+                    </a:p>
+                  </a:txBody>
+                  <a:tcPr marL="9525" marR="9525" marT="9525" marB="0" anchor="b"/>
+                </a:tc>
+                <a:tc>
+                  <a:txBody>
+                    <a:bodyPr/>
+                    <a:lstStyle/>
+                    <a:p>
+                      <a:pPr algn="r" fontAlgn="b"/>
+                      <a:r>
+                        <a:rPr lang="en-US" sz="1200" b="0" u="none" strike="noStrike">
+                          <a:solidFill>
+                            <a:srgbClr val="000000"/>
+                          </a:solidFill>
+                          <a:effectLst/>
+                        </a:rPr>
+                        <a:t>12.58%</a:t>
+                      </a:r>
+                      <a:endParaRPr lang="en-US" sz="1200" b="0" i="0" u="none" strike="noStrike">
+                        <a:solidFill>
+                          <a:srgbClr val="000000"/>
+                        </a:solidFill>
+                        <a:effectLst/>
+                        <a:latin typeface="Calibri" panose="020F0502020204030204" pitchFamily="34" charset="0"/>
+                      </a:endParaRPr>
+                    </a:p>
+                  </a:txBody>
+                  <a:tcPr marL="9525" marR="9525" marT="9525" marB="0" anchor="b"/>
+                </a:tc>
+                <a:extLst>
+                  <a:ext uri="{0D108BD9-81ED-4DB2-BD59-A6C34878D82A}">
+                    <a16:rowId xmlns:a16="http://schemas.microsoft.com/office/drawing/2014/main" val="1534311313"/>
+                  </a:ext>
+                </a:extLst>
+              </a:tr>
+              <a:tr h="203200">
+                <a:tc>
+                  <a:txBody>
+                    <a:bodyPr/>
+                    <a:lstStyle/>
+                    <a:p>
+                      <a:pPr algn="l" fontAlgn="b"/>
+                      <a:endParaRPr lang="en-US" sz="1200" b="0" i="0" u="none" strike="noStrike">
+                        <a:solidFill>
+                          <a:srgbClr val="000000"/>
+                        </a:solidFill>
+                        <a:effectLst/>
+                        <a:latin typeface="Calibri" panose="020F0502020204030204" pitchFamily="34" charset="0"/>
+                      </a:endParaRPr>
+                    </a:p>
+                  </a:txBody>
+                  <a:tcPr marL="9525" marR="9525" marT="9525" marB="0" anchor="b"/>
+                </a:tc>
+                <a:tc>
+                  <a:txBody>
+                    <a:bodyPr/>
+                    <a:lstStyle/>
+                    <a:p>
+                      <a:pPr algn="l" fontAlgn="b"/>
+                      <a:endParaRPr lang="en-US" sz="1200" b="0" i="0" u="none" strike="noStrike">
+                        <a:solidFill>
+                          <a:srgbClr val="000000"/>
+                        </a:solidFill>
+                        <a:effectLst/>
+                        <a:latin typeface="Calibri" panose="020F0502020204030204" pitchFamily="34" charset="0"/>
+                      </a:endParaRPr>
+                    </a:p>
+                  </a:txBody>
+                  <a:tcPr marL="9525" marR="9525" marT="9525" marB="0" anchor="b"/>
+                </a:tc>
+                <a:tc>
+                  <a:txBody>
+                    <a:bodyPr/>
+                    <a:lstStyle/>
+                    <a:p>
+                      <a:pPr algn="l" fontAlgn="b"/>
+                      <a:r>
+                        <a:rPr lang="en-US" sz="1200" b="0" u="none" strike="noStrike">
+                          <a:solidFill>
+                            <a:srgbClr val="000000"/>
+                          </a:solidFill>
+                          <a:effectLst/>
+                        </a:rPr>
+                        <a:t>Closest to Org Grocery</a:t>
+                      </a:r>
+                      <a:endParaRPr lang="en-US" sz="1200" b="0" i="0" u="none" strike="noStrike">
+                        <a:solidFill>
+                          <a:srgbClr val="000000"/>
+                        </a:solidFill>
+                        <a:effectLst/>
+                        <a:latin typeface="Calibri" panose="020F0502020204030204" pitchFamily="34" charset="0"/>
+                      </a:endParaRPr>
+                    </a:p>
+                  </a:txBody>
+                  <a:tcPr marL="9525" marR="9525" marT="9525" marB="0" anchor="b"/>
+                </a:tc>
+                <a:tc>
+                  <a:txBody>
+                    <a:bodyPr/>
+                    <a:lstStyle/>
+                    <a:p>
+                      <a:pPr algn="r" fontAlgn="b"/>
+                      <a:r>
+                        <a:rPr lang="en-US" sz="1200" b="0" u="none" strike="noStrike">
+                          <a:solidFill>
+                            <a:srgbClr val="000000"/>
+                          </a:solidFill>
+                          <a:effectLst/>
+                        </a:rPr>
+                        <a:t>$115,799</a:t>
+                      </a:r>
+                      <a:endParaRPr lang="en-US" sz="1200" b="0" i="0" u="none" strike="noStrike">
+                        <a:solidFill>
+                          <a:srgbClr val="000000"/>
+                        </a:solidFill>
+                        <a:effectLst/>
+                        <a:latin typeface="Calibri" panose="020F0502020204030204" pitchFamily="34" charset="0"/>
+                      </a:endParaRPr>
+                    </a:p>
+                  </a:txBody>
+                  <a:tcPr marL="9525" marR="9525" marT="9525" marB="0" anchor="b"/>
+                </a:tc>
+                <a:tc>
+                  <a:txBody>
+                    <a:bodyPr/>
+                    <a:lstStyle/>
+                    <a:p>
+                      <a:pPr algn="r" fontAlgn="b"/>
+                      <a:r>
+                        <a:rPr lang="en-US" sz="1200" b="0" u="none" strike="noStrike">
+                          <a:solidFill>
+                            <a:srgbClr val="000000"/>
+                          </a:solidFill>
+                          <a:effectLst/>
+                        </a:rPr>
+                        <a:t>14.65%</a:t>
+                      </a:r>
+                      <a:endParaRPr lang="en-US" sz="1200" b="0" i="0" u="none" strike="noStrike">
+                        <a:solidFill>
+                          <a:srgbClr val="000000"/>
+                        </a:solidFill>
+                        <a:effectLst/>
+                        <a:latin typeface="Calibri" panose="020F0502020204030204" pitchFamily="34" charset="0"/>
+                      </a:endParaRPr>
+                    </a:p>
+                  </a:txBody>
+                  <a:tcPr marL="9525" marR="9525" marT="9525" marB="0" anchor="b"/>
+                </a:tc>
+                <a:extLst>
+                  <a:ext uri="{0D108BD9-81ED-4DB2-BD59-A6C34878D82A}">
+                    <a16:rowId xmlns:a16="http://schemas.microsoft.com/office/drawing/2014/main" val="2037076774"/>
+                  </a:ext>
+                </a:extLst>
+              </a:tr>
+              <a:tr h="203200">
+                <a:tc>
+                  <a:txBody>
+                    <a:bodyPr/>
+                    <a:lstStyle/>
+                    <a:p>
+                      <a:pPr algn="l" fontAlgn="b"/>
+                      <a:endParaRPr lang="en-US" sz="1200" b="0" i="0" u="none" strike="noStrike">
+                        <a:solidFill>
+                          <a:srgbClr val="000000"/>
+                        </a:solidFill>
+                        <a:effectLst/>
+                        <a:latin typeface="Calibri" panose="020F0502020204030204" pitchFamily="34" charset="0"/>
+                      </a:endParaRPr>
+                    </a:p>
+                  </a:txBody>
+                  <a:tcPr marL="9525" marR="9525" marT="9525" marB="0" anchor="b"/>
+                </a:tc>
+                <a:tc>
+                  <a:txBody>
+                    <a:bodyPr/>
+                    <a:lstStyle/>
+                    <a:p>
+                      <a:pPr algn="l" fontAlgn="b"/>
+                      <a:endParaRPr lang="en-US" sz="1200" b="0" i="0" u="none" strike="noStrike">
+                        <a:solidFill>
+                          <a:srgbClr val="000000"/>
+                        </a:solidFill>
+                        <a:effectLst/>
+                        <a:latin typeface="Calibri" panose="020F0502020204030204" pitchFamily="34" charset="0"/>
+                      </a:endParaRPr>
+                    </a:p>
+                  </a:txBody>
+                  <a:tcPr marL="9525" marR="9525" marT="9525" marB="0" anchor="b"/>
+                </a:tc>
+                <a:tc>
+                  <a:txBody>
+                    <a:bodyPr/>
+                    <a:lstStyle/>
+                    <a:p>
+                      <a:pPr algn="l" fontAlgn="b"/>
+                      <a:r>
+                        <a:rPr lang="en-US" sz="1200" b="0" u="none" strike="noStrike">
+                          <a:solidFill>
+                            <a:srgbClr val="000000"/>
+                          </a:solidFill>
+                          <a:effectLst/>
+                        </a:rPr>
+                        <a:t>Closest to Spa</a:t>
+                      </a:r>
+                      <a:endParaRPr lang="en-US" sz="1200" b="0" i="0" u="none" strike="noStrike">
+                        <a:solidFill>
+                          <a:srgbClr val="000000"/>
+                        </a:solidFill>
+                        <a:effectLst/>
+                        <a:latin typeface="Calibri" panose="020F0502020204030204" pitchFamily="34" charset="0"/>
+                      </a:endParaRPr>
+                    </a:p>
+                  </a:txBody>
+                  <a:tcPr marL="9525" marR="9525" marT="9525" marB="0" anchor="b"/>
+                </a:tc>
+                <a:tc>
+                  <a:txBody>
+                    <a:bodyPr/>
+                    <a:lstStyle/>
+                    <a:p>
+                      <a:pPr algn="r" fontAlgn="b"/>
+                      <a:r>
+                        <a:rPr lang="en-US" sz="1200" b="0" u="none" strike="noStrike">
+                          <a:solidFill>
+                            <a:srgbClr val="000000"/>
+                          </a:solidFill>
+                          <a:effectLst/>
+                        </a:rPr>
+                        <a:t>$131,088</a:t>
+                      </a:r>
+                      <a:endParaRPr lang="en-US" sz="1200" b="0" i="0" u="none" strike="noStrike">
+                        <a:solidFill>
+                          <a:srgbClr val="000000"/>
+                        </a:solidFill>
+                        <a:effectLst/>
+                        <a:latin typeface="Calibri" panose="020F0502020204030204" pitchFamily="34" charset="0"/>
+                      </a:endParaRPr>
+                    </a:p>
+                  </a:txBody>
+                  <a:tcPr marL="9525" marR="9525" marT="9525" marB="0" anchor="b"/>
+                </a:tc>
+                <a:tc>
+                  <a:txBody>
+                    <a:bodyPr/>
+                    <a:lstStyle/>
+                    <a:p>
+                      <a:pPr algn="r" fontAlgn="b"/>
+                      <a:r>
+                        <a:rPr lang="en-US" sz="1200" b="0" u="none" strike="noStrike">
+                          <a:solidFill>
+                            <a:srgbClr val="000000"/>
+                          </a:solidFill>
+                          <a:effectLst/>
+                        </a:rPr>
+                        <a:t>29.79%</a:t>
+                      </a:r>
+                      <a:endParaRPr lang="en-US" sz="1200" b="0" i="0" u="none" strike="noStrike">
+                        <a:solidFill>
+                          <a:srgbClr val="000000"/>
+                        </a:solidFill>
+                        <a:effectLst/>
+                        <a:latin typeface="Calibri" panose="020F0502020204030204" pitchFamily="34" charset="0"/>
+                      </a:endParaRPr>
+                    </a:p>
+                  </a:txBody>
+                  <a:tcPr marL="9525" marR="9525" marT="9525" marB="0" anchor="b"/>
+                </a:tc>
+                <a:extLst>
+                  <a:ext uri="{0D108BD9-81ED-4DB2-BD59-A6C34878D82A}">
+                    <a16:rowId xmlns:a16="http://schemas.microsoft.com/office/drawing/2014/main" val="3305278361"/>
+                  </a:ext>
+                </a:extLst>
+              </a:tr>
+              <a:tr h="203200">
+                <a:tc>
+                  <a:txBody>
+                    <a:bodyPr/>
+                    <a:lstStyle/>
+                    <a:p>
+                      <a:pPr algn="l" fontAlgn="b"/>
+                      <a:endParaRPr lang="en-US" sz="1200" b="0" i="0" u="none" strike="noStrike">
+                        <a:solidFill>
+                          <a:srgbClr val="000000"/>
+                        </a:solidFill>
+                        <a:effectLst/>
+                        <a:latin typeface="Calibri" panose="020F0502020204030204" pitchFamily="34" charset="0"/>
+                      </a:endParaRPr>
+                    </a:p>
+                  </a:txBody>
+                  <a:tcPr marL="9525" marR="9525" marT="9525" marB="0" anchor="b"/>
+                </a:tc>
+                <a:tc>
+                  <a:txBody>
+                    <a:bodyPr/>
+                    <a:lstStyle/>
+                    <a:p>
+                      <a:pPr algn="l" fontAlgn="b"/>
+                      <a:endParaRPr lang="en-US" sz="1200" b="0" i="0" u="none" strike="noStrike">
+                        <a:solidFill>
+                          <a:srgbClr val="000000"/>
+                        </a:solidFill>
+                        <a:effectLst/>
+                        <a:latin typeface="Calibri" panose="020F0502020204030204" pitchFamily="34" charset="0"/>
+                      </a:endParaRPr>
+                    </a:p>
+                  </a:txBody>
+                  <a:tcPr marL="9525" marR="9525" marT="9525" marB="0" anchor="b"/>
+                </a:tc>
+                <a:tc>
+                  <a:txBody>
+                    <a:bodyPr/>
+                    <a:lstStyle/>
+                    <a:p>
+                      <a:pPr algn="l" fontAlgn="b"/>
+                      <a:r>
+                        <a:rPr lang="en-US" sz="1200" b="0" u="none" strike="noStrike">
+                          <a:solidFill>
+                            <a:srgbClr val="000000"/>
+                          </a:solidFill>
+                          <a:effectLst/>
+                        </a:rPr>
+                        <a:t>Year Sold 2021</a:t>
+                      </a:r>
+                      <a:endParaRPr lang="en-US" sz="1200" b="0" i="0" u="none" strike="noStrike">
+                        <a:solidFill>
+                          <a:srgbClr val="000000"/>
+                        </a:solidFill>
+                        <a:effectLst/>
+                        <a:latin typeface="Calibri" panose="020F0502020204030204" pitchFamily="34" charset="0"/>
+                      </a:endParaRPr>
+                    </a:p>
+                  </a:txBody>
+                  <a:tcPr marL="9525" marR="9525" marT="9525" marB="0" anchor="b"/>
+                </a:tc>
+                <a:tc>
+                  <a:txBody>
+                    <a:bodyPr/>
+                    <a:lstStyle/>
+                    <a:p>
+                      <a:pPr algn="r" fontAlgn="b"/>
+                      <a:r>
+                        <a:rPr lang="en-US" sz="1200" b="0" u="none" strike="noStrike">
+                          <a:solidFill>
+                            <a:srgbClr val="000000"/>
+                          </a:solidFill>
+                          <a:effectLst/>
+                        </a:rPr>
+                        <a:t>$121,251</a:t>
+                      </a:r>
+                      <a:endParaRPr lang="en-US" sz="1200" b="0" i="0" u="none" strike="noStrike">
+                        <a:solidFill>
+                          <a:srgbClr val="000000"/>
+                        </a:solidFill>
+                        <a:effectLst/>
+                        <a:latin typeface="Calibri" panose="020F0502020204030204" pitchFamily="34" charset="0"/>
+                      </a:endParaRPr>
+                    </a:p>
+                  </a:txBody>
+                  <a:tcPr marL="9525" marR="9525" marT="9525" marB="0" anchor="b"/>
+                </a:tc>
+                <a:tc>
+                  <a:txBody>
+                    <a:bodyPr/>
+                    <a:lstStyle/>
+                    <a:p>
+                      <a:pPr algn="r" fontAlgn="b"/>
+                      <a:r>
+                        <a:rPr lang="en-US" sz="1200" b="0" u="none" strike="noStrike" dirty="0">
+                          <a:solidFill>
+                            <a:srgbClr val="000000"/>
+                          </a:solidFill>
+                          <a:effectLst/>
+                        </a:rPr>
+                        <a:t>20.05%</a:t>
+                      </a:r>
+                      <a:endParaRPr lang="en-US" sz="1200" b="0" i="0" u="none" strike="noStrike" dirty="0">
+                        <a:solidFill>
+                          <a:srgbClr val="000000"/>
+                        </a:solidFill>
+                        <a:effectLst/>
+                        <a:latin typeface="Calibri" panose="020F0502020204030204" pitchFamily="34" charset="0"/>
+                      </a:endParaRPr>
+                    </a:p>
+                  </a:txBody>
+                  <a:tcPr marL="9525" marR="9525" marT="9525" marB="0" anchor="b"/>
+                </a:tc>
+                <a:extLst>
+                  <a:ext uri="{0D108BD9-81ED-4DB2-BD59-A6C34878D82A}">
+                    <a16:rowId xmlns:a16="http://schemas.microsoft.com/office/drawing/2014/main" val="3788959329"/>
+                  </a:ext>
+                </a:extLst>
+              </a:tr>
+            </a:tbl>
+          </a:graphicData>
+        </a:graphic>
+      </p:graphicFrame>
     </p:spTree>
     <p:extLst>
       <p:ext uri="{BB962C8B-B14F-4D97-AF65-F5344CB8AC3E}">
@@ -3626,7 +5707,7 @@
 </p:sld>
 </file>
 
-<file path=ppt/slides/slide12.xml><?xml version="1.0" encoding="utf-8"?>
+<file path=ppt/slides/slide14.xml><?xml version="1.0" encoding="utf-8"?>
 <p:sld xmlns:a="http://schemas.openxmlformats.org/drawingml/2006/main" xmlns:r="http://schemas.openxmlformats.org/officeDocument/2006/relationships" xmlns:p="http://schemas.openxmlformats.org/presentationml/2006/main">
   <p:cSld>
     <p:spTree>
@@ -4829,7 +6910,12 @@
             <p:ph type="title"/>
           </p:nvPr>
         </p:nvSpPr>
-        <p:spPr/>
+        <p:spPr>
+          <a:xfrm>
+            <a:off x="838200" y="262255"/>
+            <a:ext cx="10515600" cy="1325563"/>
+          </a:xfrm>
+        </p:spPr>
         <p:txBody>
           <a:bodyPr/>
           <a:lstStyle/>
@@ -4857,7 +6943,12 @@
             <p:ph idx="1"/>
           </p:nvPr>
         </p:nvSpPr>
-        <p:spPr/>
+        <p:spPr>
+          <a:xfrm>
+            <a:off x="5065485" y="1822222"/>
+            <a:ext cx="6037943" cy="4351338"/>
+          </a:xfrm>
+        </p:spPr>
         <p:txBody>
           <a:bodyPr/>
           <a:lstStyle/>
@@ -4900,6 +6991,3410 @@
           </a:p>
         </p:txBody>
       </p:sp>
+      <p:graphicFrame>
+        <p:nvGraphicFramePr>
+          <p:cNvPr id="6" name="Table 5">
+            <a:extLst>
+              <a:ext uri="{FF2B5EF4-FFF2-40B4-BE49-F238E27FC236}">
+                <a16:creationId xmlns:a16="http://schemas.microsoft.com/office/drawing/2014/main" id="{470A9DBE-4224-5E7D-22B0-987BA2D837C7}"/>
+              </a:ext>
+            </a:extLst>
+          </p:cNvPr>
+          <p:cNvGraphicFramePr>
+            <a:graphicFrameLocks noGrp="1"/>
+          </p:cNvGraphicFramePr>
+          <p:nvPr>
+            <p:extLst>
+              <p:ext uri="{D42A27DB-BD31-4B8C-83A1-F6EECF244321}">
+                <p14:modId xmlns:p14="http://schemas.microsoft.com/office/powerpoint/2010/main" val="371719280"/>
+              </p:ext>
+            </p:extLst>
+          </p:nvPr>
+        </p:nvGraphicFramePr>
+        <p:xfrm>
+          <a:off x="838200" y="1589086"/>
+          <a:ext cx="4203185" cy="3456432"/>
+        </p:xfrm>
+        <a:graphic>
+          <a:graphicData uri="http://schemas.openxmlformats.org/drawingml/2006/table">
+            <a:tbl>
+              <a:tblPr firstRow="1" firstCol="1">
+                <a:tableStyleId>{93296810-A885-4BE3-A3E7-6D5BEEA58F35}</a:tableStyleId>
+              </a:tblPr>
+              <a:tblGrid>
+                <a:gridCol w="1463739">
+                  <a:extLst>
+                    <a:ext uri="{9D8B030D-6E8A-4147-A177-3AD203B41FA5}">
+                      <a16:colId xmlns:a16="http://schemas.microsoft.com/office/drawing/2014/main" val="1190677183"/>
+                    </a:ext>
+                  </a:extLst>
+                </a:gridCol>
+                <a:gridCol w="1631725">
+                  <a:extLst>
+                    <a:ext uri="{9D8B030D-6E8A-4147-A177-3AD203B41FA5}">
+                      <a16:colId xmlns:a16="http://schemas.microsoft.com/office/drawing/2014/main" val="3008647542"/>
+                    </a:ext>
+                  </a:extLst>
+                </a:gridCol>
+                <a:gridCol w="1107721">
+                  <a:extLst>
+                    <a:ext uri="{9D8B030D-6E8A-4147-A177-3AD203B41FA5}">
+                      <a16:colId xmlns:a16="http://schemas.microsoft.com/office/drawing/2014/main" val="2056312502"/>
+                    </a:ext>
+                  </a:extLst>
+                </a:gridCol>
+              </a:tblGrid>
+              <a:tr h="246888">
+                <a:tc>
+                  <a:txBody>
+                    <a:bodyPr/>
+                    <a:lstStyle/>
+                    <a:p>
+                      <a:pPr algn="ctr" fontAlgn="b"/>
+                      <a:r>
+                        <a:rPr lang="en-US" sz="1200" b="0" u="none" strike="noStrike" dirty="0">
+                          <a:solidFill>
+                            <a:srgbClr val="000000"/>
+                          </a:solidFill>
+                          <a:effectLst/>
+                        </a:rPr>
+                        <a:t>Feature</a:t>
+                      </a:r>
+                      <a:endParaRPr lang="en-US" sz="1200" b="0" i="0" u="none" strike="noStrike" dirty="0">
+                        <a:solidFill>
+                          <a:srgbClr val="000000"/>
+                        </a:solidFill>
+                        <a:effectLst/>
+                        <a:latin typeface="Calibri" panose="020F0502020204030204" pitchFamily="34" charset="0"/>
+                      </a:endParaRPr>
+                    </a:p>
+                  </a:txBody>
+                  <a:tcPr marL="45720" marR="45720" marT="9525" marB="0" anchor="b">
+                    <a:lnL w="12700" cap="flat" cmpd="sng" algn="ctr">
+                      <a:solidFill>
+                        <a:schemeClr val="tx1"/>
+                      </a:solidFill>
+                      <a:prstDash val="solid"/>
+                      <a:round/>
+                      <a:headEnd type="none" w="med" len="med"/>
+                      <a:tailEnd type="none" w="med" len="med"/>
+                    </a:lnL>
+                    <a:lnR w="12700" cap="flat" cmpd="sng" algn="ctr">
+                      <a:solidFill>
+                        <a:schemeClr val="tx1"/>
+                      </a:solidFill>
+                      <a:prstDash val="solid"/>
+                      <a:round/>
+                      <a:headEnd type="none" w="med" len="med"/>
+                      <a:tailEnd type="none" w="med" len="med"/>
+                    </a:lnR>
+                    <a:lnT w="12700" cap="flat" cmpd="sng" algn="ctr">
+                      <a:solidFill>
+                        <a:schemeClr val="tx1"/>
+                      </a:solidFill>
+                      <a:prstDash val="solid"/>
+                      <a:round/>
+                      <a:headEnd type="none" w="med" len="med"/>
+                      <a:tailEnd type="none" w="med" len="med"/>
+                    </a:lnT>
+                    <a:lnB w="12700" cap="flat" cmpd="sng" algn="ctr">
+                      <a:solidFill>
+                        <a:schemeClr val="tx1"/>
+                      </a:solidFill>
+                      <a:prstDash val="solid"/>
+                      <a:round/>
+                      <a:headEnd type="none" w="med" len="med"/>
+                      <a:tailEnd type="none" w="med" len="med"/>
+                    </a:lnB>
+                    <a:lnTlToBr w="12700" cmpd="sng">
+                      <a:noFill/>
+                      <a:prstDash val="solid"/>
+                    </a:lnTlToBr>
+                    <a:lnBlToTr w="12700" cmpd="sng">
+                      <a:noFill/>
+                      <a:prstDash val="solid"/>
+                    </a:lnBlToTr>
+                  </a:tcPr>
+                </a:tc>
+                <a:tc>
+                  <a:txBody>
+                    <a:bodyPr/>
+                    <a:lstStyle/>
+                    <a:p>
+                      <a:pPr algn="ctr" fontAlgn="b"/>
+                      <a:r>
+                        <a:rPr lang="en-US" sz="1200" b="0" u="none" strike="noStrike" dirty="0">
+                          <a:solidFill>
+                            <a:srgbClr val="000000"/>
+                          </a:solidFill>
+                          <a:effectLst/>
+                        </a:rPr>
+                        <a:t>2019</a:t>
+                      </a:r>
+                      <a:endParaRPr lang="en-US" sz="1200" b="0" i="0" u="none" strike="noStrike" dirty="0">
+                        <a:solidFill>
+                          <a:srgbClr val="000000"/>
+                        </a:solidFill>
+                        <a:effectLst/>
+                        <a:latin typeface="Calibri" panose="020F0502020204030204" pitchFamily="34" charset="0"/>
+                      </a:endParaRPr>
+                    </a:p>
+                  </a:txBody>
+                  <a:tcPr marL="45720" marR="45720" marT="9525" marB="0" anchor="b">
+                    <a:lnL w="12700" cap="flat" cmpd="sng" algn="ctr">
+                      <a:solidFill>
+                        <a:schemeClr val="tx1"/>
+                      </a:solidFill>
+                      <a:prstDash val="solid"/>
+                      <a:round/>
+                      <a:headEnd type="none" w="med" len="med"/>
+                      <a:tailEnd type="none" w="med" len="med"/>
+                    </a:lnL>
+                    <a:lnR w="12700" cap="flat" cmpd="sng" algn="ctr">
+                      <a:solidFill>
+                        <a:schemeClr val="tx1"/>
+                      </a:solidFill>
+                      <a:prstDash val="solid"/>
+                      <a:round/>
+                      <a:headEnd type="none" w="med" len="med"/>
+                      <a:tailEnd type="none" w="med" len="med"/>
+                    </a:lnR>
+                    <a:lnT w="12700" cap="flat" cmpd="sng" algn="ctr">
+                      <a:solidFill>
+                        <a:schemeClr val="tx1"/>
+                      </a:solidFill>
+                      <a:prstDash val="solid"/>
+                      <a:round/>
+                      <a:headEnd type="none" w="med" len="med"/>
+                      <a:tailEnd type="none" w="med" len="med"/>
+                    </a:lnT>
+                    <a:lnB w="12700" cap="flat" cmpd="sng" algn="ctr">
+                      <a:solidFill>
+                        <a:schemeClr val="tx1"/>
+                      </a:solidFill>
+                      <a:prstDash val="solid"/>
+                      <a:round/>
+                      <a:headEnd type="none" w="med" len="med"/>
+                      <a:tailEnd type="none" w="med" len="med"/>
+                    </a:lnB>
+                    <a:lnTlToBr w="12700" cmpd="sng">
+                      <a:noFill/>
+                      <a:prstDash val="solid"/>
+                    </a:lnTlToBr>
+                    <a:lnBlToTr w="12700" cmpd="sng">
+                      <a:noFill/>
+                      <a:prstDash val="solid"/>
+                    </a:lnBlToTr>
+                  </a:tcPr>
+                </a:tc>
+                <a:tc>
+                  <a:txBody>
+                    <a:bodyPr/>
+                    <a:lstStyle/>
+                    <a:p>
+                      <a:pPr algn="ctr" fontAlgn="b"/>
+                      <a:r>
+                        <a:rPr lang="en-US" sz="1200" b="0" u="none" strike="noStrike" dirty="0">
+                          <a:solidFill>
+                            <a:srgbClr val="000000"/>
+                          </a:solidFill>
+                          <a:effectLst/>
+                        </a:rPr>
+                        <a:t>2021</a:t>
+                      </a:r>
+                      <a:endParaRPr lang="en-US" sz="1200" b="0" i="0" u="none" strike="noStrike" dirty="0">
+                        <a:solidFill>
+                          <a:srgbClr val="000000"/>
+                        </a:solidFill>
+                        <a:effectLst/>
+                        <a:latin typeface="Calibri" panose="020F0502020204030204" pitchFamily="34" charset="0"/>
+                      </a:endParaRPr>
+                    </a:p>
+                  </a:txBody>
+                  <a:tcPr marL="45720" marR="45720" marT="9525" marB="0" anchor="b">
+                    <a:lnL w="12700" cap="flat" cmpd="sng" algn="ctr">
+                      <a:solidFill>
+                        <a:schemeClr val="tx1"/>
+                      </a:solidFill>
+                      <a:prstDash val="solid"/>
+                      <a:round/>
+                      <a:headEnd type="none" w="med" len="med"/>
+                      <a:tailEnd type="none" w="med" len="med"/>
+                    </a:lnL>
+                    <a:lnR w="12700" cap="flat" cmpd="sng" algn="ctr">
+                      <a:solidFill>
+                        <a:schemeClr val="tx1"/>
+                      </a:solidFill>
+                      <a:prstDash val="solid"/>
+                      <a:round/>
+                      <a:headEnd type="none" w="med" len="med"/>
+                      <a:tailEnd type="none" w="med" len="med"/>
+                    </a:lnR>
+                    <a:lnT w="12700" cap="flat" cmpd="sng" algn="ctr">
+                      <a:solidFill>
+                        <a:schemeClr val="tx1"/>
+                      </a:solidFill>
+                      <a:prstDash val="solid"/>
+                      <a:round/>
+                      <a:headEnd type="none" w="med" len="med"/>
+                      <a:tailEnd type="none" w="med" len="med"/>
+                    </a:lnT>
+                    <a:lnB w="12700" cap="flat" cmpd="sng" algn="ctr">
+                      <a:solidFill>
+                        <a:schemeClr val="tx1"/>
+                      </a:solidFill>
+                      <a:prstDash val="solid"/>
+                      <a:round/>
+                      <a:headEnd type="none" w="med" len="med"/>
+                      <a:tailEnd type="none" w="med" len="med"/>
+                    </a:lnB>
+                    <a:lnTlToBr w="12700" cmpd="sng">
+                      <a:noFill/>
+                      <a:prstDash val="solid"/>
+                    </a:lnTlToBr>
+                    <a:lnBlToTr w="12700" cmpd="sng">
+                      <a:noFill/>
+                      <a:prstDash val="solid"/>
+                    </a:lnBlToTr>
+                  </a:tcPr>
+                </a:tc>
+                <a:extLst>
+                  <a:ext uri="{0D108BD9-81ED-4DB2-BD59-A6C34878D82A}">
+                    <a16:rowId xmlns:a16="http://schemas.microsoft.com/office/drawing/2014/main" val="1577772073"/>
+                  </a:ext>
+                </a:extLst>
+              </a:tr>
+              <a:tr h="246888">
+                <a:tc>
+                  <a:txBody>
+                    <a:bodyPr/>
+                    <a:lstStyle/>
+                    <a:p>
+                      <a:pPr algn="l" fontAlgn="b"/>
+                      <a:r>
+                        <a:rPr lang="en-US" sz="1200" b="0" u="none" strike="noStrike" dirty="0">
+                          <a:solidFill>
+                            <a:srgbClr val="000000"/>
+                          </a:solidFill>
+                          <a:effectLst/>
+                        </a:rPr>
+                        <a:t>Neighborhood</a:t>
+                      </a:r>
+                      <a:endParaRPr lang="en-US" sz="1200" b="0" i="0" u="none" strike="noStrike" dirty="0">
+                        <a:solidFill>
+                          <a:srgbClr val="000000"/>
+                        </a:solidFill>
+                        <a:effectLst/>
+                        <a:latin typeface="Calibri" panose="020F0502020204030204" pitchFamily="34" charset="0"/>
+                      </a:endParaRPr>
+                    </a:p>
+                  </a:txBody>
+                  <a:tcPr marL="45720" marR="45720" marT="9525" marB="0" anchor="b">
+                    <a:lnL w="12700" cap="flat" cmpd="sng" algn="ctr">
+                      <a:solidFill>
+                        <a:schemeClr val="tx1"/>
+                      </a:solidFill>
+                      <a:prstDash val="solid"/>
+                      <a:round/>
+                      <a:headEnd type="none" w="med" len="med"/>
+                      <a:tailEnd type="none" w="med" len="med"/>
+                    </a:lnL>
+                    <a:lnR w="12700" cap="flat" cmpd="sng" algn="ctr">
+                      <a:solidFill>
+                        <a:schemeClr val="tx1"/>
+                      </a:solidFill>
+                      <a:prstDash val="solid"/>
+                      <a:round/>
+                      <a:headEnd type="none" w="med" len="med"/>
+                      <a:tailEnd type="none" w="med" len="med"/>
+                    </a:lnR>
+                    <a:lnT w="12700" cap="flat" cmpd="sng" algn="ctr">
+                      <a:solidFill>
+                        <a:schemeClr val="tx1"/>
+                      </a:solidFill>
+                      <a:prstDash val="solid"/>
+                      <a:round/>
+                      <a:headEnd type="none" w="med" len="med"/>
+                      <a:tailEnd type="none" w="med" len="med"/>
+                    </a:lnT>
+                    <a:lnB w="12700" cmpd="sng">
+                      <a:noFill/>
+                    </a:lnB>
+                    <a:lnTlToBr w="12700" cmpd="sng">
+                      <a:noFill/>
+                      <a:prstDash val="solid"/>
+                    </a:lnTlToBr>
+                    <a:lnBlToTr w="12700" cmpd="sng">
+                      <a:noFill/>
+                      <a:prstDash val="solid"/>
+                    </a:lnBlToTr>
+                  </a:tcPr>
+                </a:tc>
+                <a:tc>
+                  <a:txBody>
+                    <a:bodyPr/>
+                    <a:lstStyle/>
+                    <a:p>
+                      <a:pPr algn="ctr" fontAlgn="b"/>
+                      <a:r>
+                        <a:rPr lang="en-US" sz="1200" b="0" u="none" strike="noStrike" dirty="0">
+                          <a:solidFill>
+                            <a:srgbClr val="000000"/>
+                          </a:solidFill>
+                          <a:effectLst/>
+                        </a:rPr>
+                        <a:t>Sawyer West</a:t>
+                      </a:r>
+                      <a:endParaRPr lang="en-US" sz="1200" b="0" i="0" u="none" strike="noStrike" dirty="0">
+                        <a:solidFill>
+                          <a:srgbClr val="000000"/>
+                        </a:solidFill>
+                        <a:effectLst/>
+                        <a:latin typeface="Calibri" panose="020F0502020204030204" pitchFamily="34" charset="0"/>
+                      </a:endParaRPr>
+                    </a:p>
+                  </a:txBody>
+                  <a:tcPr marL="45720" marR="45720" marT="9525" marB="0" anchor="b">
+                    <a:lnL w="12700" cap="flat" cmpd="sng" algn="ctr">
+                      <a:solidFill>
+                        <a:schemeClr val="tx1"/>
+                      </a:solidFill>
+                      <a:prstDash val="solid"/>
+                      <a:round/>
+                      <a:headEnd type="none" w="med" len="med"/>
+                      <a:tailEnd type="none" w="med" len="med"/>
+                    </a:lnL>
+                    <a:lnR w="12700" cap="flat" cmpd="sng" algn="ctr">
+                      <a:solidFill>
+                        <a:schemeClr val="tx1"/>
+                      </a:solidFill>
+                      <a:prstDash val="solid"/>
+                      <a:round/>
+                      <a:headEnd type="none" w="med" len="med"/>
+                      <a:tailEnd type="none" w="med" len="med"/>
+                    </a:lnR>
+                    <a:lnT w="12700" cap="flat" cmpd="sng" algn="ctr">
+                      <a:solidFill>
+                        <a:schemeClr val="tx1"/>
+                      </a:solidFill>
+                      <a:prstDash val="solid"/>
+                      <a:round/>
+                      <a:headEnd type="none" w="med" len="med"/>
+                      <a:tailEnd type="none" w="med" len="med"/>
+                    </a:lnT>
+                    <a:lnB w="12700" cmpd="sng">
+                      <a:noFill/>
+                    </a:lnB>
+                    <a:lnTlToBr w="12700" cmpd="sng">
+                      <a:noFill/>
+                      <a:prstDash val="solid"/>
+                    </a:lnTlToBr>
+                    <a:lnBlToTr w="12700" cmpd="sng">
+                      <a:noFill/>
+                      <a:prstDash val="solid"/>
+                    </a:lnBlToTr>
+                  </a:tcPr>
+                </a:tc>
+                <a:tc>
+                  <a:txBody>
+                    <a:bodyPr/>
+                    <a:lstStyle/>
+                    <a:p>
+                      <a:pPr algn="ctr" fontAlgn="b"/>
+                      <a:r>
+                        <a:rPr lang="en-US" sz="1200" b="0" u="none" strike="noStrike" dirty="0">
+                          <a:solidFill>
+                            <a:srgbClr val="000000"/>
+                          </a:solidFill>
+                          <a:effectLst/>
+                        </a:rPr>
+                        <a:t>North Ridge</a:t>
+                      </a:r>
+                      <a:endParaRPr lang="en-US" sz="1200" b="0" i="0" u="none" strike="noStrike" dirty="0">
+                        <a:solidFill>
+                          <a:srgbClr val="000000"/>
+                        </a:solidFill>
+                        <a:effectLst/>
+                        <a:latin typeface="Calibri" panose="020F0502020204030204" pitchFamily="34" charset="0"/>
+                      </a:endParaRPr>
+                    </a:p>
+                  </a:txBody>
+                  <a:tcPr marL="45720" marR="45720" marT="9525" marB="0" anchor="b">
+                    <a:lnL w="12700" cap="flat" cmpd="sng" algn="ctr">
+                      <a:solidFill>
+                        <a:schemeClr val="tx1"/>
+                      </a:solidFill>
+                      <a:prstDash val="solid"/>
+                      <a:round/>
+                      <a:headEnd type="none" w="med" len="med"/>
+                      <a:tailEnd type="none" w="med" len="med"/>
+                    </a:lnL>
+                    <a:lnR w="12700" cap="flat" cmpd="sng" algn="ctr">
+                      <a:solidFill>
+                        <a:schemeClr val="tx1"/>
+                      </a:solidFill>
+                      <a:prstDash val="solid"/>
+                      <a:round/>
+                      <a:headEnd type="none" w="med" len="med"/>
+                      <a:tailEnd type="none" w="med" len="med"/>
+                    </a:lnR>
+                    <a:lnT w="12700" cap="flat" cmpd="sng" algn="ctr">
+                      <a:solidFill>
+                        <a:schemeClr val="tx1"/>
+                      </a:solidFill>
+                      <a:prstDash val="solid"/>
+                      <a:round/>
+                      <a:headEnd type="none" w="med" len="med"/>
+                      <a:tailEnd type="none" w="med" len="med"/>
+                    </a:lnT>
+                    <a:lnB w="12700" cmpd="sng">
+                      <a:noFill/>
+                    </a:lnB>
+                    <a:lnTlToBr w="12700" cmpd="sng">
+                      <a:noFill/>
+                      <a:prstDash val="solid"/>
+                    </a:lnTlToBr>
+                    <a:lnBlToTr w="12700" cmpd="sng">
+                      <a:noFill/>
+                      <a:prstDash val="solid"/>
+                    </a:lnBlToTr>
+                  </a:tcPr>
+                </a:tc>
+                <a:extLst>
+                  <a:ext uri="{0D108BD9-81ED-4DB2-BD59-A6C34878D82A}">
+                    <a16:rowId xmlns:a16="http://schemas.microsoft.com/office/drawing/2014/main" val="1027403142"/>
+                  </a:ext>
+                </a:extLst>
+              </a:tr>
+              <a:tr h="246888">
+                <a:tc>
+                  <a:txBody>
+                    <a:bodyPr/>
+                    <a:lstStyle/>
+                    <a:p>
+                      <a:pPr algn="l" fontAlgn="b"/>
+                      <a:r>
+                        <a:rPr lang="en-US" sz="1200" b="0" u="none" strike="noStrike" dirty="0">
+                          <a:solidFill>
+                            <a:srgbClr val="000000"/>
+                          </a:solidFill>
+                          <a:effectLst/>
+                        </a:rPr>
+                        <a:t> </a:t>
+                      </a:r>
+                      <a:endParaRPr lang="en-US" sz="1200" b="0" i="0" u="none" strike="noStrike" dirty="0">
+                        <a:solidFill>
+                          <a:srgbClr val="000000"/>
+                        </a:solidFill>
+                        <a:effectLst/>
+                        <a:latin typeface="Calibri" panose="020F0502020204030204" pitchFamily="34" charset="0"/>
+                      </a:endParaRPr>
+                    </a:p>
+                  </a:txBody>
+                  <a:tcPr marL="45720" marR="45720" marT="9525" marB="0" anchor="b">
+                    <a:lnL w="12700" cap="flat" cmpd="sng" algn="ctr">
+                      <a:solidFill>
+                        <a:schemeClr val="tx1"/>
+                      </a:solidFill>
+                      <a:prstDash val="solid"/>
+                      <a:round/>
+                      <a:headEnd type="none" w="med" len="med"/>
+                      <a:tailEnd type="none" w="med" len="med"/>
+                    </a:lnL>
+                    <a:lnR w="12700" cap="flat" cmpd="sng" algn="ctr">
+                      <a:solidFill>
+                        <a:schemeClr val="tx1"/>
+                      </a:solidFill>
+                      <a:prstDash val="solid"/>
+                      <a:round/>
+                      <a:headEnd type="none" w="med" len="med"/>
+                      <a:tailEnd type="none" w="med" len="med"/>
+                    </a:lnR>
+                    <a:lnT w="12700" cmpd="sng">
+                      <a:noFill/>
+                    </a:lnT>
+                    <a:lnB w="12700" cmpd="sng">
+                      <a:noFill/>
+                    </a:lnB>
+                    <a:lnTlToBr w="12700" cmpd="sng">
+                      <a:noFill/>
+                      <a:prstDash val="solid"/>
+                    </a:lnTlToBr>
+                    <a:lnBlToTr w="12700" cmpd="sng">
+                      <a:noFill/>
+                      <a:prstDash val="solid"/>
+                    </a:lnBlToTr>
+                  </a:tcPr>
+                </a:tc>
+                <a:tc>
+                  <a:txBody>
+                    <a:bodyPr/>
+                    <a:lstStyle/>
+                    <a:p>
+                      <a:pPr algn="ctr" fontAlgn="b"/>
+                      <a:r>
+                        <a:rPr lang="en-US" sz="1200" b="0" u="none" strike="noStrike" dirty="0">
+                          <a:solidFill>
+                            <a:srgbClr val="000000"/>
+                          </a:solidFill>
+                          <a:effectLst/>
+                        </a:rPr>
+                        <a:t> </a:t>
+                      </a:r>
+                      <a:endParaRPr lang="en-US" sz="1200" b="0" i="0" u="none" strike="noStrike" dirty="0">
+                        <a:solidFill>
+                          <a:srgbClr val="000000"/>
+                        </a:solidFill>
+                        <a:effectLst/>
+                        <a:latin typeface="Calibri" panose="020F0502020204030204" pitchFamily="34" charset="0"/>
+                      </a:endParaRPr>
+                    </a:p>
+                  </a:txBody>
+                  <a:tcPr marL="45720" marR="45720" marT="9525" marB="0" anchor="b">
+                    <a:lnL w="12700" cap="flat" cmpd="sng" algn="ctr">
+                      <a:solidFill>
+                        <a:schemeClr val="tx1"/>
+                      </a:solidFill>
+                      <a:prstDash val="solid"/>
+                      <a:round/>
+                      <a:headEnd type="none" w="med" len="med"/>
+                      <a:tailEnd type="none" w="med" len="med"/>
+                    </a:lnL>
+                    <a:lnR w="12700" cap="flat" cmpd="sng" algn="ctr">
+                      <a:solidFill>
+                        <a:schemeClr val="tx1"/>
+                      </a:solidFill>
+                      <a:prstDash val="solid"/>
+                      <a:round/>
+                      <a:headEnd type="none" w="med" len="med"/>
+                      <a:tailEnd type="none" w="med" len="med"/>
+                    </a:lnR>
+                    <a:lnT w="12700" cmpd="sng">
+                      <a:noFill/>
+                    </a:lnT>
+                    <a:lnB w="12700" cmpd="sng">
+                      <a:noFill/>
+                    </a:lnB>
+                    <a:lnTlToBr w="12700" cmpd="sng">
+                      <a:noFill/>
+                      <a:prstDash val="solid"/>
+                    </a:lnTlToBr>
+                    <a:lnBlToTr w="12700" cmpd="sng">
+                      <a:noFill/>
+                      <a:prstDash val="solid"/>
+                    </a:lnBlToTr>
+                  </a:tcPr>
+                </a:tc>
+                <a:tc>
+                  <a:txBody>
+                    <a:bodyPr/>
+                    <a:lstStyle/>
+                    <a:p>
+                      <a:pPr algn="ctr" fontAlgn="b"/>
+                      <a:r>
+                        <a:rPr lang="en-US" sz="1200" b="0" u="none" strike="noStrike" dirty="0">
+                          <a:solidFill>
+                            <a:srgbClr val="000000"/>
+                          </a:solidFill>
+                          <a:effectLst/>
+                        </a:rPr>
+                        <a:t>Old Town</a:t>
+                      </a:r>
+                      <a:endParaRPr lang="en-US" sz="1200" b="0" i="0" u="none" strike="noStrike" dirty="0">
+                        <a:solidFill>
+                          <a:srgbClr val="000000"/>
+                        </a:solidFill>
+                        <a:effectLst/>
+                        <a:latin typeface="Calibri" panose="020F0502020204030204" pitchFamily="34" charset="0"/>
+                      </a:endParaRPr>
+                    </a:p>
+                  </a:txBody>
+                  <a:tcPr marL="45720" marR="45720" marT="9525" marB="0" anchor="b">
+                    <a:lnL w="12700" cap="flat" cmpd="sng" algn="ctr">
+                      <a:solidFill>
+                        <a:schemeClr val="tx1"/>
+                      </a:solidFill>
+                      <a:prstDash val="solid"/>
+                      <a:round/>
+                      <a:headEnd type="none" w="med" len="med"/>
+                      <a:tailEnd type="none" w="med" len="med"/>
+                    </a:lnL>
+                    <a:lnR w="12700" cap="flat" cmpd="sng" algn="ctr">
+                      <a:solidFill>
+                        <a:schemeClr val="tx1"/>
+                      </a:solidFill>
+                      <a:prstDash val="solid"/>
+                      <a:round/>
+                      <a:headEnd type="none" w="med" len="med"/>
+                      <a:tailEnd type="none" w="med" len="med"/>
+                    </a:lnR>
+                    <a:lnT w="12700" cmpd="sng">
+                      <a:noFill/>
+                    </a:lnT>
+                    <a:lnB w="12700" cmpd="sng">
+                      <a:noFill/>
+                    </a:lnB>
+                    <a:lnTlToBr w="12700" cmpd="sng">
+                      <a:noFill/>
+                      <a:prstDash val="solid"/>
+                    </a:lnTlToBr>
+                    <a:lnBlToTr w="12700" cmpd="sng">
+                      <a:noFill/>
+                      <a:prstDash val="solid"/>
+                    </a:lnBlToTr>
+                  </a:tcPr>
+                </a:tc>
+                <a:extLst>
+                  <a:ext uri="{0D108BD9-81ED-4DB2-BD59-A6C34878D82A}">
+                    <a16:rowId xmlns:a16="http://schemas.microsoft.com/office/drawing/2014/main" val="2650605896"/>
+                  </a:ext>
+                </a:extLst>
+              </a:tr>
+              <a:tr h="246888">
+                <a:tc>
+                  <a:txBody>
+                    <a:bodyPr/>
+                    <a:lstStyle/>
+                    <a:p>
+                      <a:pPr algn="l" fontAlgn="b"/>
+                      <a:r>
+                        <a:rPr lang="en-US" sz="1200" b="0" u="none" strike="noStrike" dirty="0">
+                          <a:solidFill>
+                            <a:srgbClr val="000000"/>
+                          </a:solidFill>
+                          <a:effectLst/>
+                        </a:rPr>
+                        <a:t>Building Type</a:t>
+                      </a:r>
+                      <a:endParaRPr lang="en-US" sz="1200" b="0" i="0" u="none" strike="noStrike" dirty="0">
+                        <a:solidFill>
+                          <a:srgbClr val="000000"/>
+                        </a:solidFill>
+                        <a:effectLst/>
+                        <a:latin typeface="Calibri" panose="020F0502020204030204" pitchFamily="34" charset="0"/>
+                      </a:endParaRPr>
+                    </a:p>
+                  </a:txBody>
+                  <a:tcPr marL="45720" marR="45720" marT="9525" marB="0" anchor="b">
+                    <a:lnL w="12700" cap="flat" cmpd="sng" algn="ctr">
+                      <a:solidFill>
+                        <a:schemeClr val="tx1"/>
+                      </a:solidFill>
+                      <a:prstDash val="solid"/>
+                      <a:round/>
+                      <a:headEnd type="none" w="med" len="med"/>
+                      <a:tailEnd type="none" w="med" len="med"/>
+                    </a:lnL>
+                    <a:lnR w="12700" cap="flat" cmpd="sng" algn="ctr">
+                      <a:solidFill>
+                        <a:schemeClr val="tx1"/>
+                      </a:solidFill>
+                      <a:prstDash val="solid"/>
+                      <a:round/>
+                      <a:headEnd type="none" w="med" len="med"/>
+                      <a:tailEnd type="none" w="med" len="med"/>
+                    </a:lnR>
+                    <a:lnT w="12700" cmpd="sng">
+                      <a:noFill/>
+                    </a:lnT>
+                    <a:lnB w="12700" cmpd="sng">
+                      <a:noFill/>
+                    </a:lnB>
+                    <a:lnTlToBr w="12700" cmpd="sng">
+                      <a:noFill/>
+                      <a:prstDash val="solid"/>
+                    </a:lnTlToBr>
+                    <a:lnBlToTr w="12700" cmpd="sng">
+                      <a:noFill/>
+                      <a:prstDash val="solid"/>
+                    </a:lnBlToTr>
+                  </a:tcPr>
+                </a:tc>
+                <a:tc>
+                  <a:txBody>
+                    <a:bodyPr/>
+                    <a:lstStyle/>
+                    <a:p>
+                      <a:pPr algn="ctr" fontAlgn="b"/>
+                      <a:r>
+                        <a:rPr lang="en-US" sz="1200" b="0" u="none" strike="noStrike" dirty="0">
+                          <a:solidFill>
+                            <a:srgbClr val="000000"/>
+                          </a:solidFill>
+                          <a:effectLst/>
+                        </a:rPr>
+                        <a:t>Townhouse End Unit </a:t>
+                      </a:r>
+                      <a:endParaRPr lang="en-US" sz="1200" b="0" i="0" u="none" strike="noStrike" dirty="0">
+                        <a:solidFill>
+                          <a:srgbClr val="000000"/>
+                        </a:solidFill>
+                        <a:effectLst/>
+                        <a:latin typeface="Calibri" panose="020F0502020204030204" pitchFamily="34" charset="0"/>
+                      </a:endParaRPr>
+                    </a:p>
+                  </a:txBody>
+                  <a:tcPr marL="45720" marR="45720" marT="9525" marB="0" anchor="b">
+                    <a:lnL w="12700" cap="flat" cmpd="sng" algn="ctr">
+                      <a:solidFill>
+                        <a:schemeClr val="tx1"/>
+                      </a:solidFill>
+                      <a:prstDash val="solid"/>
+                      <a:round/>
+                      <a:headEnd type="none" w="med" len="med"/>
+                      <a:tailEnd type="none" w="med" len="med"/>
+                    </a:lnL>
+                    <a:lnR w="12700" cap="flat" cmpd="sng" algn="ctr">
+                      <a:solidFill>
+                        <a:schemeClr val="tx1"/>
+                      </a:solidFill>
+                      <a:prstDash val="solid"/>
+                      <a:round/>
+                      <a:headEnd type="none" w="med" len="med"/>
+                      <a:tailEnd type="none" w="med" len="med"/>
+                    </a:lnR>
+                    <a:lnT w="12700" cmpd="sng">
+                      <a:noFill/>
+                    </a:lnT>
+                    <a:lnB w="12700" cmpd="sng">
+                      <a:noFill/>
+                    </a:lnB>
+                    <a:lnTlToBr w="12700" cmpd="sng">
+                      <a:noFill/>
+                      <a:prstDash val="solid"/>
+                    </a:lnTlToBr>
+                    <a:lnBlToTr w="12700" cmpd="sng">
+                      <a:noFill/>
+                      <a:prstDash val="solid"/>
+                    </a:lnBlToTr>
+                  </a:tcPr>
+                </a:tc>
+                <a:tc>
+                  <a:txBody>
+                    <a:bodyPr/>
+                    <a:lstStyle/>
+                    <a:p>
+                      <a:pPr algn="ctr" fontAlgn="b"/>
+                      <a:r>
+                        <a:rPr lang="en-US" sz="1200" b="0" u="none" strike="noStrike" dirty="0">
+                          <a:solidFill>
+                            <a:srgbClr val="000000"/>
+                          </a:solidFill>
+                          <a:effectLst/>
+                        </a:rPr>
+                        <a:t> </a:t>
+                      </a:r>
+                      <a:endParaRPr lang="en-US" sz="1200" b="0" i="0" u="none" strike="noStrike" dirty="0">
+                        <a:solidFill>
+                          <a:srgbClr val="000000"/>
+                        </a:solidFill>
+                        <a:effectLst/>
+                        <a:latin typeface="Calibri" panose="020F0502020204030204" pitchFamily="34" charset="0"/>
+                      </a:endParaRPr>
+                    </a:p>
+                  </a:txBody>
+                  <a:tcPr marL="45720" marR="45720" marT="9525" marB="0" anchor="b">
+                    <a:lnL w="12700" cap="flat" cmpd="sng" algn="ctr">
+                      <a:solidFill>
+                        <a:schemeClr val="tx1"/>
+                      </a:solidFill>
+                      <a:prstDash val="solid"/>
+                      <a:round/>
+                      <a:headEnd type="none" w="med" len="med"/>
+                      <a:tailEnd type="none" w="med" len="med"/>
+                    </a:lnL>
+                    <a:lnR w="12700" cap="flat" cmpd="sng" algn="ctr">
+                      <a:solidFill>
+                        <a:schemeClr val="tx1"/>
+                      </a:solidFill>
+                      <a:prstDash val="solid"/>
+                      <a:round/>
+                      <a:headEnd type="none" w="med" len="med"/>
+                      <a:tailEnd type="none" w="med" len="med"/>
+                    </a:lnR>
+                    <a:lnT w="12700" cmpd="sng">
+                      <a:noFill/>
+                    </a:lnT>
+                    <a:lnB w="12700" cmpd="sng">
+                      <a:noFill/>
+                    </a:lnB>
+                    <a:lnTlToBr w="12700" cmpd="sng">
+                      <a:noFill/>
+                      <a:prstDash val="solid"/>
+                    </a:lnTlToBr>
+                    <a:lnBlToTr w="12700" cmpd="sng">
+                      <a:noFill/>
+                      <a:prstDash val="solid"/>
+                    </a:lnBlToTr>
+                  </a:tcPr>
+                </a:tc>
+                <a:extLst>
+                  <a:ext uri="{0D108BD9-81ED-4DB2-BD59-A6C34878D82A}">
+                    <a16:rowId xmlns:a16="http://schemas.microsoft.com/office/drawing/2014/main" val="3230329329"/>
+                  </a:ext>
+                </a:extLst>
+              </a:tr>
+              <a:tr h="246888">
+                <a:tc>
+                  <a:txBody>
+                    <a:bodyPr/>
+                    <a:lstStyle/>
+                    <a:p>
+                      <a:pPr algn="l" fontAlgn="b"/>
+                      <a:r>
+                        <a:rPr lang="en-US" sz="1200" b="0" u="none" strike="noStrike" dirty="0">
+                          <a:solidFill>
+                            <a:srgbClr val="000000"/>
+                          </a:solidFill>
+                          <a:effectLst/>
+                        </a:rPr>
+                        <a:t>Exterior Materials</a:t>
+                      </a:r>
+                      <a:endParaRPr lang="en-US" sz="1200" b="0" i="0" u="none" strike="noStrike" dirty="0">
+                        <a:solidFill>
+                          <a:srgbClr val="000000"/>
+                        </a:solidFill>
+                        <a:effectLst/>
+                        <a:latin typeface="Calibri" panose="020F0502020204030204" pitchFamily="34" charset="0"/>
+                      </a:endParaRPr>
+                    </a:p>
+                  </a:txBody>
+                  <a:tcPr marL="45720" marR="45720" marT="9525" marB="0" anchor="b">
+                    <a:lnL w="12700" cap="flat" cmpd="sng" algn="ctr">
+                      <a:solidFill>
+                        <a:schemeClr val="tx1"/>
+                      </a:solidFill>
+                      <a:prstDash val="solid"/>
+                      <a:round/>
+                      <a:headEnd type="none" w="med" len="med"/>
+                      <a:tailEnd type="none" w="med" len="med"/>
+                    </a:lnL>
+                    <a:lnR w="12700" cap="flat" cmpd="sng" algn="ctr">
+                      <a:solidFill>
+                        <a:schemeClr val="tx1"/>
+                      </a:solidFill>
+                      <a:prstDash val="solid"/>
+                      <a:round/>
+                      <a:headEnd type="none" w="med" len="med"/>
+                      <a:tailEnd type="none" w="med" len="med"/>
+                    </a:lnR>
+                    <a:lnT w="12700" cmpd="sng">
+                      <a:noFill/>
+                    </a:lnT>
+                    <a:lnB w="12700" cmpd="sng">
+                      <a:noFill/>
+                    </a:lnB>
+                    <a:lnTlToBr w="12700" cmpd="sng">
+                      <a:noFill/>
+                      <a:prstDash val="solid"/>
+                    </a:lnTlToBr>
+                    <a:lnBlToTr w="12700" cmpd="sng">
+                      <a:noFill/>
+                      <a:prstDash val="solid"/>
+                    </a:lnBlToTr>
+                  </a:tcPr>
+                </a:tc>
+                <a:tc>
+                  <a:txBody>
+                    <a:bodyPr/>
+                    <a:lstStyle/>
+                    <a:p>
+                      <a:pPr algn="ctr" fontAlgn="b"/>
+                      <a:r>
+                        <a:rPr lang="en-US" sz="1200" b="0" u="none" strike="noStrike" dirty="0">
+                          <a:solidFill>
+                            <a:srgbClr val="000000"/>
+                          </a:solidFill>
+                          <a:effectLst/>
+                        </a:rPr>
+                        <a:t> </a:t>
+                      </a:r>
+                      <a:endParaRPr lang="en-US" sz="1200" b="0" i="0" u="none" strike="noStrike" dirty="0">
+                        <a:solidFill>
+                          <a:srgbClr val="000000"/>
+                        </a:solidFill>
+                        <a:effectLst/>
+                        <a:latin typeface="Calibri" panose="020F0502020204030204" pitchFamily="34" charset="0"/>
+                      </a:endParaRPr>
+                    </a:p>
+                  </a:txBody>
+                  <a:tcPr marL="45720" marR="45720" marT="9525" marB="0" anchor="b">
+                    <a:lnL w="12700" cap="flat" cmpd="sng" algn="ctr">
+                      <a:solidFill>
+                        <a:schemeClr val="tx1"/>
+                      </a:solidFill>
+                      <a:prstDash val="solid"/>
+                      <a:round/>
+                      <a:headEnd type="none" w="med" len="med"/>
+                      <a:tailEnd type="none" w="med" len="med"/>
+                    </a:lnL>
+                    <a:lnR w="12700" cap="flat" cmpd="sng" algn="ctr">
+                      <a:solidFill>
+                        <a:schemeClr val="tx1"/>
+                      </a:solidFill>
+                      <a:prstDash val="solid"/>
+                      <a:round/>
+                      <a:headEnd type="none" w="med" len="med"/>
+                      <a:tailEnd type="none" w="med" len="med"/>
+                    </a:lnR>
+                    <a:lnT w="12700" cmpd="sng">
+                      <a:noFill/>
+                    </a:lnT>
+                    <a:lnB w="12700" cmpd="sng">
+                      <a:noFill/>
+                    </a:lnB>
+                    <a:lnTlToBr w="12700" cmpd="sng">
+                      <a:noFill/>
+                      <a:prstDash val="solid"/>
+                    </a:lnTlToBr>
+                    <a:lnBlToTr w="12700" cmpd="sng">
+                      <a:noFill/>
+                      <a:prstDash val="solid"/>
+                    </a:lnBlToTr>
+                  </a:tcPr>
+                </a:tc>
+                <a:tc>
+                  <a:txBody>
+                    <a:bodyPr/>
+                    <a:lstStyle/>
+                    <a:p>
+                      <a:pPr algn="ctr" fontAlgn="b"/>
+                      <a:r>
+                        <a:rPr lang="en-US" sz="1200" b="0" u="none" strike="noStrike" dirty="0">
+                          <a:solidFill>
+                            <a:srgbClr val="000000"/>
+                          </a:solidFill>
+                          <a:effectLst/>
+                        </a:rPr>
+                        <a:t>Wood Shingles</a:t>
+                      </a:r>
+                      <a:endParaRPr lang="en-US" sz="1200" b="0" i="0" u="none" strike="noStrike" dirty="0">
+                        <a:solidFill>
+                          <a:srgbClr val="000000"/>
+                        </a:solidFill>
+                        <a:effectLst/>
+                        <a:latin typeface="Calibri" panose="020F0502020204030204" pitchFamily="34" charset="0"/>
+                      </a:endParaRPr>
+                    </a:p>
+                  </a:txBody>
+                  <a:tcPr marL="45720" marR="45720" marT="9525" marB="0" anchor="b">
+                    <a:lnL w="12700" cap="flat" cmpd="sng" algn="ctr">
+                      <a:solidFill>
+                        <a:schemeClr val="tx1"/>
+                      </a:solidFill>
+                      <a:prstDash val="solid"/>
+                      <a:round/>
+                      <a:headEnd type="none" w="med" len="med"/>
+                      <a:tailEnd type="none" w="med" len="med"/>
+                    </a:lnL>
+                    <a:lnR w="12700" cap="flat" cmpd="sng" algn="ctr">
+                      <a:solidFill>
+                        <a:schemeClr val="tx1"/>
+                      </a:solidFill>
+                      <a:prstDash val="solid"/>
+                      <a:round/>
+                      <a:headEnd type="none" w="med" len="med"/>
+                      <a:tailEnd type="none" w="med" len="med"/>
+                    </a:lnR>
+                    <a:lnT w="12700" cmpd="sng">
+                      <a:noFill/>
+                    </a:lnT>
+                    <a:lnB w="12700" cmpd="sng">
+                      <a:noFill/>
+                    </a:lnB>
+                    <a:lnTlToBr w="12700" cmpd="sng">
+                      <a:noFill/>
+                      <a:prstDash val="solid"/>
+                    </a:lnTlToBr>
+                    <a:lnBlToTr w="12700" cmpd="sng">
+                      <a:noFill/>
+                      <a:prstDash val="solid"/>
+                    </a:lnBlToTr>
+                  </a:tcPr>
+                </a:tc>
+                <a:extLst>
+                  <a:ext uri="{0D108BD9-81ED-4DB2-BD59-A6C34878D82A}">
+                    <a16:rowId xmlns:a16="http://schemas.microsoft.com/office/drawing/2014/main" val="2664858112"/>
+                  </a:ext>
+                </a:extLst>
+              </a:tr>
+              <a:tr h="246888">
+                <a:tc>
+                  <a:txBody>
+                    <a:bodyPr/>
+                    <a:lstStyle/>
+                    <a:p>
+                      <a:pPr algn="l" fontAlgn="b"/>
+                      <a:r>
+                        <a:rPr lang="en-US" sz="1200" b="0" u="none" strike="noStrike" dirty="0">
+                          <a:solidFill>
+                            <a:srgbClr val="000000"/>
+                          </a:solidFill>
+                          <a:effectLst/>
+                        </a:rPr>
+                        <a:t>Heating</a:t>
+                      </a:r>
+                      <a:endParaRPr lang="en-US" sz="1200" b="0" i="0" u="none" strike="noStrike" dirty="0">
+                        <a:solidFill>
+                          <a:srgbClr val="000000"/>
+                        </a:solidFill>
+                        <a:effectLst/>
+                        <a:latin typeface="Calibri" panose="020F0502020204030204" pitchFamily="34" charset="0"/>
+                      </a:endParaRPr>
+                    </a:p>
+                  </a:txBody>
+                  <a:tcPr marL="45720" marR="45720" marT="9525" marB="0" anchor="b">
+                    <a:lnL w="12700" cap="flat" cmpd="sng" algn="ctr">
+                      <a:solidFill>
+                        <a:schemeClr val="tx1"/>
+                      </a:solidFill>
+                      <a:prstDash val="solid"/>
+                      <a:round/>
+                      <a:headEnd type="none" w="med" len="med"/>
+                      <a:tailEnd type="none" w="med" len="med"/>
+                    </a:lnL>
+                    <a:lnR w="12700" cap="flat" cmpd="sng" algn="ctr">
+                      <a:solidFill>
+                        <a:schemeClr val="tx1"/>
+                      </a:solidFill>
+                      <a:prstDash val="solid"/>
+                      <a:round/>
+                      <a:headEnd type="none" w="med" len="med"/>
+                      <a:tailEnd type="none" w="med" len="med"/>
+                    </a:lnR>
+                    <a:lnT w="12700" cmpd="sng">
+                      <a:noFill/>
+                    </a:lnT>
+                    <a:lnB w="12700" cmpd="sng">
+                      <a:noFill/>
+                    </a:lnB>
+                    <a:lnTlToBr w="12700" cmpd="sng">
+                      <a:noFill/>
+                      <a:prstDash val="solid"/>
+                    </a:lnTlToBr>
+                    <a:lnBlToTr w="12700" cmpd="sng">
+                      <a:noFill/>
+                      <a:prstDash val="solid"/>
+                    </a:lnBlToTr>
+                  </a:tcPr>
+                </a:tc>
+                <a:tc>
+                  <a:txBody>
+                    <a:bodyPr/>
+                    <a:lstStyle/>
+                    <a:p>
+                      <a:pPr algn="ctr" fontAlgn="b"/>
+                      <a:r>
+                        <a:rPr lang="en-US" sz="1200" b="0" u="none" strike="noStrike" dirty="0">
+                          <a:solidFill>
+                            <a:srgbClr val="000000"/>
+                          </a:solidFill>
+                          <a:effectLst/>
+                        </a:rPr>
+                        <a:t> </a:t>
+                      </a:r>
+                      <a:endParaRPr lang="en-US" sz="1200" b="0" i="0" u="none" strike="noStrike" dirty="0">
+                        <a:solidFill>
+                          <a:srgbClr val="000000"/>
+                        </a:solidFill>
+                        <a:effectLst/>
+                        <a:latin typeface="Calibri" panose="020F0502020204030204" pitchFamily="34" charset="0"/>
+                      </a:endParaRPr>
+                    </a:p>
+                  </a:txBody>
+                  <a:tcPr marL="45720" marR="45720" marT="9525" marB="0" anchor="b">
+                    <a:lnL w="12700" cap="flat" cmpd="sng" algn="ctr">
+                      <a:solidFill>
+                        <a:schemeClr val="tx1"/>
+                      </a:solidFill>
+                      <a:prstDash val="solid"/>
+                      <a:round/>
+                      <a:headEnd type="none" w="med" len="med"/>
+                      <a:tailEnd type="none" w="med" len="med"/>
+                    </a:lnL>
+                    <a:lnR w="12700" cap="flat" cmpd="sng" algn="ctr">
+                      <a:solidFill>
+                        <a:schemeClr val="tx1"/>
+                      </a:solidFill>
+                      <a:prstDash val="solid"/>
+                      <a:round/>
+                      <a:headEnd type="none" w="med" len="med"/>
+                      <a:tailEnd type="none" w="med" len="med"/>
+                    </a:lnR>
+                    <a:lnT w="12700" cmpd="sng">
+                      <a:noFill/>
+                    </a:lnT>
+                    <a:lnB w="12700" cmpd="sng">
+                      <a:noFill/>
+                    </a:lnB>
+                    <a:lnTlToBr w="12700" cmpd="sng">
+                      <a:noFill/>
+                      <a:prstDash val="solid"/>
+                    </a:lnTlToBr>
+                    <a:lnBlToTr w="12700" cmpd="sng">
+                      <a:noFill/>
+                      <a:prstDash val="solid"/>
+                    </a:lnBlToTr>
+                  </a:tcPr>
+                </a:tc>
+                <a:tc>
+                  <a:txBody>
+                    <a:bodyPr/>
+                    <a:lstStyle/>
+                    <a:p>
+                      <a:pPr algn="ctr" fontAlgn="b"/>
+                      <a:r>
+                        <a:rPr lang="en-US" sz="1200" b="0" u="none" strike="noStrike" dirty="0">
+                          <a:solidFill>
+                            <a:srgbClr val="000000"/>
+                          </a:solidFill>
+                          <a:effectLst/>
+                        </a:rPr>
+                        <a:t>Gravity</a:t>
+                      </a:r>
+                      <a:endParaRPr lang="en-US" sz="1200" b="0" i="0" u="none" strike="noStrike" dirty="0">
+                        <a:solidFill>
+                          <a:srgbClr val="000000"/>
+                        </a:solidFill>
+                        <a:effectLst/>
+                        <a:latin typeface="Calibri" panose="020F0502020204030204" pitchFamily="34" charset="0"/>
+                      </a:endParaRPr>
+                    </a:p>
+                  </a:txBody>
+                  <a:tcPr marL="45720" marR="45720" marT="9525" marB="0" anchor="b">
+                    <a:lnL w="12700" cap="flat" cmpd="sng" algn="ctr">
+                      <a:solidFill>
+                        <a:schemeClr val="tx1"/>
+                      </a:solidFill>
+                      <a:prstDash val="solid"/>
+                      <a:round/>
+                      <a:headEnd type="none" w="med" len="med"/>
+                      <a:tailEnd type="none" w="med" len="med"/>
+                    </a:lnL>
+                    <a:lnR w="12700" cap="flat" cmpd="sng" algn="ctr">
+                      <a:solidFill>
+                        <a:schemeClr val="tx1"/>
+                      </a:solidFill>
+                      <a:prstDash val="solid"/>
+                      <a:round/>
+                      <a:headEnd type="none" w="med" len="med"/>
+                      <a:tailEnd type="none" w="med" len="med"/>
+                    </a:lnR>
+                    <a:lnT w="12700" cmpd="sng">
+                      <a:noFill/>
+                    </a:lnT>
+                    <a:lnB w="12700" cmpd="sng">
+                      <a:noFill/>
+                    </a:lnB>
+                    <a:lnTlToBr w="12700" cmpd="sng">
+                      <a:noFill/>
+                      <a:prstDash val="solid"/>
+                    </a:lnTlToBr>
+                    <a:lnBlToTr w="12700" cmpd="sng">
+                      <a:noFill/>
+                      <a:prstDash val="solid"/>
+                    </a:lnBlToTr>
+                  </a:tcPr>
+                </a:tc>
+                <a:extLst>
+                  <a:ext uri="{0D108BD9-81ED-4DB2-BD59-A6C34878D82A}">
+                    <a16:rowId xmlns:a16="http://schemas.microsoft.com/office/drawing/2014/main" val="1463341586"/>
+                  </a:ext>
+                </a:extLst>
+              </a:tr>
+              <a:tr h="246888">
+                <a:tc>
+                  <a:txBody>
+                    <a:bodyPr/>
+                    <a:lstStyle/>
+                    <a:p>
+                      <a:pPr algn="l" fontAlgn="b"/>
+                      <a:r>
+                        <a:rPr lang="en-US" sz="1200" b="0" u="none" strike="noStrike" dirty="0">
+                          <a:solidFill>
+                            <a:srgbClr val="000000"/>
+                          </a:solidFill>
+                          <a:effectLst/>
+                        </a:rPr>
+                        <a:t>Central Air</a:t>
+                      </a:r>
+                      <a:endParaRPr lang="en-US" sz="1200" b="0" i="0" u="none" strike="noStrike" dirty="0">
+                        <a:solidFill>
+                          <a:srgbClr val="000000"/>
+                        </a:solidFill>
+                        <a:effectLst/>
+                        <a:latin typeface="Calibri" panose="020F0502020204030204" pitchFamily="34" charset="0"/>
+                      </a:endParaRPr>
+                    </a:p>
+                  </a:txBody>
+                  <a:tcPr marL="45720" marR="45720" marT="9525" marB="0" anchor="b">
+                    <a:lnL w="12700" cap="flat" cmpd="sng" algn="ctr">
+                      <a:solidFill>
+                        <a:schemeClr val="tx1"/>
+                      </a:solidFill>
+                      <a:prstDash val="solid"/>
+                      <a:round/>
+                      <a:headEnd type="none" w="med" len="med"/>
+                      <a:tailEnd type="none" w="med" len="med"/>
+                    </a:lnL>
+                    <a:lnR w="12700" cap="flat" cmpd="sng" algn="ctr">
+                      <a:solidFill>
+                        <a:schemeClr val="tx1"/>
+                      </a:solidFill>
+                      <a:prstDash val="solid"/>
+                      <a:round/>
+                      <a:headEnd type="none" w="med" len="med"/>
+                      <a:tailEnd type="none" w="med" len="med"/>
+                    </a:lnR>
+                    <a:lnT w="12700" cmpd="sng">
+                      <a:noFill/>
+                    </a:lnT>
+                    <a:lnB w="12700" cmpd="sng">
+                      <a:noFill/>
+                    </a:lnB>
+                    <a:lnTlToBr w="12700" cmpd="sng">
+                      <a:noFill/>
+                      <a:prstDash val="solid"/>
+                    </a:lnTlToBr>
+                    <a:lnBlToTr w="12700" cmpd="sng">
+                      <a:noFill/>
+                      <a:prstDash val="solid"/>
+                    </a:lnBlToTr>
+                  </a:tcPr>
+                </a:tc>
+                <a:tc>
+                  <a:txBody>
+                    <a:bodyPr/>
+                    <a:lstStyle/>
+                    <a:p>
+                      <a:pPr algn="ctr" fontAlgn="b"/>
+                      <a:r>
+                        <a:rPr lang="en-US" sz="1200" b="0" u="none" strike="noStrike" dirty="0">
+                          <a:solidFill>
+                            <a:srgbClr val="000000"/>
+                          </a:solidFill>
+                          <a:effectLst/>
+                        </a:rPr>
+                        <a:t>Yes</a:t>
+                      </a:r>
+                      <a:endParaRPr lang="en-US" sz="1200" b="0" i="0" u="none" strike="noStrike" dirty="0">
+                        <a:solidFill>
+                          <a:srgbClr val="000000"/>
+                        </a:solidFill>
+                        <a:effectLst/>
+                        <a:latin typeface="Calibri" panose="020F0502020204030204" pitchFamily="34" charset="0"/>
+                      </a:endParaRPr>
+                    </a:p>
+                  </a:txBody>
+                  <a:tcPr marL="45720" marR="45720" marT="9525" marB="0" anchor="b">
+                    <a:lnL w="12700" cap="flat" cmpd="sng" algn="ctr">
+                      <a:solidFill>
+                        <a:schemeClr val="tx1"/>
+                      </a:solidFill>
+                      <a:prstDash val="solid"/>
+                      <a:round/>
+                      <a:headEnd type="none" w="med" len="med"/>
+                      <a:tailEnd type="none" w="med" len="med"/>
+                    </a:lnL>
+                    <a:lnR w="12700" cap="flat" cmpd="sng" algn="ctr">
+                      <a:solidFill>
+                        <a:schemeClr val="tx1"/>
+                      </a:solidFill>
+                      <a:prstDash val="solid"/>
+                      <a:round/>
+                      <a:headEnd type="none" w="med" len="med"/>
+                      <a:tailEnd type="none" w="med" len="med"/>
+                    </a:lnR>
+                    <a:lnT w="12700" cmpd="sng">
+                      <a:noFill/>
+                    </a:lnT>
+                    <a:lnB w="12700" cmpd="sng">
+                      <a:noFill/>
+                    </a:lnB>
+                    <a:lnTlToBr w="12700" cmpd="sng">
+                      <a:noFill/>
+                      <a:prstDash val="solid"/>
+                    </a:lnTlToBr>
+                    <a:lnBlToTr w="12700" cmpd="sng">
+                      <a:noFill/>
+                      <a:prstDash val="solid"/>
+                    </a:lnBlToTr>
+                  </a:tcPr>
+                </a:tc>
+                <a:tc>
+                  <a:txBody>
+                    <a:bodyPr/>
+                    <a:lstStyle/>
+                    <a:p>
+                      <a:pPr algn="ctr" fontAlgn="b"/>
+                      <a:r>
+                        <a:rPr lang="en-US" sz="1200" b="0" u="none" strike="noStrike" dirty="0">
+                          <a:solidFill>
+                            <a:srgbClr val="000000"/>
+                          </a:solidFill>
+                          <a:effectLst/>
+                        </a:rPr>
+                        <a:t>No</a:t>
+                      </a:r>
+                      <a:endParaRPr lang="en-US" sz="1200" b="0" i="0" u="none" strike="noStrike" dirty="0">
+                        <a:solidFill>
+                          <a:srgbClr val="000000"/>
+                        </a:solidFill>
+                        <a:effectLst/>
+                        <a:latin typeface="Calibri" panose="020F0502020204030204" pitchFamily="34" charset="0"/>
+                      </a:endParaRPr>
+                    </a:p>
+                  </a:txBody>
+                  <a:tcPr marL="45720" marR="45720" marT="9525" marB="0" anchor="b">
+                    <a:lnL w="12700" cap="flat" cmpd="sng" algn="ctr">
+                      <a:solidFill>
+                        <a:schemeClr val="tx1"/>
+                      </a:solidFill>
+                      <a:prstDash val="solid"/>
+                      <a:round/>
+                      <a:headEnd type="none" w="med" len="med"/>
+                      <a:tailEnd type="none" w="med" len="med"/>
+                    </a:lnL>
+                    <a:lnR w="12700" cap="flat" cmpd="sng" algn="ctr">
+                      <a:solidFill>
+                        <a:schemeClr val="tx1"/>
+                      </a:solidFill>
+                      <a:prstDash val="solid"/>
+                      <a:round/>
+                      <a:headEnd type="none" w="med" len="med"/>
+                      <a:tailEnd type="none" w="med" len="med"/>
+                    </a:lnR>
+                    <a:lnT w="12700" cmpd="sng">
+                      <a:noFill/>
+                    </a:lnT>
+                    <a:lnB w="12700" cmpd="sng">
+                      <a:noFill/>
+                    </a:lnB>
+                    <a:lnTlToBr w="12700" cmpd="sng">
+                      <a:noFill/>
+                      <a:prstDash val="solid"/>
+                    </a:lnTlToBr>
+                    <a:lnBlToTr w="12700" cmpd="sng">
+                      <a:noFill/>
+                      <a:prstDash val="solid"/>
+                    </a:lnBlToTr>
+                  </a:tcPr>
+                </a:tc>
+                <a:extLst>
+                  <a:ext uri="{0D108BD9-81ED-4DB2-BD59-A6C34878D82A}">
+                    <a16:rowId xmlns:a16="http://schemas.microsoft.com/office/drawing/2014/main" val="2750625152"/>
+                  </a:ext>
+                </a:extLst>
+              </a:tr>
+              <a:tr h="246888">
+                <a:tc>
+                  <a:txBody>
+                    <a:bodyPr/>
+                    <a:lstStyle/>
+                    <a:p>
+                      <a:pPr algn="l" fontAlgn="b"/>
+                      <a:r>
+                        <a:rPr lang="en-US" sz="1200" b="0" u="none" strike="noStrike" dirty="0">
+                          <a:solidFill>
+                            <a:srgbClr val="000000"/>
+                          </a:solidFill>
+                          <a:effectLst/>
+                        </a:rPr>
+                        <a:t>Cars</a:t>
+                      </a:r>
+                      <a:endParaRPr lang="en-US" sz="1200" b="0" i="0" u="none" strike="noStrike" dirty="0">
+                        <a:solidFill>
+                          <a:srgbClr val="000000"/>
+                        </a:solidFill>
+                        <a:effectLst/>
+                        <a:latin typeface="Calibri" panose="020F0502020204030204" pitchFamily="34" charset="0"/>
+                      </a:endParaRPr>
+                    </a:p>
+                  </a:txBody>
+                  <a:tcPr marL="45720" marR="45720" marT="9525" marB="0" anchor="b">
+                    <a:lnL w="12700" cap="flat" cmpd="sng" algn="ctr">
+                      <a:solidFill>
+                        <a:schemeClr val="tx1"/>
+                      </a:solidFill>
+                      <a:prstDash val="solid"/>
+                      <a:round/>
+                      <a:headEnd type="none" w="med" len="med"/>
+                      <a:tailEnd type="none" w="med" len="med"/>
+                    </a:lnL>
+                    <a:lnR w="12700" cap="flat" cmpd="sng" algn="ctr">
+                      <a:solidFill>
+                        <a:schemeClr val="tx1"/>
+                      </a:solidFill>
+                      <a:prstDash val="solid"/>
+                      <a:round/>
+                      <a:headEnd type="none" w="med" len="med"/>
+                      <a:tailEnd type="none" w="med" len="med"/>
+                    </a:lnR>
+                    <a:lnT w="12700" cmpd="sng">
+                      <a:noFill/>
+                    </a:lnT>
+                    <a:lnB w="12700" cmpd="sng">
+                      <a:noFill/>
+                    </a:lnB>
+                    <a:lnTlToBr w="12700" cmpd="sng">
+                      <a:noFill/>
+                      <a:prstDash val="solid"/>
+                    </a:lnTlToBr>
+                    <a:lnBlToTr w="12700" cmpd="sng">
+                      <a:noFill/>
+                      <a:prstDash val="solid"/>
+                    </a:lnBlToTr>
+                  </a:tcPr>
+                </a:tc>
+                <a:tc>
+                  <a:txBody>
+                    <a:bodyPr/>
+                    <a:lstStyle/>
+                    <a:p>
+                      <a:pPr algn="ctr" fontAlgn="b"/>
+                      <a:r>
+                        <a:rPr lang="en-US" sz="1200" b="0" u="none" strike="noStrike" dirty="0">
+                          <a:solidFill>
+                            <a:srgbClr val="000000"/>
+                          </a:solidFill>
+                          <a:effectLst/>
+                        </a:rPr>
+                        <a:t> </a:t>
+                      </a:r>
+                      <a:endParaRPr lang="en-US" sz="1200" b="0" i="0" u="none" strike="noStrike" dirty="0">
+                        <a:solidFill>
+                          <a:srgbClr val="000000"/>
+                        </a:solidFill>
+                        <a:effectLst/>
+                        <a:latin typeface="Calibri" panose="020F0502020204030204" pitchFamily="34" charset="0"/>
+                      </a:endParaRPr>
+                    </a:p>
+                  </a:txBody>
+                  <a:tcPr marL="45720" marR="45720" marT="9525" marB="0" anchor="b">
+                    <a:lnL w="12700" cap="flat" cmpd="sng" algn="ctr">
+                      <a:solidFill>
+                        <a:schemeClr val="tx1"/>
+                      </a:solidFill>
+                      <a:prstDash val="solid"/>
+                      <a:round/>
+                      <a:headEnd type="none" w="med" len="med"/>
+                      <a:tailEnd type="none" w="med" len="med"/>
+                    </a:lnL>
+                    <a:lnR w="12700" cap="flat" cmpd="sng" algn="ctr">
+                      <a:solidFill>
+                        <a:schemeClr val="tx1"/>
+                      </a:solidFill>
+                      <a:prstDash val="solid"/>
+                      <a:round/>
+                      <a:headEnd type="none" w="med" len="med"/>
+                      <a:tailEnd type="none" w="med" len="med"/>
+                    </a:lnR>
+                    <a:lnT w="12700" cmpd="sng">
+                      <a:noFill/>
+                    </a:lnT>
+                    <a:lnB w="12700" cmpd="sng">
+                      <a:noFill/>
+                    </a:lnB>
+                    <a:lnTlToBr w="12700" cmpd="sng">
+                      <a:noFill/>
+                      <a:prstDash val="solid"/>
+                    </a:lnTlToBr>
+                    <a:lnBlToTr w="12700" cmpd="sng">
+                      <a:noFill/>
+                      <a:prstDash val="solid"/>
+                    </a:lnBlToTr>
+                  </a:tcPr>
+                </a:tc>
+                <a:tc>
+                  <a:txBody>
+                    <a:bodyPr/>
+                    <a:lstStyle/>
+                    <a:p>
+                      <a:pPr algn="ctr" fontAlgn="b"/>
+                      <a:r>
+                        <a:rPr lang="en-US" sz="1200" b="0" u="none" strike="noStrike" dirty="0">
+                          <a:solidFill>
+                            <a:srgbClr val="000000"/>
+                          </a:solidFill>
+                          <a:effectLst/>
+                        </a:rPr>
+                        <a:t>4</a:t>
+                      </a:r>
+                      <a:endParaRPr lang="en-US" sz="1200" b="0" i="0" u="none" strike="noStrike" dirty="0">
+                        <a:solidFill>
+                          <a:srgbClr val="000000"/>
+                        </a:solidFill>
+                        <a:effectLst/>
+                        <a:latin typeface="Calibri" panose="020F0502020204030204" pitchFamily="34" charset="0"/>
+                      </a:endParaRPr>
+                    </a:p>
+                  </a:txBody>
+                  <a:tcPr marL="45720" marR="45720" marT="9525" marB="0" anchor="b">
+                    <a:lnL w="12700" cap="flat" cmpd="sng" algn="ctr">
+                      <a:solidFill>
+                        <a:schemeClr val="tx1"/>
+                      </a:solidFill>
+                      <a:prstDash val="solid"/>
+                      <a:round/>
+                      <a:headEnd type="none" w="med" len="med"/>
+                      <a:tailEnd type="none" w="med" len="med"/>
+                    </a:lnL>
+                    <a:lnR w="12700" cap="flat" cmpd="sng" algn="ctr">
+                      <a:solidFill>
+                        <a:schemeClr val="tx1"/>
+                      </a:solidFill>
+                      <a:prstDash val="solid"/>
+                      <a:round/>
+                      <a:headEnd type="none" w="med" len="med"/>
+                      <a:tailEnd type="none" w="med" len="med"/>
+                    </a:lnR>
+                    <a:lnT w="12700" cmpd="sng">
+                      <a:noFill/>
+                    </a:lnT>
+                    <a:lnB w="12700" cmpd="sng">
+                      <a:noFill/>
+                    </a:lnB>
+                    <a:lnTlToBr w="12700" cmpd="sng">
+                      <a:noFill/>
+                      <a:prstDash val="solid"/>
+                    </a:lnTlToBr>
+                    <a:lnBlToTr w="12700" cmpd="sng">
+                      <a:noFill/>
+                      <a:prstDash val="solid"/>
+                    </a:lnBlToTr>
+                  </a:tcPr>
+                </a:tc>
+                <a:extLst>
+                  <a:ext uri="{0D108BD9-81ED-4DB2-BD59-A6C34878D82A}">
+                    <a16:rowId xmlns:a16="http://schemas.microsoft.com/office/drawing/2014/main" val="2006858413"/>
+                  </a:ext>
+                </a:extLst>
+              </a:tr>
+              <a:tr h="246888">
+                <a:tc>
+                  <a:txBody>
+                    <a:bodyPr/>
+                    <a:lstStyle/>
+                    <a:p>
+                      <a:pPr algn="l" fontAlgn="b"/>
+                      <a:r>
+                        <a:rPr lang="en-US" sz="1200" b="0" u="none" strike="noStrike" dirty="0">
+                          <a:solidFill>
+                            <a:srgbClr val="000000"/>
+                          </a:solidFill>
+                          <a:effectLst/>
+                        </a:rPr>
+                        <a:t>Month Sold</a:t>
+                      </a:r>
+                      <a:endParaRPr lang="en-US" sz="1200" b="0" i="0" u="none" strike="noStrike" dirty="0">
+                        <a:solidFill>
+                          <a:srgbClr val="000000"/>
+                        </a:solidFill>
+                        <a:effectLst/>
+                        <a:latin typeface="Calibri" panose="020F0502020204030204" pitchFamily="34" charset="0"/>
+                      </a:endParaRPr>
+                    </a:p>
+                  </a:txBody>
+                  <a:tcPr marL="45720" marR="45720" marT="9525" marB="0" anchor="b">
+                    <a:lnL w="12700" cap="flat" cmpd="sng" algn="ctr">
+                      <a:solidFill>
+                        <a:schemeClr val="tx1"/>
+                      </a:solidFill>
+                      <a:prstDash val="solid"/>
+                      <a:round/>
+                      <a:headEnd type="none" w="med" len="med"/>
+                      <a:tailEnd type="none" w="med" len="med"/>
+                    </a:lnL>
+                    <a:lnR w="12700" cap="flat" cmpd="sng" algn="ctr">
+                      <a:solidFill>
+                        <a:schemeClr val="tx1"/>
+                      </a:solidFill>
+                      <a:prstDash val="solid"/>
+                      <a:round/>
+                      <a:headEnd type="none" w="med" len="med"/>
+                      <a:tailEnd type="none" w="med" len="med"/>
+                    </a:lnR>
+                    <a:lnT w="12700" cmpd="sng">
+                      <a:noFill/>
+                    </a:lnT>
+                    <a:lnB w="12700" cmpd="sng">
+                      <a:noFill/>
+                    </a:lnB>
+                    <a:lnTlToBr w="12700" cmpd="sng">
+                      <a:noFill/>
+                      <a:prstDash val="solid"/>
+                    </a:lnTlToBr>
+                    <a:lnBlToTr w="12700" cmpd="sng">
+                      <a:noFill/>
+                      <a:prstDash val="solid"/>
+                    </a:lnBlToTr>
+                  </a:tcPr>
+                </a:tc>
+                <a:tc>
+                  <a:txBody>
+                    <a:bodyPr/>
+                    <a:lstStyle/>
+                    <a:p>
+                      <a:pPr algn="ctr" fontAlgn="b"/>
+                      <a:r>
+                        <a:rPr lang="en-US" sz="1200" b="0" u="none" strike="noStrike" dirty="0">
+                          <a:solidFill>
+                            <a:srgbClr val="000000"/>
+                          </a:solidFill>
+                          <a:effectLst/>
+                        </a:rPr>
+                        <a:t> </a:t>
+                      </a:r>
+                      <a:endParaRPr lang="en-US" sz="1200" b="0" i="0" u="none" strike="noStrike" dirty="0">
+                        <a:solidFill>
+                          <a:srgbClr val="000000"/>
+                        </a:solidFill>
+                        <a:effectLst/>
+                        <a:latin typeface="Calibri" panose="020F0502020204030204" pitchFamily="34" charset="0"/>
+                      </a:endParaRPr>
+                    </a:p>
+                  </a:txBody>
+                  <a:tcPr marL="45720" marR="45720" marT="9525" marB="0" anchor="b">
+                    <a:lnL w="12700" cap="flat" cmpd="sng" algn="ctr">
+                      <a:solidFill>
+                        <a:schemeClr val="tx1"/>
+                      </a:solidFill>
+                      <a:prstDash val="solid"/>
+                      <a:round/>
+                      <a:headEnd type="none" w="med" len="med"/>
+                      <a:tailEnd type="none" w="med" len="med"/>
+                    </a:lnL>
+                    <a:lnR w="12700" cap="flat" cmpd="sng" algn="ctr">
+                      <a:solidFill>
+                        <a:schemeClr val="tx1"/>
+                      </a:solidFill>
+                      <a:prstDash val="solid"/>
+                      <a:round/>
+                      <a:headEnd type="none" w="med" len="med"/>
+                      <a:tailEnd type="none" w="med" len="med"/>
+                    </a:lnR>
+                    <a:lnT w="12700" cmpd="sng">
+                      <a:noFill/>
+                    </a:lnT>
+                    <a:lnB w="12700" cmpd="sng">
+                      <a:noFill/>
+                    </a:lnB>
+                    <a:lnTlToBr w="12700" cmpd="sng">
+                      <a:noFill/>
+                      <a:prstDash val="solid"/>
+                    </a:lnTlToBr>
+                    <a:lnBlToTr w="12700" cmpd="sng">
+                      <a:noFill/>
+                      <a:prstDash val="solid"/>
+                    </a:lnBlToTr>
+                  </a:tcPr>
+                </a:tc>
+                <a:tc>
+                  <a:txBody>
+                    <a:bodyPr/>
+                    <a:lstStyle/>
+                    <a:p>
+                      <a:pPr algn="ctr" fontAlgn="b"/>
+                      <a:r>
+                        <a:rPr lang="en-US" sz="1200" b="0" u="none" strike="noStrike" dirty="0">
+                          <a:solidFill>
+                            <a:srgbClr val="000000"/>
+                          </a:solidFill>
+                          <a:effectLst/>
+                        </a:rPr>
+                        <a:t>1</a:t>
+                      </a:r>
+                      <a:endParaRPr lang="en-US" sz="1200" b="0" i="0" u="none" strike="noStrike" dirty="0">
+                        <a:solidFill>
+                          <a:srgbClr val="000000"/>
+                        </a:solidFill>
+                        <a:effectLst/>
+                        <a:latin typeface="Calibri" panose="020F0502020204030204" pitchFamily="34" charset="0"/>
+                      </a:endParaRPr>
+                    </a:p>
+                  </a:txBody>
+                  <a:tcPr marL="45720" marR="45720" marT="9525" marB="0" anchor="b">
+                    <a:lnL w="12700" cap="flat" cmpd="sng" algn="ctr">
+                      <a:solidFill>
+                        <a:schemeClr val="tx1"/>
+                      </a:solidFill>
+                      <a:prstDash val="solid"/>
+                      <a:round/>
+                      <a:headEnd type="none" w="med" len="med"/>
+                      <a:tailEnd type="none" w="med" len="med"/>
+                    </a:lnL>
+                    <a:lnR w="12700" cap="flat" cmpd="sng" algn="ctr">
+                      <a:solidFill>
+                        <a:schemeClr val="tx1"/>
+                      </a:solidFill>
+                      <a:prstDash val="solid"/>
+                      <a:round/>
+                      <a:headEnd type="none" w="med" len="med"/>
+                      <a:tailEnd type="none" w="med" len="med"/>
+                    </a:lnR>
+                    <a:lnT w="12700" cmpd="sng">
+                      <a:noFill/>
+                    </a:lnT>
+                    <a:lnB w="12700" cmpd="sng">
+                      <a:noFill/>
+                    </a:lnB>
+                    <a:lnTlToBr w="12700" cmpd="sng">
+                      <a:noFill/>
+                      <a:prstDash val="solid"/>
+                    </a:lnTlToBr>
+                    <a:lnBlToTr w="12700" cmpd="sng">
+                      <a:noFill/>
+                      <a:prstDash val="solid"/>
+                    </a:lnBlToTr>
+                  </a:tcPr>
+                </a:tc>
+                <a:extLst>
+                  <a:ext uri="{0D108BD9-81ED-4DB2-BD59-A6C34878D82A}">
+                    <a16:rowId xmlns:a16="http://schemas.microsoft.com/office/drawing/2014/main" val="3569189972"/>
+                  </a:ext>
+                </a:extLst>
+              </a:tr>
+              <a:tr h="246888">
+                <a:tc>
+                  <a:txBody>
+                    <a:bodyPr/>
+                    <a:lstStyle/>
+                    <a:p>
+                      <a:pPr algn="l" fontAlgn="b"/>
+                      <a:r>
+                        <a:rPr lang="en-US" sz="1200" b="0" u="none" strike="noStrike" dirty="0">
+                          <a:solidFill>
+                            <a:srgbClr val="000000"/>
+                          </a:solidFill>
+                          <a:effectLst/>
+                        </a:rPr>
+                        <a:t> </a:t>
+                      </a:r>
+                      <a:endParaRPr lang="en-US" sz="1200" b="0" i="0" u="none" strike="noStrike" dirty="0">
+                        <a:solidFill>
+                          <a:srgbClr val="000000"/>
+                        </a:solidFill>
+                        <a:effectLst/>
+                        <a:latin typeface="Calibri" panose="020F0502020204030204" pitchFamily="34" charset="0"/>
+                      </a:endParaRPr>
+                    </a:p>
+                  </a:txBody>
+                  <a:tcPr marL="45720" marR="45720" marT="9525" marB="0" anchor="b">
+                    <a:lnL w="12700" cap="flat" cmpd="sng" algn="ctr">
+                      <a:solidFill>
+                        <a:schemeClr val="tx1"/>
+                      </a:solidFill>
+                      <a:prstDash val="solid"/>
+                      <a:round/>
+                      <a:headEnd type="none" w="med" len="med"/>
+                      <a:tailEnd type="none" w="med" len="med"/>
+                    </a:lnL>
+                    <a:lnR w="12700" cap="flat" cmpd="sng" algn="ctr">
+                      <a:solidFill>
+                        <a:schemeClr val="tx1"/>
+                      </a:solidFill>
+                      <a:prstDash val="solid"/>
+                      <a:round/>
+                      <a:headEnd type="none" w="med" len="med"/>
+                      <a:tailEnd type="none" w="med" len="med"/>
+                    </a:lnR>
+                    <a:lnT w="12700" cmpd="sng">
+                      <a:noFill/>
+                    </a:lnT>
+                    <a:lnB w="12700" cmpd="sng">
+                      <a:noFill/>
+                    </a:lnB>
+                    <a:lnTlToBr w="12700" cmpd="sng">
+                      <a:noFill/>
+                      <a:prstDash val="solid"/>
+                    </a:lnTlToBr>
+                    <a:lnBlToTr w="12700" cmpd="sng">
+                      <a:noFill/>
+                      <a:prstDash val="solid"/>
+                    </a:lnBlToTr>
+                  </a:tcPr>
+                </a:tc>
+                <a:tc>
+                  <a:txBody>
+                    <a:bodyPr/>
+                    <a:lstStyle/>
+                    <a:p>
+                      <a:pPr algn="ctr" fontAlgn="b"/>
+                      <a:r>
+                        <a:rPr lang="en-US" sz="1200" b="0" u="none" strike="noStrike" dirty="0">
+                          <a:solidFill>
+                            <a:srgbClr val="000000"/>
+                          </a:solidFill>
+                          <a:effectLst/>
+                        </a:rPr>
+                        <a:t> </a:t>
+                      </a:r>
+                      <a:endParaRPr lang="en-US" sz="1200" b="0" i="0" u="none" strike="noStrike" dirty="0">
+                        <a:solidFill>
+                          <a:srgbClr val="000000"/>
+                        </a:solidFill>
+                        <a:effectLst/>
+                        <a:latin typeface="Calibri" panose="020F0502020204030204" pitchFamily="34" charset="0"/>
+                      </a:endParaRPr>
+                    </a:p>
+                  </a:txBody>
+                  <a:tcPr marL="45720" marR="45720" marT="9525" marB="0" anchor="b">
+                    <a:lnL w="12700" cap="flat" cmpd="sng" algn="ctr">
+                      <a:solidFill>
+                        <a:schemeClr val="tx1"/>
+                      </a:solidFill>
+                      <a:prstDash val="solid"/>
+                      <a:round/>
+                      <a:headEnd type="none" w="med" len="med"/>
+                      <a:tailEnd type="none" w="med" len="med"/>
+                    </a:lnL>
+                    <a:lnR w="12700" cap="flat" cmpd="sng" algn="ctr">
+                      <a:solidFill>
+                        <a:schemeClr val="tx1"/>
+                      </a:solidFill>
+                      <a:prstDash val="solid"/>
+                      <a:round/>
+                      <a:headEnd type="none" w="med" len="med"/>
+                      <a:tailEnd type="none" w="med" len="med"/>
+                    </a:lnR>
+                    <a:lnT w="12700" cmpd="sng">
+                      <a:noFill/>
+                    </a:lnT>
+                    <a:lnB w="12700" cmpd="sng">
+                      <a:noFill/>
+                    </a:lnB>
+                    <a:lnTlToBr w="12700" cmpd="sng">
+                      <a:noFill/>
+                      <a:prstDash val="solid"/>
+                    </a:lnTlToBr>
+                    <a:lnBlToTr w="12700" cmpd="sng">
+                      <a:noFill/>
+                      <a:prstDash val="solid"/>
+                    </a:lnBlToTr>
+                  </a:tcPr>
+                </a:tc>
+                <a:tc>
+                  <a:txBody>
+                    <a:bodyPr/>
+                    <a:lstStyle/>
+                    <a:p>
+                      <a:pPr algn="ctr" fontAlgn="b"/>
+                      <a:r>
+                        <a:rPr lang="en-US" sz="1200" b="0" u="none" strike="noStrike" dirty="0">
+                          <a:solidFill>
+                            <a:srgbClr val="000000"/>
+                          </a:solidFill>
+                          <a:effectLst/>
+                        </a:rPr>
+                        <a:t>3</a:t>
+                      </a:r>
+                      <a:endParaRPr lang="en-US" sz="1200" b="0" i="0" u="none" strike="noStrike" dirty="0">
+                        <a:solidFill>
+                          <a:srgbClr val="000000"/>
+                        </a:solidFill>
+                        <a:effectLst/>
+                        <a:latin typeface="Calibri" panose="020F0502020204030204" pitchFamily="34" charset="0"/>
+                      </a:endParaRPr>
+                    </a:p>
+                  </a:txBody>
+                  <a:tcPr marL="45720" marR="45720" marT="9525" marB="0" anchor="b">
+                    <a:lnL w="12700" cap="flat" cmpd="sng" algn="ctr">
+                      <a:solidFill>
+                        <a:schemeClr val="tx1"/>
+                      </a:solidFill>
+                      <a:prstDash val="solid"/>
+                      <a:round/>
+                      <a:headEnd type="none" w="med" len="med"/>
+                      <a:tailEnd type="none" w="med" len="med"/>
+                    </a:lnL>
+                    <a:lnR w="12700" cap="flat" cmpd="sng" algn="ctr">
+                      <a:solidFill>
+                        <a:schemeClr val="tx1"/>
+                      </a:solidFill>
+                      <a:prstDash val="solid"/>
+                      <a:round/>
+                      <a:headEnd type="none" w="med" len="med"/>
+                      <a:tailEnd type="none" w="med" len="med"/>
+                    </a:lnR>
+                    <a:lnT w="12700" cmpd="sng">
+                      <a:noFill/>
+                    </a:lnT>
+                    <a:lnB w="12700" cmpd="sng">
+                      <a:noFill/>
+                    </a:lnB>
+                    <a:lnTlToBr w="12700" cmpd="sng">
+                      <a:noFill/>
+                      <a:prstDash val="solid"/>
+                    </a:lnTlToBr>
+                    <a:lnBlToTr w="12700" cmpd="sng">
+                      <a:noFill/>
+                      <a:prstDash val="solid"/>
+                    </a:lnBlToTr>
+                  </a:tcPr>
+                </a:tc>
+                <a:extLst>
+                  <a:ext uri="{0D108BD9-81ED-4DB2-BD59-A6C34878D82A}">
+                    <a16:rowId xmlns:a16="http://schemas.microsoft.com/office/drawing/2014/main" val="1287398487"/>
+                  </a:ext>
+                </a:extLst>
+              </a:tr>
+              <a:tr h="246888">
+                <a:tc>
+                  <a:txBody>
+                    <a:bodyPr/>
+                    <a:lstStyle/>
+                    <a:p>
+                      <a:pPr algn="l" fontAlgn="b"/>
+                      <a:r>
+                        <a:rPr lang="en-US" sz="1200" b="0" u="none" strike="noStrike" dirty="0">
+                          <a:solidFill>
+                            <a:srgbClr val="000000"/>
+                          </a:solidFill>
+                          <a:effectLst/>
+                        </a:rPr>
+                        <a:t> </a:t>
+                      </a:r>
+                      <a:endParaRPr lang="en-US" sz="1200" b="0" i="0" u="none" strike="noStrike" dirty="0">
+                        <a:solidFill>
+                          <a:srgbClr val="000000"/>
+                        </a:solidFill>
+                        <a:effectLst/>
+                        <a:latin typeface="Calibri" panose="020F0502020204030204" pitchFamily="34" charset="0"/>
+                      </a:endParaRPr>
+                    </a:p>
+                  </a:txBody>
+                  <a:tcPr marL="45720" marR="45720" marT="9525" marB="0" anchor="b">
+                    <a:lnL w="12700" cap="flat" cmpd="sng" algn="ctr">
+                      <a:solidFill>
+                        <a:schemeClr val="tx1"/>
+                      </a:solidFill>
+                      <a:prstDash val="solid"/>
+                      <a:round/>
+                      <a:headEnd type="none" w="med" len="med"/>
+                      <a:tailEnd type="none" w="med" len="med"/>
+                    </a:lnL>
+                    <a:lnR w="12700" cap="flat" cmpd="sng" algn="ctr">
+                      <a:solidFill>
+                        <a:schemeClr val="tx1"/>
+                      </a:solidFill>
+                      <a:prstDash val="solid"/>
+                      <a:round/>
+                      <a:headEnd type="none" w="med" len="med"/>
+                      <a:tailEnd type="none" w="med" len="med"/>
+                    </a:lnR>
+                    <a:lnT w="12700" cmpd="sng">
+                      <a:noFill/>
+                    </a:lnT>
+                    <a:lnB w="12700" cmpd="sng">
+                      <a:noFill/>
+                    </a:lnB>
+                    <a:lnTlToBr w="12700" cmpd="sng">
+                      <a:noFill/>
+                      <a:prstDash val="solid"/>
+                    </a:lnTlToBr>
+                    <a:lnBlToTr w="12700" cmpd="sng">
+                      <a:noFill/>
+                      <a:prstDash val="solid"/>
+                    </a:lnBlToTr>
+                  </a:tcPr>
+                </a:tc>
+                <a:tc>
+                  <a:txBody>
+                    <a:bodyPr/>
+                    <a:lstStyle/>
+                    <a:p>
+                      <a:pPr algn="ctr" fontAlgn="b"/>
+                      <a:r>
+                        <a:rPr lang="en-US" sz="1200" b="0" u="none" strike="noStrike" dirty="0">
+                          <a:solidFill>
+                            <a:srgbClr val="000000"/>
+                          </a:solidFill>
+                          <a:effectLst/>
+                        </a:rPr>
+                        <a:t> </a:t>
+                      </a:r>
+                      <a:endParaRPr lang="en-US" sz="1200" b="0" i="0" u="none" strike="noStrike" dirty="0">
+                        <a:solidFill>
+                          <a:srgbClr val="000000"/>
+                        </a:solidFill>
+                        <a:effectLst/>
+                        <a:latin typeface="Calibri" panose="020F0502020204030204" pitchFamily="34" charset="0"/>
+                      </a:endParaRPr>
+                    </a:p>
+                  </a:txBody>
+                  <a:tcPr marL="45720" marR="45720" marT="9525" marB="0" anchor="b">
+                    <a:lnL w="12700" cap="flat" cmpd="sng" algn="ctr">
+                      <a:solidFill>
+                        <a:schemeClr val="tx1"/>
+                      </a:solidFill>
+                      <a:prstDash val="solid"/>
+                      <a:round/>
+                      <a:headEnd type="none" w="med" len="med"/>
+                      <a:tailEnd type="none" w="med" len="med"/>
+                    </a:lnL>
+                    <a:lnR w="12700" cap="flat" cmpd="sng" algn="ctr">
+                      <a:solidFill>
+                        <a:schemeClr val="tx1"/>
+                      </a:solidFill>
+                      <a:prstDash val="solid"/>
+                      <a:round/>
+                      <a:headEnd type="none" w="med" len="med"/>
+                      <a:tailEnd type="none" w="med" len="med"/>
+                    </a:lnR>
+                    <a:lnT w="12700" cmpd="sng">
+                      <a:noFill/>
+                    </a:lnT>
+                    <a:lnB w="12700" cmpd="sng">
+                      <a:noFill/>
+                    </a:lnB>
+                    <a:lnTlToBr w="12700" cmpd="sng">
+                      <a:noFill/>
+                      <a:prstDash val="solid"/>
+                    </a:lnTlToBr>
+                    <a:lnBlToTr w="12700" cmpd="sng">
+                      <a:noFill/>
+                      <a:prstDash val="solid"/>
+                    </a:lnBlToTr>
+                  </a:tcPr>
+                </a:tc>
+                <a:tc>
+                  <a:txBody>
+                    <a:bodyPr/>
+                    <a:lstStyle/>
+                    <a:p>
+                      <a:pPr algn="ctr" fontAlgn="b"/>
+                      <a:r>
+                        <a:rPr lang="en-US" sz="1200" b="0" u="none" strike="noStrike" dirty="0">
+                          <a:solidFill>
+                            <a:srgbClr val="000000"/>
+                          </a:solidFill>
+                          <a:effectLst/>
+                        </a:rPr>
+                        <a:t>4</a:t>
+                      </a:r>
+                      <a:endParaRPr lang="en-US" sz="1200" b="0" i="0" u="none" strike="noStrike" dirty="0">
+                        <a:solidFill>
+                          <a:srgbClr val="000000"/>
+                        </a:solidFill>
+                        <a:effectLst/>
+                        <a:latin typeface="Calibri" panose="020F0502020204030204" pitchFamily="34" charset="0"/>
+                      </a:endParaRPr>
+                    </a:p>
+                  </a:txBody>
+                  <a:tcPr marL="45720" marR="45720" marT="9525" marB="0" anchor="b">
+                    <a:lnL w="12700" cap="flat" cmpd="sng" algn="ctr">
+                      <a:solidFill>
+                        <a:schemeClr val="tx1"/>
+                      </a:solidFill>
+                      <a:prstDash val="solid"/>
+                      <a:round/>
+                      <a:headEnd type="none" w="med" len="med"/>
+                      <a:tailEnd type="none" w="med" len="med"/>
+                    </a:lnL>
+                    <a:lnR w="12700" cap="flat" cmpd="sng" algn="ctr">
+                      <a:solidFill>
+                        <a:schemeClr val="tx1"/>
+                      </a:solidFill>
+                      <a:prstDash val="solid"/>
+                      <a:round/>
+                      <a:headEnd type="none" w="med" len="med"/>
+                      <a:tailEnd type="none" w="med" len="med"/>
+                    </a:lnR>
+                    <a:lnT w="12700" cmpd="sng">
+                      <a:noFill/>
+                    </a:lnT>
+                    <a:lnB w="12700" cmpd="sng">
+                      <a:noFill/>
+                    </a:lnB>
+                    <a:lnTlToBr w="12700" cmpd="sng">
+                      <a:noFill/>
+                      <a:prstDash val="solid"/>
+                    </a:lnTlToBr>
+                    <a:lnBlToTr w="12700" cmpd="sng">
+                      <a:noFill/>
+                      <a:prstDash val="solid"/>
+                    </a:lnBlToTr>
+                  </a:tcPr>
+                </a:tc>
+                <a:extLst>
+                  <a:ext uri="{0D108BD9-81ED-4DB2-BD59-A6C34878D82A}">
+                    <a16:rowId xmlns:a16="http://schemas.microsoft.com/office/drawing/2014/main" val="1240813566"/>
+                  </a:ext>
+                </a:extLst>
+              </a:tr>
+              <a:tr h="246888">
+                <a:tc>
+                  <a:txBody>
+                    <a:bodyPr/>
+                    <a:lstStyle/>
+                    <a:p>
+                      <a:pPr algn="l" fontAlgn="b"/>
+                      <a:r>
+                        <a:rPr lang="en-US" sz="1200" b="0" u="none" strike="noStrike" dirty="0">
+                          <a:solidFill>
+                            <a:srgbClr val="000000"/>
+                          </a:solidFill>
+                          <a:effectLst/>
+                        </a:rPr>
+                        <a:t> </a:t>
+                      </a:r>
+                      <a:endParaRPr lang="en-US" sz="1200" b="0" i="0" u="none" strike="noStrike" dirty="0">
+                        <a:solidFill>
+                          <a:srgbClr val="000000"/>
+                        </a:solidFill>
+                        <a:effectLst/>
+                        <a:latin typeface="Calibri" panose="020F0502020204030204" pitchFamily="34" charset="0"/>
+                      </a:endParaRPr>
+                    </a:p>
+                  </a:txBody>
+                  <a:tcPr marL="45720" marR="45720" marT="9525" marB="0" anchor="b">
+                    <a:lnL w="12700" cap="flat" cmpd="sng" algn="ctr">
+                      <a:solidFill>
+                        <a:schemeClr val="tx1"/>
+                      </a:solidFill>
+                      <a:prstDash val="solid"/>
+                      <a:round/>
+                      <a:headEnd type="none" w="med" len="med"/>
+                      <a:tailEnd type="none" w="med" len="med"/>
+                    </a:lnL>
+                    <a:lnR w="12700" cap="flat" cmpd="sng" algn="ctr">
+                      <a:solidFill>
+                        <a:schemeClr val="tx1"/>
+                      </a:solidFill>
+                      <a:prstDash val="solid"/>
+                      <a:round/>
+                      <a:headEnd type="none" w="med" len="med"/>
+                      <a:tailEnd type="none" w="med" len="med"/>
+                    </a:lnR>
+                    <a:lnT w="12700" cmpd="sng">
+                      <a:noFill/>
+                    </a:lnT>
+                    <a:lnB w="12700" cmpd="sng">
+                      <a:noFill/>
+                    </a:lnB>
+                    <a:lnTlToBr w="12700" cmpd="sng">
+                      <a:noFill/>
+                      <a:prstDash val="solid"/>
+                    </a:lnTlToBr>
+                    <a:lnBlToTr w="12700" cmpd="sng">
+                      <a:noFill/>
+                      <a:prstDash val="solid"/>
+                    </a:lnBlToTr>
+                  </a:tcPr>
+                </a:tc>
+                <a:tc>
+                  <a:txBody>
+                    <a:bodyPr/>
+                    <a:lstStyle/>
+                    <a:p>
+                      <a:pPr algn="ctr" fontAlgn="b"/>
+                      <a:r>
+                        <a:rPr lang="en-US" sz="1200" b="0" u="none" strike="noStrike" dirty="0">
+                          <a:solidFill>
+                            <a:srgbClr val="000000"/>
+                          </a:solidFill>
+                          <a:effectLst/>
+                        </a:rPr>
+                        <a:t> </a:t>
+                      </a:r>
+                      <a:endParaRPr lang="en-US" sz="1200" b="0" i="0" u="none" strike="noStrike" dirty="0">
+                        <a:solidFill>
+                          <a:srgbClr val="000000"/>
+                        </a:solidFill>
+                        <a:effectLst/>
+                        <a:latin typeface="Calibri" panose="020F0502020204030204" pitchFamily="34" charset="0"/>
+                      </a:endParaRPr>
+                    </a:p>
+                  </a:txBody>
+                  <a:tcPr marL="45720" marR="45720" marT="9525" marB="0" anchor="b">
+                    <a:lnL w="12700" cap="flat" cmpd="sng" algn="ctr">
+                      <a:solidFill>
+                        <a:schemeClr val="tx1"/>
+                      </a:solidFill>
+                      <a:prstDash val="solid"/>
+                      <a:round/>
+                      <a:headEnd type="none" w="med" len="med"/>
+                      <a:tailEnd type="none" w="med" len="med"/>
+                    </a:lnL>
+                    <a:lnR w="12700" cap="flat" cmpd="sng" algn="ctr">
+                      <a:solidFill>
+                        <a:schemeClr val="tx1"/>
+                      </a:solidFill>
+                      <a:prstDash val="solid"/>
+                      <a:round/>
+                      <a:headEnd type="none" w="med" len="med"/>
+                      <a:tailEnd type="none" w="med" len="med"/>
+                    </a:lnR>
+                    <a:lnT w="12700" cmpd="sng">
+                      <a:noFill/>
+                    </a:lnT>
+                    <a:lnB w="12700" cmpd="sng">
+                      <a:noFill/>
+                    </a:lnB>
+                    <a:lnTlToBr w="12700" cmpd="sng">
+                      <a:noFill/>
+                      <a:prstDash val="solid"/>
+                    </a:lnTlToBr>
+                    <a:lnBlToTr w="12700" cmpd="sng">
+                      <a:noFill/>
+                      <a:prstDash val="solid"/>
+                    </a:lnBlToTr>
+                  </a:tcPr>
+                </a:tc>
+                <a:tc>
+                  <a:txBody>
+                    <a:bodyPr/>
+                    <a:lstStyle/>
+                    <a:p>
+                      <a:pPr algn="ctr" fontAlgn="b"/>
+                      <a:r>
+                        <a:rPr lang="en-US" sz="1200" b="0" u="none" strike="noStrike" dirty="0">
+                          <a:solidFill>
+                            <a:srgbClr val="000000"/>
+                          </a:solidFill>
+                          <a:effectLst/>
+                        </a:rPr>
+                        <a:t>6</a:t>
+                      </a:r>
+                      <a:endParaRPr lang="en-US" sz="1200" b="0" i="0" u="none" strike="noStrike" dirty="0">
+                        <a:solidFill>
+                          <a:srgbClr val="000000"/>
+                        </a:solidFill>
+                        <a:effectLst/>
+                        <a:latin typeface="Calibri" panose="020F0502020204030204" pitchFamily="34" charset="0"/>
+                      </a:endParaRPr>
+                    </a:p>
+                  </a:txBody>
+                  <a:tcPr marL="45720" marR="45720" marT="9525" marB="0" anchor="b">
+                    <a:lnL w="12700" cap="flat" cmpd="sng" algn="ctr">
+                      <a:solidFill>
+                        <a:schemeClr val="tx1"/>
+                      </a:solidFill>
+                      <a:prstDash val="solid"/>
+                      <a:round/>
+                      <a:headEnd type="none" w="med" len="med"/>
+                      <a:tailEnd type="none" w="med" len="med"/>
+                    </a:lnL>
+                    <a:lnR w="12700" cap="flat" cmpd="sng" algn="ctr">
+                      <a:solidFill>
+                        <a:schemeClr val="tx1"/>
+                      </a:solidFill>
+                      <a:prstDash val="solid"/>
+                      <a:round/>
+                      <a:headEnd type="none" w="med" len="med"/>
+                      <a:tailEnd type="none" w="med" len="med"/>
+                    </a:lnR>
+                    <a:lnT w="12700" cmpd="sng">
+                      <a:noFill/>
+                    </a:lnT>
+                    <a:lnB w="12700" cmpd="sng">
+                      <a:noFill/>
+                    </a:lnB>
+                    <a:lnTlToBr w="12700" cmpd="sng">
+                      <a:noFill/>
+                      <a:prstDash val="solid"/>
+                    </a:lnTlToBr>
+                    <a:lnBlToTr w="12700" cmpd="sng">
+                      <a:noFill/>
+                      <a:prstDash val="solid"/>
+                    </a:lnBlToTr>
+                  </a:tcPr>
+                </a:tc>
+                <a:extLst>
+                  <a:ext uri="{0D108BD9-81ED-4DB2-BD59-A6C34878D82A}">
+                    <a16:rowId xmlns:a16="http://schemas.microsoft.com/office/drawing/2014/main" val="891667250"/>
+                  </a:ext>
+                </a:extLst>
+              </a:tr>
+              <a:tr h="246888">
+                <a:tc>
+                  <a:txBody>
+                    <a:bodyPr/>
+                    <a:lstStyle/>
+                    <a:p>
+                      <a:pPr algn="l" fontAlgn="b"/>
+                      <a:r>
+                        <a:rPr lang="en-US" sz="1200" b="0" u="none" strike="noStrike" dirty="0">
+                          <a:solidFill>
+                            <a:srgbClr val="000000"/>
+                          </a:solidFill>
+                          <a:effectLst/>
+                        </a:rPr>
+                        <a:t> </a:t>
+                      </a:r>
+                      <a:endParaRPr lang="en-US" sz="1200" b="0" i="0" u="none" strike="noStrike" dirty="0">
+                        <a:solidFill>
+                          <a:srgbClr val="000000"/>
+                        </a:solidFill>
+                        <a:effectLst/>
+                        <a:latin typeface="Calibri" panose="020F0502020204030204" pitchFamily="34" charset="0"/>
+                      </a:endParaRPr>
+                    </a:p>
+                  </a:txBody>
+                  <a:tcPr marL="45720" marR="45720" marT="9525" marB="0" anchor="b">
+                    <a:lnL w="12700" cap="flat" cmpd="sng" algn="ctr">
+                      <a:solidFill>
+                        <a:schemeClr val="tx1"/>
+                      </a:solidFill>
+                      <a:prstDash val="solid"/>
+                      <a:round/>
+                      <a:headEnd type="none" w="med" len="med"/>
+                      <a:tailEnd type="none" w="med" len="med"/>
+                    </a:lnL>
+                    <a:lnR w="12700" cap="flat" cmpd="sng" algn="ctr">
+                      <a:solidFill>
+                        <a:schemeClr val="tx1"/>
+                      </a:solidFill>
+                      <a:prstDash val="solid"/>
+                      <a:round/>
+                      <a:headEnd type="none" w="med" len="med"/>
+                      <a:tailEnd type="none" w="med" len="med"/>
+                    </a:lnR>
+                    <a:lnT w="12700" cmpd="sng">
+                      <a:noFill/>
+                    </a:lnT>
+                    <a:lnB w="12700" cmpd="sng">
+                      <a:noFill/>
+                    </a:lnB>
+                    <a:lnTlToBr w="12700" cmpd="sng">
+                      <a:noFill/>
+                      <a:prstDash val="solid"/>
+                    </a:lnTlToBr>
+                    <a:lnBlToTr w="12700" cmpd="sng">
+                      <a:noFill/>
+                      <a:prstDash val="solid"/>
+                    </a:lnBlToTr>
+                  </a:tcPr>
+                </a:tc>
+                <a:tc>
+                  <a:txBody>
+                    <a:bodyPr/>
+                    <a:lstStyle/>
+                    <a:p>
+                      <a:pPr algn="ctr" fontAlgn="b"/>
+                      <a:r>
+                        <a:rPr lang="en-US" sz="1200" b="0" u="none" strike="noStrike" dirty="0">
+                          <a:solidFill>
+                            <a:srgbClr val="000000"/>
+                          </a:solidFill>
+                          <a:effectLst/>
+                        </a:rPr>
+                        <a:t> </a:t>
+                      </a:r>
+                      <a:endParaRPr lang="en-US" sz="1200" b="0" i="0" u="none" strike="noStrike" dirty="0">
+                        <a:solidFill>
+                          <a:srgbClr val="000000"/>
+                        </a:solidFill>
+                        <a:effectLst/>
+                        <a:latin typeface="Calibri" panose="020F0502020204030204" pitchFamily="34" charset="0"/>
+                      </a:endParaRPr>
+                    </a:p>
+                  </a:txBody>
+                  <a:tcPr marL="45720" marR="45720" marT="9525" marB="0" anchor="b">
+                    <a:lnL w="12700" cap="flat" cmpd="sng" algn="ctr">
+                      <a:solidFill>
+                        <a:schemeClr val="tx1"/>
+                      </a:solidFill>
+                      <a:prstDash val="solid"/>
+                      <a:round/>
+                      <a:headEnd type="none" w="med" len="med"/>
+                      <a:tailEnd type="none" w="med" len="med"/>
+                    </a:lnL>
+                    <a:lnR w="12700" cap="flat" cmpd="sng" algn="ctr">
+                      <a:solidFill>
+                        <a:schemeClr val="tx1"/>
+                      </a:solidFill>
+                      <a:prstDash val="solid"/>
+                      <a:round/>
+                      <a:headEnd type="none" w="med" len="med"/>
+                      <a:tailEnd type="none" w="med" len="med"/>
+                    </a:lnR>
+                    <a:lnT w="12700" cmpd="sng">
+                      <a:noFill/>
+                    </a:lnT>
+                    <a:lnB w="12700" cmpd="sng">
+                      <a:noFill/>
+                    </a:lnB>
+                    <a:lnTlToBr w="12700" cmpd="sng">
+                      <a:noFill/>
+                      <a:prstDash val="solid"/>
+                    </a:lnTlToBr>
+                    <a:lnBlToTr w="12700" cmpd="sng">
+                      <a:noFill/>
+                      <a:prstDash val="solid"/>
+                    </a:lnBlToTr>
+                  </a:tcPr>
+                </a:tc>
+                <a:tc>
+                  <a:txBody>
+                    <a:bodyPr/>
+                    <a:lstStyle/>
+                    <a:p>
+                      <a:pPr algn="ctr" fontAlgn="b"/>
+                      <a:r>
+                        <a:rPr lang="en-US" sz="1200" b="0" u="none" strike="noStrike" dirty="0">
+                          <a:solidFill>
+                            <a:srgbClr val="000000"/>
+                          </a:solidFill>
+                          <a:effectLst/>
+                        </a:rPr>
+                        <a:t>7</a:t>
+                      </a:r>
+                      <a:endParaRPr lang="en-US" sz="1200" b="0" i="0" u="none" strike="noStrike" dirty="0">
+                        <a:solidFill>
+                          <a:srgbClr val="000000"/>
+                        </a:solidFill>
+                        <a:effectLst/>
+                        <a:latin typeface="Calibri" panose="020F0502020204030204" pitchFamily="34" charset="0"/>
+                      </a:endParaRPr>
+                    </a:p>
+                  </a:txBody>
+                  <a:tcPr marL="45720" marR="45720" marT="9525" marB="0" anchor="b">
+                    <a:lnL w="12700" cap="flat" cmpd="sng" algn="ctr">
+                      <a:solidFill>
+                        <a:schemeClr val="tx1"/>
+                      </a:solidFill>
+                      <a:prstDash val="solid"/>
+                      <a:round/>
+                      <a:headEnd type="none" w="med" len="med"/>
+                      <a:tailEnd type="none" w="med" len="med"/>
+                    </a:lnL>
+                    <a:lnR w="12700" cap="flat" cmpd="sng" algn="ctr">
+                      <a:solidFill>
+                        <a:schemeClr val="tx1"/>
+                      </a:solidFill>
+                      <a:prstDash val="solid"/>
+                      <a:round/>
+                      <a:headEnd type="none" w="med" len="med"/>
+                      <a:tailEnd type="none" w="med" len="med"/>
+                    </a:lnR>
+                    <a:lnT w="12700" cmpd="sng">
+                      <a:noFill/>
+                    </a:lnT>
+                    <a:lnB w="12700" cmpd="sng">
+                      <a:noFill/>
+                    </a:lnB>
+                    <a:lnTlToBr w="12700" cmpd="sng">
+                      <a:noFill/>
+                      <a:prstDash val="solid"/>
+                    </a:lnTlToBr>
+                    <a:lnBlToTr w="12700" cmpd="sng">
+                      <a:noFill/>
+                      <a:prstDash val="solid"/>
+                    </a:lnBlToTr>
+                  </a:tcPr>
+                </a:tc>
+                <a:extLst>
+                  <a:ext uri="{0D108BD9-81ED-4DB2-BD59-A6C34878D82A}">
+                    <a16:rowId xmlns:a16="http://schemas.microsoft.com/office/drawing/2014/main" val="2587456114"/>
+                  </a:ext>
+                </a:extLst>
+              </a:tr>
+              <a:tr h="246888">
+                <a:tc>
+                  <a:txBody>
+                    <a:bodyPr/>
+                    <a:lstStyle/>
+                    <a:p>
+                      <a:pPr algn="l" fontAlgn="b"/>
+                      <a:r>
+                        <a:rPr lang="en-US" sz="1200" b="0" u="none" strike="noStrike" dirty="0">
+                          <a:solidFill>
+                            <a:srgbClr val="000000"/>
+                          </a:solidFill>
+                          <a:effectLst/>
+                        </a:rPr>
+                        <a:t>Number of Bedrooms</a:t>
+                      </a:r>
+                      <a:endParaRPr lang="en-US" sz="1200" b="0" i="0" u="none" strike="noStrike" dirty="0">
+                        <a:solidFill>
+                          <a:srgbClr val="000000"/>
+                        </a:solidFill>
+                        <a:effectLst/>
+                        <a:latin typeface="Calibri" panose="020F0502020204030204" pitchFamily="34" charset="0"/>
+                      </a:endParaRPr>
+                    </a:p>
+                  </a:txBody>
+                  <a:tcPr marL="45720" marR="45720" marT="9525" marB="0" anchor="b">
+                    <a:lnL w="12700" cap="flat" cmpd="sng" algn="ctr">
+                      <a:solidFill>
+                        <a:schemeClr val="tx1"/>
+                      </a:solidFill>
+                      <a:prstDash val="solid"/>
+                      <a:round/>
+                      <a:headEnd type="none" w="med" len="med"/>
+                      <a:tailEnd type="none" w="med" len="med"/>
+                    </a:lnL>
+                    <a:lnR w="12700" cap="flat" cmpd="sng" algn="ctr">
+                      <a:solidFill>
+                        <a:schemeClr val="tx1"/>
+                      </a:solidFill>
+                      <a:prstDash val="solid"/>
+                      <a:round/>
+                      <a:headEnd type="none" w="med" len="med"/>
+                      <a:tailEnd type="none" w="med" len="med"/>
+                    </a:lnR>
+                    <a:lnT w="12700" cmpd="sng">
+                      <a:noFill/>
+                    </a:lnT>
+                    <a:lnB w="12700" cap="flat" cmpd="sng" algn="ctr">
+                      <a:solidFill>
+                        <a:schemeClr val="tx1"/>
+                      </a:solidFill>
+                      <a:prstDash val="solid"/>
+                      <a:round/>
+                      <a:headEnd type="none" w="med" len="med"/>
+                      <a:tailEnd type="none" w="med" len="med"/>
+                    </a:lnB>
+                    <a:lnTlToBr w="12700" cmpd="sng">
+                      <a:noFill/>
+                      <a:prstDash val="solid"/>
+                    </a:lnTlToBr>
+                    <a:lnBlToTr w="12700" cmpd="sng">
+                      <a:noFill/>
+                      <a:prstDash val="solid"/>
+                    </a:lnBlToTr>
+                  </a:tcPr>
+                </a:tc>
+                <a:tc>
+                  <a:txBody>
+                    <a:bodyPr/>
+                    <a:lstStyle/>
+                    <a:p>
+                      <a:pPr algn="ctr" fontAlgn="b"/>
+                      <a:r>
+                        <a:rPr lang="en-US" sz="1200" b="0" u="none" strike="noStrike" dirty="0">
+                          <a:solidFill>
+                            <a:srgbClr val="000000"/>
+                          </a:solidFill>
+                          <a:effectLst/>
+                        </a:rPr>
+                        <a:t> </a:t>
+                      </a:r>
+                      <a:endParaRPr lang="en-US" sz="1200" b="0" i="0" u="none" strike="noStrike" dirty="0">
+                        <a:solidFill>
+                          <a:srgbClr val="000000"/>
+                        </a:solidFill>
+                        <a:effectLst/>
+                        <a:latin typeface="Calibri" panose="020F0502020204030204" pitchFamily="34" charset="0"/>
+                      </a:endParaRPr>
+                    </a:p>
+                  </a:txBody>
+                  <a:tcPr marL="45720" marR="45720" marT="9525" marB="0" anchor="b">
+                    <a:lnL w="12700" cap="flat" cmpd="sng" algn="ctr">
+                      <a:solidFill>
+                        <a:schemeClr val="tx1"/>
+                      </a:solidFill>
+                      <a:prstDash val="solid"/>
+                      <a:round/>
+                      <a:headEnd type="none" w="med" len="med"/>
+                      <a:tailEnd type="none" w="med" len="med"/>
+                    </a:lnL>
+                    <a:lnR w="12700" cap="flat" cmpd="sng" algn="ctr">
+                      <a:solidFill>
+                        <a:schemeClr val="tx1"/>
+                      </a:solidFill>
+                      <a:prstDash val="solid"/>
+                      <a:round/>
+                      <a:headEnd type="none" w="med" len="med"/>
+                      <a:tailEnd type="none" w="med" len="med"/>
+                    </a:lnR>
+                    <a:lnT w="12700" cmpd="sng">
+                      <a:noFill/>
+                    </a:lnT>
+                    <a:lnB w="12700" cap="flat" cmpd="sng" algn="ctr">
+                      <a:solidFill>
+                        <a:schemeClr val="tx1"/>
+                      </a:solidFill>
+                      <a:prstDash val="solid"/>
+                      <a:round/>
+                      <a:headEnd type="none" w="med" len="med"/>
+                      <a:tailEnd type="none" w="med" len="med"/>
+                    </a:lnB>
+                    <a:lnTlToBr w="12700" cmpd="sng">
+                      <a:noFill/>
+                      <a:prstDash val="solid"/>
+                    </a:lnTlToBr>
+                    <a:lnBlToTr w="12700" cmpd="sng">
+                      <a:noFill/>
+                      <a:prstDash val="solid"/>
+                    </a:lnBlToTr>
+                  </a:tcPr>
+                </a:tc>
+                <a:tc>
+                  <a:txBody>
+                    <a:bodyPr/>
+                    <a:lstStyle/>
+                    <a:p>
+                      <a:pPr algn="ctr" fontAlgn="b"/>
+                      <a:r>
+                        <a:rPr lang="en-US" sz="1200" b="0" u="none" strike="noStrike" dirty="0">
+                          <a:solidFill>
+                            <a:srgbClr val="000000"/>
+                          </a:solidFill>
+                          <a:effectLst/>
+                        </a:rPr>
+                        <a:t>5</a:t>
+                      </a:r>
+                      <a:endParaRPr lang="en-US" sz="1200" b="0" i="0" u="none" strike="noStrike" dirty="0">
+                        <a:solidFill>
+                          <a:srgbClr val="000000"/>
+                        </a:solidFill>
+                        <a:effectLst/>
+                        <a:latin typeface="Calibri" panose="020F0502020204030204" pitchFamily="34" charset="0"/>
+                      </a:endParaRPr>
+                    </a:p>
+                  </a:txBody>
+                  <a:tcPr marL="45720" marR="45720" marT="9525" marB="0" anchor="b">
+                    <a:lnL w="12700" cap="flat" cmpd="sng" algn="ctr">
+                      <a:solidFill>
+                        <a:schemeClr val="tx1"/>
+                      </a:solidFill>
+                      <a:prstDash val="solid"/>
+                      <a:round/>
+                      <a:headEnd type="none" w="med" len="med"/>
+                      <a:tailEnd type="none" w="med" len="med"/>
+                    </a:lnL>
+                    <a:lnR w="12700" cap="flat" cmpd="sng" algn="ctr">
+                      <a:solidFill>
+                        <a:schemeClr val="tx1"/>
+                      </a:solidFill>
+                      <a:prstDash val="solid"/>
+                      <a:round/>
+                      <a:headEnd type="none" w="med" len="med"/>
+                      <a:tailEnd type="none" w="med" len="med"/>
+                    </a:lnR>
+                    <a:lnT w="12700" cmpd="sng">
+                      <a:noFill/>
+                    </a:lnT>
+                    <a:lnB w="12700" cap="flat" cmpd="sng" algn="ctr">
+                      <a:solidFill>
+                        <a:schemeClr val="tx1"/>
+                      </a:solidFill>
+                      <a:prstDash val="solid"/>
+                      <a:round/>
+                      <a:headEnd type="none" w="med" len="med"/>
+                      <a:tailEnd type="none" w="med" len="med"/>
+                    </a:lnB>
+                    <a:lnTlToBr w="12700" cmpd="sng">
+                      <a:noFill/>
+                      <a:prstDash val="solid"/>
+                    </a:lnTlToBr>
+                    <a:lnBlToTr w="12700" cmpd="sng">
+                      <a:noFill/>
+                      <a:prstDash val="solid"/>
+                    </a:lnBlToTr>
+                  </a:tcPr>
+                </a:tc>
+                <a:extLst>
+                  <a:ext uri="{0D108BD9-81ED-4DB2-BD59-A6C34878D82A}">
+                    <a16:rowId xmlns:a16="http://schemas.microsoft.com/office/drawing/2014/main" val="143154656"/>
+                  </a:ext>
+                </a:extLst>
+              </a:tr>
+            </a:tbl>
+          </a:graphicData>
+        </a:graphic>
+      </p:graphicFrame>
+      <p:graphicFrame>
+        <p:nvGraphicFramePr>
+          <p:cNvPr id="7" name="Table 6">
+            <a:extLst>
+              <a:ext uri="{FF2B5EF4-FFF2-40B4-BE49-F238E27FC236}">
+                <a16:creationId xmlns:a16="http://schemas.microsoft.com/office/drawing/2014/main" id="{51409E4B-DD16-00AB-81AB-ADB255666507}"/>
+              </a:ext>
+            </a:extLst>
+          </p:cNvPr>
+          <p:cNvGraphicFramePr>
+            <a:graphicFrameLocks noGrp="1"/>
+          </p:cNvGraphicFramePr>
+          <p:nvPr>
+            <p:extLst>
+              <p:ext uri="{D42A27DB-BD31-4B8C-83A1-F6EECF244321}">
+                <p14:modId xmlns:p14="http://schemas.microsoft.com/office/powerpoint/2010/main" val="916346751"/>
+              </p:ext>
+            </p:extLst>
+          </p:nvPr>
+        </p:nvGraphicFramePr>
+        <p:xfrm>
+          <a:off x="838199" y="5178604"/>
+          <a:ext cx="4197096" cy="740664"/>
+        </p:xfrm>
+        <a:graphic>
+          <a:graphicData uri="http://schemas.openxmlformats.org/drawingml/2006/table">
+            <a:tbl>
+              <a:tblPr firstRow="1" firstCol="1">
+                <a:tableStyleId>{93296810-A885-4BE3-A3E7-6D5BEEA58F35}</a:tableStyleId>
+              </a:tblPr>
+              <a:tblGrid>
+                <a:gridCol w="1463040">
+                  <a:extLst>
+                    <a:ext uri="{9D8B030D-6E8A-4147-A177-3AD203B41FA5}">
+                      <a16:colId xmlns:a16="http://schemas.microsoft.com/office/drawing/2014/main" val="1766693609"/>
+                    </a:ext>
+                  </a:extLst>
+                </a:gridCol>
+                <a:gridCol w="1627632">
+                  <a:extLst>
+                    <a:ext uri="{9D8B030D-6E8A-4147-A177-3AD203B41FA5}">
+                      <a16:colId xmlns:a16="http://schemas.microsoft.com/office/drawing/2014/main" val="3925200167"/>
+                    </a:ext>
+                  </a:extLst>
+                </a:gridCol>
+                <a:gridCol w="1106424">
+                  <a:extLst>
+                    <a:ext uri="{9D8B030D-6E8A-4147-A177-3AD203B41FA5}">
+                      <a16:colId xmlns:a16="http://schemas.microsoft.com/office/drawing/2014/main" val="4041481603"/>
+                    </a:ext>
+                  </a:extLst>
+                </a:gridCol>
+              </a:tblGrid>
+              <a:tr h="246888">
+                <a:tc>
+                  <a:txBody>
+                    <a:bodyPr/>
+                    <a:lstStyle/>
+                    <a:p>
+                      <a:pPr marL="0" algn="ctr" defTabSz="914400" rtl="0" eaLnBrk="1" fontAlgn="b" latinLnBrk="0" hangingPunct="1"/>
+                      <a:r>
+                        <a:rPr lang="en-US" sz="1200" b="0" u="none" strike="noStrike" kern="1200" dirty="0">
+                          <a:solidFill>
+                            <a:srgbClr val="000000"/>
+                          </a:solidFill>
+                          <a:effectLst/>
+                        </a:rPr>
+                        <a:t>Feature</a:t>
+                      </a:r>
+                      <a:endParaRPr lang="en-US" sz="1200" b="0" u="none" strike="noStrike" kern="1200" dirty="0">
+                        <a:solidFill>
+                          <a:srgbClr val="000000"/>
+                        </a:solidFill>
+                        <a:effectLst/>
+                        <a:latin typeface="+mn-lt"/>
+                        <a:ea typeface="+mn-ea"/>
+                        <a:cs typeface="+mn-cs"/>
+                      </a:endParaRPr>
+                    </a:p>
+                  </a:txBody>
+                  <a:tcPr marL="45720" marR="45720" marT="9525" marB="0" anchor="b">
+                    <a:lnL w="12700" cap="flat" cmpd="sng" algn="ctr">
+                      <a:solidFill>
+                        <a:schemeClr val="tx1"/>
+                      </a:solidFill>
+                      <a:prstDash val="solid"/>
+                      <a:round/>
+                      <a:headEnd type="none" w="med" len="med"/>
+                      <a:tailEnd type="none" w="med" len="med"/>
+                    </a:lnL>
+                    <a:lnR w="12700" cap="flat" cmpd="sng" algn="ctr">
+                      <a:solidFill>
+                        <a:schemeClr val="tx1"/>
+                      </a:solidFill>
+                      <a:prstDash val="solid"/>
+                      <a:round/>
+                      <a:headEnd type="none" w="med" len="med"/>
+                      <a:tailEnd type="none" w="med" len="med"/>
+                    </a:lnR>
+                    <a:lnT w="12700" cap="flat" cmpd="sng" algn="ctr">
+                      <a:solidFill>
+                        <a:schemeClr val="tx1"/>
+                      </a:solidFill>
+                      <a:prstDash val="solid"/>
+                      <a:round/>
+                      <a:headEnd type="none" w="med" len="med"/>
+                      <a:tailEnd type="none" w="med" len="med"/>
+                    </a:lnT>
+                    <a:lnB w="12700" cap="flat" cmpd="sng" algn="ctr">
+                      <a:solidFill>
+                        <a:schemeClr val="tx1"/>
+                      </a:solidFill>
+                      <a:prstDash val="solid"/>
+                      <a:round/>
+                      <a:headEnd type="none" w="med" len="med"/>
+                      <a:tailEnd type="none" w="med" len="med"/>
+                    </a:lnB>
+                    <a:lnTlToBr w="12700" cmpd="sng">
+                      <a:noFill/>
+                      <a:prstDash val="solid"/>
+                    </a:lnTlToBr>
+                    <a:lnBlToTr w="12700" cmpd="sng">
+                      <a:noFill/>
+                      <a:prstDash val="solid"/>
+                    </a:lnBlToTr>
+                  </a:tcPr>
+                </a:tc>
+                <a:tc>
+                  <a:txBody>
+                    <a:bodyPr/>
+                    <a:lstStyle/>
+                    <a:p>
+                      <a:pPr marL="0" algn="ctr" defTabSz="914400" rtl="0" eaLnBrk="1" fontAlgn="b" latinLnBrk="0" hangingPunct="1"/>
+                      <a:r>
+                        <a:rPr lang="en-US" sz="1200" b="0" u="none" strike="noStrike" kern="1200" dirty="0">
+                          <a:solidFill>
+                            <a:srgbClr val="000000"/>
+                          </a:solidFill>
+                          <a:effectLst/>
+                        </a:rPr>
+                        <a:t>2019</a:t>
+                      </a:r>
+                      <a:endParaRPr lang="en-US" sz="1200" b="0" u="none" strike="noStrike" kern="1200" dirty="0">
+                        <a:solidFill>
+                          <a:srgbClr val="000000"/>
+                        </a:solidFill>
+                        <a:effectLst/>
+                        <a:latin typeface="+mn-lt"/>
+                        <a:ea typeface="+mn-ea"/>
+                        <a:cs typeface="+mn-cs"/>
+                      </a:endParaRPr>
+                    </a:p>
+                  </a:txBody>
+                  <a:tcPr marL="45720" marR="45720" marT="9525" marB="0" anchor="b">
+                    <a:lnL w="12700" cap="flat" cmpd="sng" algn="ctr">
+                      <a:solidFill>
+                        <a:schemeClr val="tx1"/>
+                      </a:solidFill>
+                      <a:prstDash val="solid"/>
+                      <a:round/>
+                      <a:headEnd type="none" w="med" len="med"/>
+                      <a:tailEnd type="none" w="med" len="med"/>
+                    </a:lnL>
+                    <a:lnR w="12700" cap="flat" cmpd="sng" algn="ctr">
+                      <a:solidFill>
+                        <a:schemeClr val="tx1"/>
+                      </a:solidFill>
+                      <a:prstDash val="solid"/>
+                      <a:round/>
+                      <a:headEnd type="none" w="med" len="med"/>
+                      <a:tailEnd type="none" w="med" len="med"/>
+                    </a:lnR>
+                    <a:lnT w="12700" cap="flat" cmpd="sng" algn="ctr">
+                      <a:solidFill>
+                        <a:schemeClr val="tx1"/>
+                      </a:solidFill>
+                      <a:prstDash val="solid"/>
+                      <a:round/>
+                      <a:headEnd type="none" w="med" len="med"/>
+                      <a:tailEnd type="none" w="med" len="med"/>
+                    </a:lnT>
+                    <a:lnB w="12700" cap="flat" cmpd="sng" algn="ctr">
+                      <a:solidFill>
+                        <a:schemeClr val="tx1"/>
+                      </a:solidFill>
+                      <a:prstDash val="solid"/>
+                      <a:round/>
+                      <a:headEnd type="none" w="med" len="med"/>
+                      <a:tailEnd type="none" w="med" len="med"/>
+                    </a:lnB>
+                    <a:lnTlToBr w="12700" cmpd="sng">
+                      <a:noFill/>
+                      <a:prstDash val="solid"/>
+                    </a:lnTlToBr>
+                    <a:lnBlToTr w="12700" cmpd="sng">
+                      <a:noFill/>
+                      <a:prstDash val="solid"/>
+                    </a:lnBlToTr>
+                  </a:tcPr>
+                </a:tc>
+                <a:tc>
+                  <a:txBody>
+                    <a:bodyPr/>
+                    <a:lstStyle/>
+                    <a:p>
+                      <a:pPr marL="0" algn="ctr" defTabSz="914400" rtl="0" eaLnBrk="1" fontAlgn="b" latinLnBrk="0" hangingPunct="1"/>
+                      <a:r>
+                        <a:rPr lang="en-US" sz="1200" b="0" u="none" strike="noStrike" kern="1200" dirty="0">
+                          <a:solidFill>
+                            <a:srgbClr val="000000"/>
+                          </a:solidFill>
+                          <a:effectLst/>
+                        </a:rPr>
+                        <a:t>2021</a:t>
+                      </a:r>
+                      <a:endParaRPr lang="en-US" sz="1200" b="0" u="none" strike="noStrike" kern="1200" dirty="0">
+                        <a:solidFill>
+                          <a:srgbClr val="000000"/>
+                        </a:solidFill>
+                        <a:effectLst/>
+                        <a:latin typeface="+mn-lt"/>
+                        <a:ea typeface="+mn-ea"/>
+                        <a:cs typeface="+mn-cs"/>
+                      </a:endParaRPr>
+                    </a:p>
+                  </a:txBody>
+                  <a:tcPr marL="45720" marR="45720" marT="9525" marB="0" anchor="b">
+                    <a:lnL w="12700" cap="flat" cmpd="sng" algn="ctr">
+                      <a:solidFill>
+                        <a:schemeClr val="tx1"/>
+                      </a:solidFill>
+                      <a:prstDash val="solid"/>
+                      <a:round/>
+                      <a:headEnd type="none" w="med" len="med"/>
+                      <a:tailEnd type="none" w="med" len="med"/>
+                    </a:lnL>
+                    <a:lnR w="12700" cap="flat" cmpd="sng" algn="ctr">
+                      <a:solidFill>
+                        <a:schemeClr val="tx1"/>
+                      </a:solidFill>
+                      <a:prstDash val="solid"/>
+                      <a:round/>
+                      <a:headEnd type="none" w="med" len="med"/>
+                      <a:tailEnd type="none" w="med" len="med"/>
+                    </a:lnR>
+                    <a:lnT w="12700" cap="flat" cmpd="sng" algn="ctr">
+                      <a:solidFill>
+                        <a:schemeClr val="tx1"/>
+                      </a:solidFill>
+                      <a:prstDash val="solid"/>
+                      <a:round/>
+                      <a:headEnd type="none" w="med" len="med"/>
+                      <a:tailEnd type="none" w="med" len="med"/>
+                    </a:lnT>
+                    <a:lnB w="12700" cap="flat" cmpd="sng" algn="ctr">
+                      <a:solidFill>
+                        <a:schemeClr val="tx1"/>
+                      </a:solidFill>
+                      <a:prstDash val="solid"/>
+                      <a:round/>
+                      <a:headEnd type="none" w="med" len="med"/>
+                      <a:tailEnd type="none" w="med" len="med"/>
+                    </a:lnB>
+                    <a:lnTlToBr w="12700" cmpd="sng">
+                      <a:noFill/>
+                      <a:prstDash val="solid"/>
+                    </a:lnTlToBr>
+                    <a:lnBlToTr w="12700" cmpd="sng">
+                      <a:noFill/>
+                      <a:prstDash val="solid"/>
+                    </a:lnBlToTr>
+                  </a:tcPr>
+                </a:tc>
+                <a:extLst>
+                  <a:ext uri="{0D108BD9-81ED-4DB2-BD59-A6C34878D82A}">
+                    <a16:rowId xmlns:a16="http://schemas.microsoft.com/office/drawing/2014/main" val="1916558983"/>
+                  </a:ext>
+                </a:extLst>
+              </a:tr>
+              <a:tr h="246888">
+                <a:tc>
+                  <a:txBody>
+                    <a:bodyPr/>
+                    <a:lstStyle/>
+                    <a:p>
+                      <a:pPr marL="0" algn="l" defTabSz="914400" rtl="0" eaLnBrk="1" fontAlgn="b" latinLnBrk="0" hangingPunct="1"/>
+                      <a:r>
+                        <a:rPr lang="en-US" sz="1200" b="0" u="none" strike="noStrike" kern="1200" dirty="0">
+                          <a:solidFill>
+                            <a:srgbClr val="000000"/>
+                          </a:solidFill>
+                          <a:effectLst/>
+                        </a:rPr>
+                        <a:t>Closest 5 Services</a:t>
+                      </a:r>
+                      <a:endParaRPr lang="en-US" sz="1200" b="0" u="none" strike="noStrike" kern="1200" dirty="0">
+                        <a:solidFill>
+                          <a:srgbClr val="000000"/>
+                        </a:solidFill>
+                        <a:effectLst/>
+                        <a:latin typeface="+mn-lt"/>
+                        <a:ea typeface="+mn-ea"/>
+                        <a:cs typeface="+mn-cs"/>
+                      </a:endParaRPr>
+                    </a:p>
+                  </a:txBody>
+                  <a:tcPr marL="45720" marR="45720" marT="9525" marB="0" anchor="b">
+                    <a:lnL w="12700" cap="flat" cmpd="sng" algn="ctr">
+                      <a:solidFill>
+                        <a:schemeClr val="tx1"/>
+                      </a:solidFill>
+                      <a:prstDash val="solid"/>
+                      <a:round/>
+                      <a:headEnd type="none" w="med" len="med"/>
+                      <a:tailEnd type="none" w="med" len="med"/>
+                    </a:lnL>
+                    <a:lnR w="12700" cap="flat" cmpd="sng" algn="ctr">
+                      <a:solidFill>
+                        <a:schemeClr val="tx1"/>
+                      </a:solidFill>
+                      <a:prstDash val="solid"/>
+                      <a:round/>
+                      <a:headEnd type="none" w="med" len="med"/>
+                      <a:tailEnd type="none" w="med" len="med"/>
+                    </a:lnR>
+                    <a:lnT w="12700" cap="flat" cmpd="sng" algn="ctr">
+                      <a:solidFill>
+                        <a:schemeClr val="tx1"/>
+                      </a:solidFill>
+                      <a:prstDash val="solid"/>
+                      <a:round/>
+                      <a:headEnd type="none" w="med" len="med"/>
+                      <a:tailEnd type="none" w="med" len="med"/>
+                    </a:lnT>
+                    <a:lnB w="12700" cmpd="sng">
+                      <a:noFill/>
+                    </a:lnB>
+                    <a:lnTlToBr w="12700" cmpd="sng">
+                      <a:noFill/>
+                      <a:prstDash val="solid"/>
+                    </a:lnTlToBr>
+                    <a:lnBlToTr w="12700" cmpd="sng">
+                      <a:noFill/>
+                      <a:prstDash val="solid"/>
+                    </a:lnBlToTr>
+                  </a:tcPr>
+                </a:tc>
+                <a:tc>
+                  <a:txBody>
+                    <a:bodyPr/>
+                    <a:lstStyle/>
+                    <a:p>
+                      <a:pPr marL="0" algn="ctr" defTabSz="914400" rtl="0" eaLnBrk="1" fontAlgn="b" latinLnBrk="0" hangingPunct="1"/>
+                      <a:r>
+                        <a:rPr lang="en-US" sz="1200" b="0" u="none" strike="noStrike" kern="1200" dirty="0">
+                          <a:solidFill>
+                            <a:srgbClr val="000000"/>
+                          </a:solidFill>
+                          <a:effectLst/>
+                        </a:rPr>
+                        <a:t>226.17 seconds</a:t>
+                      </a:r>
+                      <a:endParaRPr lang="en-US" sz="1200" b="0" u="none" strike="noStrike" kern="1200" dirty="0">
+                        <a:solidFill>
+                          <a:srgbClr val="000000"/>
+                        </a:solidFill>
+                        <a:effectLst/>
+                        <a:latin typeface="+mn-lt"/>
+                        <a:ea typeface="+mn-ea"/>
+                        <a:cs typeface="+mn-cs"/>
+                      </a:endParaRPr>
+                    </a:p>
+                  </a:txBody>
+                  <a:tcPr marL="45720" marR="45720" marT="9525" marB="0" anchor="b">
+                    <a:lnL w="12700" cap="flat" cmpd="sng" algn="ctr">
+                      <a:solidFill>
+                        <a:schemeClr val="tx1"/>
+                      </a:solidFill>
+                      <a:prstDash val="solid"/>
+                      <a:round/>
+                      <a:headEnd type="none" w="med" len="med"/>
+                      <a:tailEnd type="none" w="med" len="med"/>
+                    </a:lnL>
+                    <a:lnR w="12700" cap="flat" cmpd="sng" algn="ctr">
+                      <a:solidFill>
+                        <a:schemeClr val="tx1"/>
+                      </a:solidFill>
+                      <a:prstDash val="solid"/>
+                      <a:round/>
+                      <a:headEnd type="none" w="med" len="med"/>
+                      <a:tailEnd type="none" w="med" len="med"/>
+                    </a:lnR>
+                    <a:lnT w="12700" cap="flat" cmpd="sng" algn="ctr">
+                      <a:solidFill>
+                        <a:schemeClr val="tx1"/>
+                      </a:solidFill>
+                      <a:prstDash val="solid"/>
+                      <a:round/>
+                      <a:headEnd type="none" w="med" len="med"/>
+                      <a:tailEnd type="none" w="med" len="med"/>
+                    </a:lnT>
+                    <a:lnB w="12700" cmpd="sng">
+                      <a:noFill/>
+                    </a:lnB>
+                    <a:lnTlToBr w="12700" cmpd="sng">
+                      <a:noFill/>
+                      <a:prstDash val="solid"/>
+                    </a:lnTlToBr>
+                    <a:lnBlToTr w="12700" cmpd="sng">
+                      <a:noFill/>
+                      <a:prstDash val="solid"/>
+                    </a:lnBlToTr>
+                  </a:tcPr>
+                </a:tc>
+                <a:tc>
+                  <a:txBody>
+                    <a:bodyPr/>
+                    <a:lstStyle/>
+                    <a:p>
+                      <a:pPr marL="0" algn="ctr" defTabSz="914400" rtl="0" eaLnBrk="1" fontAlgn="b" latinLnBrk="0" hangingPunct="1"/>
+                      <a:r>
+                        <a:rPr lang="en-US" sz="1200" b="0" u="none" strike="noStrike" kern="1200" dirty="0">
+                          <a:solidFill>
+                            <a:srgbClr val="000000"/>
+                          </a:solidFill>
+                          <a:effectLst/>
+                        </a:rPr>
+                        <a:t>214.03 seconds</a:t>
+                      </a:r>
+                      <a:endParaRPr lang="en-US" sz="1200" b="0" u="none" strike="noStrike" kern="1200" dirty="0">
+                        <a:solidFill>
+                          <a:srgbClr val="000000"/>
+                        </a:solidFill>
+                        <a:effectLst/>
+                        <a:latin typeface="+mn-lt"/>
+                        <a:ea typeface="+mn-ea"/>
+                        <a:cs typeface="+mn-cs"/>
+                      </a:endParaRPr>
+                    </a:p>
+                  </a:txBody>
+                  <a:tcPr marL="45720" marR="45720" marT="9525" marB="0" anchor="b">
+                    <a:lnL w="12700" cap="flat" cmpd="sng" algn="ctr">
+                      <a:solidFill>
+                        <a:schemeClr val="tx1"/>
+                      </a:solidFill>
+                      <a:prstDash val="solid"/>
+                      <a:round/>
+                      <a:headEnd type="none" w="med" len="med"/>
+                      <a:tailEnd type="none" w="med" len="med"/>
+                    </a:lnL>
+                    <a:lnR w="12700" cap="flat" cmpd="sng" algn="ctr">
+                      <a:solidFill>
+                        <a:schemeClr val="tx1"/>
+                      </a:solidFill>
+                      <a:prstDash val="solid"/>
+                      <a:round/>
+                      <a:headEnd type="none" w="med" len="med"/>
+                      <a:tailEnd type="none" w="med" len="med"/>
+                    </a:lnR>
+                    <a:lnT w="12700" cap="flat" cmpd="sng" algn="ctr">
+                      <a:solidFill>
+                        <a:schemeClr val="tx1"/>
+                      </a:solidFill>
+                      <a:prstDash val="solid"/>
+                      <a:round/>
+                      <a:headEnd type="none" w="med" len="med"/>
+                      <a:tailEnd type="none" w="med" len="med"/>
+                    </a:lnT>
+                    <a:lnB w="12700" cmpd="sng">
+                      <a:noFill/>
+                    </a:lnB>
+                    <a:lnTlToBr w="12700" cmpd="sng">
+                      <a:noFill/>
+                      <a:prstDash val="solid"/>
+                    </a:lnTlToBr>
+                    <a:lnBlToTr w="12700" cmpd="sng">
+                      <a:noFill/>
+                      <a:prstDash val="solid"/>
+                    </a:lnBlToTr>
+                  </a:tcPr>
+                </a:tc>
+                <a:extLst>
+                  <a:ext uri="{0D108BD9-81ED-4DB2-BD59-A6C34878D82A}">
+                    <a16:rowId xmlns:a16="http://schemas.microsoft.com/office/drawing/2014/main" val="3339813166"/>
+                  </a:ext>
+                </a:extLst>
+              </a:tr>
+              <a:tr h="246888">
+                <a:tc>
+                  <a:txBody>
+                    <a:bodyPr/>
+                    <a:lstStyle/>
+                    <a:p>
+                      <a:pPr marL="0" algn="l" defTabSz="914400" rtl="0" eaLnBrk="1" fontAlgn="b" latinLnBrk="0" hangingPunct="1"/>
+                      <a:r>
+                        <a:rPr lang="en-US" sz="1200" b="0" u="none" strike="noStrike" kern="1200" dirty="0">
+                          <a:solidFill>
+                            <a:srgbClr val="000000"/>
+                          </a:solidFill>
+                          <a:effectLst/>
+                        </a:rPr>
+                        <a:t>All Services Average</a:t>
+                      </a:r>
+                      <a:endParaRPr lang="en-US" sz="1200" b="0" u="none" strike="noStrike" kern="1200" dirty="0">
+                        <a:solidFill>
+                          <a:srgbClr val="000000"/>
+                        </a:solidFill>
+                        <a:effectLst/>
+                        <a:latin typeface="+mn-lt"/>
+                        <a:ea typeface="+mn-ea"/>
+                        <a:cs typeface="+mn-cs"/>
+                      </a:endParaRPr>
+                    </a:p>
+                  </a:txBody>
+                  <a:tcPr marL="45720" marR="45720" marT="9525" marB="0" anchor="b">
+                    <a:lnL w="12700" cap="flat" cmpd="sng" algn="ctr">
+                      <a:solidFill>
+                        <a:schemeClr val="tx1"/>
+                      </a:solidFill>
+                      <a:prstDash val="solid"/>
+                      <a:round/>
+                      <a:headEnd type="none" w="med" len="med"/>
+                      <a:tailEnd type="none" w="med" len="med"/>
+                    </a:lnL>
+                    <a:lnR w="12700" cap="flat" cmpd="sng" algn="ctr">
+                      <a:solidFill>
+                        <a:schemeClr val="tx1"/>
+                      </a:solidFill>
+                      <a:prstDash val="solid"/>
+                      <a:round/>
+                      <a:headEnd type="none" w="med" len="med"/>
+                      <a:tailEnd type="none" w="med" len="med"/>
+                    </a:lnR>
+                    <a:lnT w="12700" cmpd="sng">
+                      <a:noFill/>
+                    </a:lnT>
+                    <a:lnB w="12700" cap="flat" cmpd="sng" algn="ctr">
+                      <a:solidFill>
+                        <a:schemeClr val="tx1"/>
+                      </a:solidFill>
+                      <a:prstDash val="solid"/>
+                      <a:round/>
+                      <a:headEnd type="none" w="med" len="med"/>
+                      <a:tailEnd type="none" w="med" len="med"/>
+                    </a:lnB>
+                    <a:lnTlToBr w="12700" cmpd="sng">
+                      <a:noFill/>
+                      <a:prstDash val="solid"/>
+                    </a:lnTlToBr>
+                    <a:lnBlToTr w="12700" cmpd="sng">
+                      <a:noFill/>
+                      <a:prstDash val="solid"/>
+                    </a:lnBlToTr>
+                  </a:tcPr>
+                </a:tc>
+                <a:tc>
+                  <a:txBody>
+                    <a:bodyPr/>
+                    <a:lstStyle/>
+                    <a:p>
+                      <a:pPr marL="0" algn="ctr" defTabSz="914400" rtl="0" eaLnBrk="1" fontAlgn="b" latinLnBrk="0" hangingPunct="1"/>
+                      <a:r>
+                        <a:rPr lang="en-US" sz="1200" b="0" u="none" strike="noStrike" kern="1200" dirty="0">
+                          <a:solidFill>
+                            <a:srgbClr val="000000"/>
+                          </a:solidFill>
+                          <a:effectLst/>
+                        </a:rPr>
+                        <a:t>365.81 seconds</a:t>
+                      </a:r>
+                      <a:endParaRPr lang="en-US" sz="1200" b="0" u="none" strike="noStrike" kern="1200" dirty="0">
+                        <a:solidFill>
+                          <a:srgbClr val="000000"/>
+                        </a:solidFill>
+                        <a:effectLst/>
+                        <a:latin typeface="+mn-lt"/>
+                        <a:ea typeface="+mn-ea"/>
+                        <a:cs typeface="+mn-cs"/>
+                      </a:endParaRPr>
+                    </a:p>
+                  </a:txBody>
+                  <a:tcPr marL="45720" marR="45720" marT="9525" marB="0" anchor="b">
+                    <a:lnL w="12700" cap="flat" cmpd="sng" algn="ctr">
+                      <a:solidFill>
+                        <a:schemeClr val="tx1"/>
+                      </a:solidFill>
+                      <a:prstDash val="solid"/>
+                      <a:round/>
+                      <a:headEnd type="none" w="med" len="med"/>
+                      <a:tailEnd type="none" w="med" len="med"/>
+                    </a:lnL>
+                    <a:lnR w="12700" cap="flat" cmpd="sng" algn="ctr">
+                      <a:solidFill>
+                        <a:schemeClr val="tx1"/>
+                      </a:solidFill>
+                      <a:prstDash val="solid"/>
+                      <a:round/>
+                      <a:headEnd type="none" w="med" len="med"/>
+                      <a:tailEnd type="none" w="med" len="med"/>
+                    </a:lnR>
+                    <a:lnT w="12700" cmpd="sng">
+                      <a:noFill/>
+                    </a:lnT>
+                    <a:lnB w="12700" cap="flat" cmpd="sng" algn="ctr">
+                      <a:solidFill>
+                        <a:schemeClr val="tx1"/>
+                      </a:solidFill>
+                      <a:prstDash val="solid"/>
+                      <a:round/>
+                      <a:headEnd type="none" w="med" len="med"/>
+                      <a:tailEnd type="none" w="med" len="med"/>
+                    </a:lnB>
+                    <a:lnTlToBr w="12700" cmpd="sng">
+                      <a:noFill/>
+                      <a:prstDash val="solid"/>
+                    </a:lnTlToBr>
+                    <a:lnBlToTr w="12700" cmpd="sng">
+                      <a:noFill/>
+                      <a:prstDash val="solid"/>
+                    </a:lnBlToTr>
+                  </a:tcPr>
+                </a:tc>
+                <a:tc>
+                  <a:txBody>
+                    <a:bodyPr/>
+                    <a:lstStyle/>
+                    <a:p>
+                      <a:pPr marL="0" algn="ctr" defTabSz="914400" rtl="0" eaLnBrk="1" fontAlgn="b" latinLnBrk="0" hangingPunct="1"/>
+                      <a:r>
+                        <a:rPr lang="en-US" sz="1200" b="0" u="none" strike="noStrike" kern="1200" dirty="0">
+                          <a:solidFill>
+                            <a:srgbClr val="000000"/>
+                          </a:solidFill>
+                          <a:effectLst/>
+                        </a:rPr>
+                        <a:t>352.44 seconds</a:t>
+                      </a:r>
+                      <a:endParaRPr lang="en-US" sz="1200" b="0" u="none" strike="noStrike" kern="1200" dirty="0">
+                        <a:solidFill>
+                          <a:srgbClr val="000000"/>
+                        </a:solidFill>
+                        <a:effectLst/>
+                        <a:latin typeface="+mn-lt"/>
+                        <a:ea typeface="+mn-ea"/>
+                        <a:cs typeface="+mn-cs"/>
+                      </a:endParaRPr>
+                    </a:p>
+                  </a:txBody>
+                  <a:tcPr marL="45720" marR="45720" marT="9525" marB="0" anchor="b">
+                    <a:lnL w="12700" cap="flat" cmpd="sng" algn="ctr">
+                      <a:solidFill>
+                        <a:schemeClr val="tx1"/>
+                      </a:solidFill>
+                      <a:prstDash val="solid"/>
+                      <a:round/>
+                      <a:headEnd type="none" w="med" len="med"/>
+                      <a:tailEnd type="none" w="med" len="med"/>
+                    </a:lnL>
+                    <a:lnR w="12700" cap="flat" cmpd="sng" algn="ctr">
+                      <a:solidFill>
+                        <a:schemeClr val="tx1"/>
+                      </a:solidFill>
+                      <a:prstDash val="solid"/>
+                      <a:round/>
+                      <a:headEnd type="none" w="med" len="med"/>
+                      <a:tailEnd type="none" w="med" len="med"/>
+                    </a:lnR>
+                    <a:lnT w="12700" cmpd="sng">
+                      <a:noFill/>
+                    </a:lnT>
+                    <a:lnB w="12700" cap="flat" cmpd="sng" algn="ctr">
+                      <a:solidFill>
+                        <a:schemeClr val="tx1"/>
+                      </a:solidFill>
+                      <a:prstDash val="solid"/>
+                      <a:round/>
+                      <a:headEnd type="none" w="med" len="med"/>
+                      <a:tailEnd type="none" w="med" len="med"/>
+                    </a:lnB>
+                    <a:lnTlToBr w="12700" cmpd="sng">
+                      <a:noFill/>
+                      <a:prstDash val="solid"/>
+                    </a:lnTlToBr>
+                    <a:lnBlToTr w="12700" cmpd="sng">
+                      <a:noFill/>
+                      <a:prstDash val="solid"/>
+                    </a:lnBlToTr>
+                  </a:tcPr>
+                </a:tc>
+                <a:extLst>
+                  <a:ext uri="{0D108BD9-81ED-4DB2-BD59-A6C34878D82A}">
+                    <a16:rowId xmlns:a16="http://schemas.microsoft.com/office/drawing/2014/main" val="1922535753"/>
+                  </a:ext>
+                </a:extLst>
+              </a:tr>
+            </a:tbl>
+          </a:graphicData>
+        </a:graphic>
+      </p:graphicFrame>
     </p:spTree>
     <p:extLst>
       <p:ext uri="{BB962C8B-B14F-4D97-AF65-F5344CB8AC3E}">
